--- a/CSS_Layout.pptx
+++ b/CSS_Layout.pptx
@@ -5,7 +5,7 @@
     <p:sldMasterId id="2147483648" r:id="rId1"/>
   </p:sldMasterIdLst>
   <p:notesMasterIdLst>
-    <p:notesMasterId r:id="rId33"/>
+    <p:notesMasterId r:id="rId44"/>
   </p:notesMasterIdLst>
   <p:sldIdLst>
     <p:sldId id="256" r:id="rId2"/>
@@ -39,6 +39,17 @@
     <p:sldId id="287" r:id="rId30"/>
     <p:sldId id="288" r:id="rId31"/>
     <p:sldId id="289" r:id="rId32"/>
+    <p:sldId id="291" r:id="rId33"/>
+    <p:sldId id="292" r:id="rId34"/>
+    <p:sldId id="293" r:id="rId35"/>
+    <p:sldId id="294" r:id="rId36"/>
+    <p:sldId id="296" r:id="rId37"/>
+    <p:sldId id="297" r:id="rId38"/>
+    <p:sldId id="298" r:id="rId39"/>
+    <p:sldId id="299" r:id="rId40"/>
+    <p:sldId id="300" r:id="rId41"/>
+    <p:sldId id="301" r:id="rId42"/>
+    <p:sldId id="290" r:id="rId43"/>
   </p:sldIdLst>
   <p:sldSz cx="12192000" cy="6858000"/>
   <p:notesSz cx="6858000" cy="9144000"/>
@@ -230,7 +241,7 @@
           <a:p>
             <a:fld id="{359DA855-7BBE-42A4-99AD-AFD75D65E373}" type="datetimeFigureOut">
               <a:rPr lang="de-DE" smtClean="0"/>
-              <a:t>15.11.2018</a:t>
+              <a:t>16.11.2018</a:t>
             </a:fld>
             <a:endParaRPr lang="de-DE"/>
           </a:p>
@@ -2261,6 +2272,90 @@
 </p:notes>
 </file>
 
+<file path=ppt/notesSlides/notesSlide29.xml><?xml version="1.0" encoding="utf-8"?>
+<p:notes xmlns:a="http://schemas.openxmlformats.org/drawingml/2006/main" xmlns:r="http://schemas.openxmlformats.org/officeDocument/2006/relationships" xmlns:p="http://schemas.openxmlformats.org/presentationml/2006/main">
+  <p:cSld>
+    <p:spTree>
+      <p:nvGrpSpPr>
+        <p:cNvPr id="1" name=""/>
+        <p:cNvGrpSpPr/>
+        <p:nvPr/>
+      </p:nvGrpSpPr>
+      <p:grpSpPr>
+        <a:xfrm>
+          <a:off x="0" y="0"/>
+          <a:ext cx="0" cy="0"/>
+          <a:chOff x="0" y="0"/>
+          <a:chExt cx="0" cy="0"/>
+        </a:xfrm>
+      </p:grpSpPr>
+      <p:sp>
+        <p:nvSpPr>
+          <p:cNvPr id="2" name="Folienbildplatzhalter 1"/>
+          <p:cNvSpPr>
+            <a:spLocks noGrp="1" noRot="1" noChangeAspect="1"/>
+          </p:cNvSpPr>
+          <p:nvPr>
+            <p:ph type="sldImg"/>
+          </p:nvPr>
+        </p:nvSpPr>
+        <p:spPr/>
+      </p:sp>
+      <p:sp>
+        <p:nvSpPr>
+          <p:cNvPr id="3" name="Notizenplatzhalter 2"/>
+          <p:cNvSpPr>
+            <a:spLocks noGrp="1"/>
+          </p:cNvSpPr>
+          <p:nvPr>
+            <p:ph type="body" idx="1"/>
+          </p:nvPr>
+        </p:nvSpPr>
+        <p:spPr/>
+        <p:txBody>
+          <a:bodyPr/>
+          <a:lstStyle/>
+          <a:p>
+            <a:endParaRPr lang="de-DE"/>
+          </a:p>
+        </p:txBody>
+      </p:sp>
+      <p:sp>
+        <p:nvSpPr>
+          <p:cNvPr id="4" name="Foliennummernplatzhalter 3"/>
+          <p:cNvSpPr>
+            <a:spLocks noGrp="1"/>
+          </p:cNvSpPr>
+          <p:nvPr>
+            <p:ph type="sldNum" sz="quarter" idx="10"/>
+          </p:nvPr>
+        </p:nvSpPr>
+        <p:spPr/>
+        <p:txBody>
+          <a:bodyPr/>
+          <a:lstStyle/>
+          <a:p>
+            <a:fld id="{D811B987-FDE7-4B66-9C2E-998486A9FF50}" type="slidenum">
+              <a:rPr lang="de-DE" smtClean="0"/>
+              <a:t>32</a:t>
+            </a:fld>
+            <a:endParaRPr lang="de-DE"/>
+          </a:p>
+        </p:txBody>
+      </p:sp>
+    </p:spTree>
+    <p:extLst>
+      <p:ext uri="{BB962C8B-B14F-4D97-AF65-F5344CB8AC3E}">
+        <p14:creationId xmlns:p14="http://schemas.microsoft.com/office/powerpoint/2010/main" val="1033552231"/>
+      </p:ext>
+    </p:extLst>
+  </p:cSld>
+  <p:clrMapOvr>
+    <a:masterClrMapping/>
+  </p:clrMapOvr>
+</p:notes>
+</file>
+
 <file path=ppt/notesSlides/notesSlide3.xml><?xml version="1.0" encoding="utf-8"?>
 <p:notes xmlns:a="http://schemas.openxmlformats.org/drawingml/2006/main" xmlns:r="http://schemas.openxmlformats.org/officeDocument/2006/relationships" xmlns:p="http://schemas.openxmlformats.org/presentationml/2006/main">
   <p:cSld>
@@ -2336,6 +2431,846 @@
     <p:extLst>
       <p:ext uri="{BB962C8B-B14F-4D97-AF65-F5344CB8AC3E}">
         <p14:creationId xmlns:p14="http://schemas.microsoft.com/office/powerpoint/2010/main" val="2759945529"/>
+      </p:ext>
+    </p:extLst>
+  </p:cSld>
+  <p:clrMapOvr>
+    <a:masterClrMapping/>
+  </p:clrMapOvr>
+</p:notes>
+</file>
+
+<file path=ppt/notesSlides/notesSlide30.xml><?xml version="1.0" encoding="utf-8"?>
+<p:notes xmlns:a="http://schemas.openxmlformats.org/drawingml/2006/main" xmlns:r="http://schemas.openxmlformats.org/officeDocument/2006/relationships" xmlns:p="http://schemas.openxmlformats.org/presentationml/2006/main">
+  <p:cSld>
+    <p:spTree>
+      <p:nvGrpSpPr>
+        <p:cNvPr id="1" name=""/>
+        <p:cNvGrpSpPr/>
+        <p:nvPr/>
+      </p:nvGrpSpPr>
+      <p:grpSpPr>
+        <a:xfrm>
+          <a:off x="0" y="0"/>
+          <a:ext cx="0" cy="0"/>
+          <a:chOff x="0" y="0"/>
+          <a:chExt cx="0" cy="0"/>
+        </a:xfrm>
+      </p:grpSpPr>
+      <p:sp>
+        <p:nvSpPr>
+          <p:cNvPr id="2" name="Folienbildplatzhalter 1"/>
+          <p:cNvSpPr>
+            <a:spLocks noGrp="1" noRot="1" noChangeAspect="1"/>
+          </p:cNvSpPr>
+          <p:nvPr>
+            <p:ph type="sldImg"/>
+          </p:nvPr>
+        </p:nvSpPr>
+        <p:spPr/>
+      </p:sp>
+      <p:sp>
+        <p:nvSpPr>
+          <p:cNvPr id="3" name="Notizenplatzhalter 2"/>
+          <p:cNvSpPr>
+            <a:spLocks noGrp="1"/>
+          </p:cNvSpPr>
+          <p:nvPr>
+            <p:ph type="body" idx="1"/>
+          </p:nvPr>
+        </p:nvSpPr>
+        <p:spPr/>
+        <p:txBody>
+          <a:bodyPr/>
+          <a:lstStyle/>
+          <a:p>
+            <a:endParaRPr lang="de-DE"/>
+          </a:p>
+        </p:txBody>
+      </p:sp>
+      <p:sp>
+        <p:nvSpPr>
+          <p:cNvPr id="4" name="Foliennummernplatzhalter 3"/>
+          <p:cNvSpPr>
+            <a:spLocks noGrp="1"/>
+          </p:cNvSpPr>
+          <p:nvPr>
+            <p:ph type="sldNum" sz="quarter" idx="10"/>
+          </p:nvPr>
+        </p:nvSpPr>
+        <p:spPr/>
+        <p:txBody>
+          <a:bodyPr/>
+          <a:lstStyle/>
+          <a:p>
+            <a:fld id="{D811B987-FDE7-4B66-9C2E-998486A9FF50}" type="slidenum">
+              <a:rPr lang="de-DE" smtClean="0"/>
+              <a:t>33</a:t>
+            </a:fld>
+            <a:endParaRPr lang="de-DE"/>
+          </a:p>
+        </p:txBody>
+      </p:sp>
+    </p:spTree>
+    <p:extLst>
+      <p:ext uri="{BB962C8B-B14F-4D97-AF65-F5344CB8AC3E}">
+        <p14:creationId xmlns:p14="http://schemas.microsoft.com/office/powerpoint/2010/main" val="3295544431"/>
+      </p:ext>
+    </p:extLst>
+  </p:cSld>
+  <p:clrMapOvr>
+    <a:masterClrMapping/>
+  </p:clrMapOvr>
+</p:notes>
+</file>
+
+<file path=ppt/notesSlides/notesSlide31.xml><?xml version="1.0" encoding="utf-8"?>
+<p:notes xmlns:a="http://schemas.openxmlformats.org/drawingml/2006/main" xmlns:r="http://schemas.openxmlformats.org/officeDocument/2006/relationships" xmlns:p="http://schemas.openxmlformats.org/presentationml/2006/main">
+  <p:cSld>
+    <p:spTree>
+      <p:nvGrpSpPr>
+        <p:cNvPr id="1" name=""/>
+        <p:cNvGrpSpPr/>
+        <p:nvPr/>
+      </p:nvGrpSpPr>
+      <p:grpSpPr>
+        <a:xfrm>
+          <a:off x="0" y="0"/>
+          <a:ext cx="0" cy="0"/>
+          <a:chOff x="0" y="0"/>
+          <a:chExt cx="0" cy="0"/>
+        </a:xfrm>
+      </p:grpSpPr>
+      <p:sp>
+        <p:nvSpPr>
+          <p:cNvPr id="2" name="Folienbildplatzhalter 1"/>
+          <p:cNvSpPr>
+            <a:spLocks noGrp="1" noRot="1" noChangeAspect="1"/>
+          </p:cNvSpPr>
+          <p:nvPr>
+            <p:ph type="sldImg"/>
+          </p:nvPr>
+        </p:nvSpPr>
+        <p:spPr/>
+      </p:sp>
+      <p:sp>
+        <p:nvSpPr>
+          <p:cNvPr id="3" name="Notizenplatzhalter 2"/>
+          <p:cNvSpPr>
+            <a:spLocks noGrp="1"/>
+          </p:cNvSpPr>
+          <p:nvPr>
+            <p:ph type="body" idx="1"/>
+          </p:nvPr>
+        </p:nvSpPr>
+        <p:spPr/>
+        <p:txBody>
+          <a:bodyPr/>
+          <a:lstStyle/>
+          <a:p>
+            <a:endParaRPr lang="de-DE"/>
+          </a:p>
+        </p:txBody>
+      </p:sp>
+      <p:sp>
+        <p:nvSpPr>
+          <p:cNvPr id="4" name="Foliennummernplatzhalter 3"/>
+          <p:cNvSpPr>
+            <a:spLocks noGrp="1"/>
+          </p:cNvSpPr>
+          <p:nvPr>
+            <p:ph type="sldNum" sz="quarter" idx="10"/>
+          </p:nvPr>
+        </p:nvSpPr>
+        <p:spPr/>
+        <p:txBody>
+          <a:bodyPr/>
+          <a:lstStyle/>
+          <a:p>
+            <a:fld id="{D811B987-FDE7-4B66-9C2E-998486A9FF50}" type="slidenum">
+              <a:rPr lang="de-DE" smtClean="0"/>
+              <a:t>34</a:t>
+            </a:fld>
+            <a:endParaRPr lang="de-DE"/>
+          </a:p>
+        </p:txBody>
+      </p:sp>
+    </p:spTree>
+    <p:extLst>
+      <p:ext uri="{BB962C8B-B14F-4D97-AF65-F5344CB8AC3E}">
+        <p14:creationId xmlns:p14="http://schemas.microsoft.com/office/powerpoint/2010/main" val="3801329144"/>
+      </p:ext>
+    </p:extLst>
+  </p:cSld>
+  <p:clrMapOvr>
+    <a:masterClrMapping/>
+  </p:clrMapOvr>
+</p:notes>
+</file>
+
+<file path=ppt/notesSlides/notesSlide32.xml><?xml version="1.0" encoding="utf-8"?>
+<p:notes xmlns:a="http://schemas.openxmlformats.org/drawingml/2006/main" xmlns:r="http://schemas.openxmlformats.org/officeDocument/2006/relationships" xmlns:p="http://schemas.openxmlformats.org/presentationml/2006/main">
+  <p:cSld>
+    <p:spTree>
+      <p:nvGrpSpPr>
+        <p:cNvPr id="1" name=""/>
+        <p:cNvGrpSpPr/>
+        <p:nvPr/>
+      </p:nvGrpSpPr>
+      <p:grpSpPr>
+        <a:xfrm>
+          <a:off x="0" y="0"/>
+          <a:ext cx="0" cy="0"/>
+          <a:chOff x="0" y="0"/>
+          <a:chExt cx="0" cy="0"/>
+        </a:xfrm>
+      </p:grpSpPr>
+      <p:sp>
+        <p:nvSpPr>
+          <p:cNvPr id="2" name="Folienbildplatzhalter 1"/>
+          <p:cNvSpPr>
+            <a:spLocks noGrp="1" noRot="1" noChangeAspect="1"/>
+          </p:cNvSpPr>
+          <p:nvPr>
+            <p:ph type="sldImg"/>
+          </p:nvPr>
+        </p:nvSpPr>
+        <p:spPr/>
+      </p:sp>
+      <p:sp>
+        <p:nvSpPr>
+          <p:cNvPr id="3" name="Notizenplatzhalter 2"/>
+          <p:cNvSpPr>
+            <a:spLocks noGrp="1"/>
+          </p:cNvSpPr>
+          <p:nvPr>
+            <p:ph type="body" idx="1"/>
+          </p:nvPr>
+        </p:nvSpPr>
+        <p:spPr/>
+        <p:txBody>
+          <a:bodyPr/>
+          <a:lstStyle/>
+          <a:p>
+            <a:endParaRPr lang="de-DE"/>
+          </a:p>
+        </p:txBody>
+      </p:sp>
+      <p:sp>
+        <p:nvSpPr>
+          <p:cNvPr id="4" name="Foliennummernplatzhalter 3"/>
+          <p:cNvSpPr>
+            <a:spLocks noGrp="1"/>
+          </p:cNvSpPr>
+          <p:nvPr>
+            <p:ph type="sldNum" sz="quarter" idx="10"/>
+          </p:nvPr>
+        </p:nvSpPr>
+        <p:spPr/>
+        <p:txBody>
+          <a:bodyPr/>
+          <a:lstStyle/>
+          <a:p>
+            <a:fld id="{D811B987-FDE7-4B66-9C2E-998486A9FF50}" type="slidenum">
+              <a:rPr lang="de-DE" smtClean="0"/>
+              <a:t>35</a:t>
+            </a:fld>
+            <a:endParaRPr lang="de-DE"/>
+          </a:p>
+        </p:txBody>
+      </p:sp>
+    </p:spTree>
+    <p:extLst>
+      <p:ext uri="{BB962C8B-B14F-4D97-AF65-F5344CB8AC3E}">
+        <p14:creationId xmlns:p14="http://schemas.microsoft.com/office/powerpoint/2010/main" val="3150419757"/>
+      </p:ext>
+    </p:extLst>
+  </p:cSld>
+  <p:clrMapOvr>
+    <a:masterClrMapping/>
+  </p:clrMapOvr>
+</p:notes>
+</file>
+
+<file path=ppt/notesSlides/notesSlide33.xml><?xml version="1.0" encoding="utf-8"?>
+<p:notes xmlns:a="http://schemas.openxmlformats.org/drawingml/2006/main" xmlns:r="http://schemas.openxmlformats.org/officeDocument/2006/relationships" xmlns:p="http://schemas.openxmlformats.org/presentationml/2006/main">
+  <p:cSld>
+    <p:spTree>
+      <p:nvGrpSpPr>
+        <p:cNvPr id="1" name=""/>
+        <p:cNvGrpSpPr/>
+        <p:nvPr/>
+      </p:nvGrpSpPr>
+      <p:grpSpPr>
+        <a:xfrm>
+          <a:off x="0" y="0"/>
+          <a:ext cx="0" cy="0"/>
+          <a:chOff x="0" y="0"/>
+          <a:chExt cx="0" cy="0"/>
+        </a:xfrm>
+      </p:grpSpPr>
+      <p:sp>
+        <p:nvSpPr>
+          <p:cNvPr id="2" name="Folienbildplatzhalter 1"/>
+          <p:cNvSpPr>
+            <a:spLocks noGrp="1" noRot="1" noChangeAspect="1"/>
+          </p:cNvSpPr>
+          <p:nvPr>
+            <p:ph type="sldImg"/>
+          </p:nvPr>
+        </p:nvSpPr>
+        <p:spPr/>
+      </p:sp>
+      <p:sp>
+        <p:nvSpPr>
+          <p:cNvPr id="3" name="Notizenplatzhalter 2"/>
+          <p:cNvSpPr>
+            <a:spLocks noGrp="1"/>
+          </p:cNvSpPr>
+          <p:nvPr>
+            <p:ph type="body" idx="1"/>
+          </p:nvPr>
+        </p:nvSpPr>
+        <p:spPr/>
+        <p:txBody>
+          <a:bodyPr/>
+          <a:lstStyle/>
+          <a:p>
+            <a:endParaRPr lang="de-DE"/>
+          </a:p>
+        </p:txBody>
+      </p:sp>
+      <p:sp>
+        <p:nvSpPr>
+          <p:cNvPr id="4" name="Foliennummernplatzhalter 3"/>
+          <p:cNvSpPr>
+            <a:spLocks noGrp="1"/>
+          </p:cNvSpPr>
+          <p:nvPr>
+            <p:ph type="sldNum" sz="quarter" idx="10"/>
+          </p:nvPr>
+        </p:nvSpPr>
+        <p:spPr/>
+        <p:txBody>
+          <a:bodyPr/>
+          <a:lstStyle/>
+          <a:p>
+            <a:fld id="{D811B987-FDE7-4B66-9C2E-998486A9FF50}" type="slidenum">
+              <a:rPr lang="de-DE" smtClean="0"/>
+              <a:t>36</a:t>
+            </a:fld>
+            <a:endParaRPr lang="de-DE"/>
+          </a:p>
+        </p:txBody>
+      </p:sp>
+    </p:spTree>
+    <p:extLst>
+      <p:ext uri="{BB962C8B-B14F-4D97-AF65-F5344CB8AC3E}">
+        <p14:creationId xmlns:p14="http://schemas.microsoft.com/office/powerpoint/2010/main" val="4149617252"/>
+      </p:ext>
+    </p:extLst>
+  </p:cSld>
+  <p:clrMapOvr>
+    <a:masterClrMapping/>
+  </p:clrMapOvr>
+</p:notes>
+</file>
+
+<file path=ppt/notesSlides/notesSlide34.xml><?xml version="1.0" encoding="utf-8"?>
+<p:notes xmlns:a="http://schemas.openxmlformats.org/drawingml/2006/main" xmlns:r="http://schemas.openxmlformats.org/officeDocument/2006/relationships" xmlns:p="http://schemas.openxmlformats.org/presentationml/2006/main">
+  <p:cSld>
+    <p:spTree>
+      <p:nvGrpSpPr>
+        <p:cNvPr id="1" name=""/>
+        <p:cNvGrpSpPr/>
+        <p:nvPr/>
+      </p:nvGrpSpPr>
+      <p:grpSpPr>
+        <a:xfrm>
+          <a:off x="0" y="0"/>
+          <a:ext cx="0" cy="0"/>
+          <a:chOff x="0" y="0"/>
+          <a:chExt cx="0" cy="0"/>
+        </a:xfrm>
+      </p:grpSpPr>
+      <p:sp>
+        <p:nvSpPr>
+          <p:cNvPr id="2" name="Folienbildplatzhalter 1"/>
+          <p:cNvSpPr>
+            <a:spLocks noGrp="1" noRot="1" noChangeAspect="1"/>
+          </p:cNvSpPr>
+          <p:nvPr>
+            <p:ph type="sldImg"/>
+          </p:nvPr>
+        </p:nvSpPr>
+        <p:spPr/>
+      </p:sp>
+      <p:sp>
+        <p:nvSpPr>
+          <p:cNvPr id="3" name="Notizenplatzhalter 2"/>
+          <p:cNvSpPr>
+            <a:spLocks noGrp="1"/>
+          </p:cNvSpPr>
+          <p:nvPr>
+            <p:ph type="body" idx="1"/>
+          </p:nvPr>
+        </p:nvSpPr>
+        <p:spPr/>
+        <p:txBody>
+          <a:bodyPr/>
+          <a:lstStyle/>
+          <a:p>
+            <a:endParaRPr lang="de-DE"/>
+          </a:p>
+        </p:txBody>
+      </p:sp>
+      <p:sp>
+        <p:nvSpPr>
+          <p:cNvPr id="4" name="Foliennummernplatzhalter 3"/>
+          <p:cNvSpPr>
+            <a:spLocks noGrp="1"/>
+          </p:cNvSpPr>
+          <p:nvPr>
+            <p:ph type="sldNum" sz="quarter" idx="10"/>
+          </p:nvPr>
+        </p:nvSpPr>
+        <p:spPr/>
+        <p:txBody>
+          <a:bodyPr/>
+          <a:lstStyle/>
+          <a:p>
+            <a:fld id="{D811B987-FDE7-4B66-9C2E-998486A9FF50}" type="slidenum">
+              <a:rPr lang="de-DE" smtClean="0"/>
+              <a:t>37</a:t>
+            </a:fld>
+            <a:endParaRPr lang="de-DE"/>
+          </a:p>
+        </p:txBody>
+      </p:sp>
+    </p:spTree>
+    <p:extLst>
+      <p:ext uri="{BB962C8B-B14F-4D97-AF65-F5344CB8AC3E}">
+        <p14:creationId xmlns:p14="http://schemas.microsoft.com/office/powerpoint/2010/main" val="1047910625"/>
+      </p:ext>
+    </p:extLst>
+  </p:cSld>
+  <p:clrMapOvr>
+    <a:masterClrMapping/>
+  </p:clrMapOvr>
+</p:notes>
+</file>
+
+<file path=ppt/notesSlides/notesSlide35.xml><?xml version="1.0" encoding="utf-8"?>
+<p:notes xmlns:a="http://schemas.openxmlformats.org/drawingml/2006/main" xmlns:r="http://schemas.openxmlformats.org/officeDocument/2006/relationships" xmlns:p="http://schemas.openxmlformats.org/presentationml/2006/main">
+  <p:cSld>
+    <p:spTree>
+      <p:nvGrpSpPr>
+        <p:cNvPr id="1" name=""/>
+        <p:cNvGrpSpPr/>
+        <p:nvPr/>
+      </p:nvGrpSpPr>
+      <p:grpSpPr>
+        <a:xfrm>
+          <a:off x="0" y="0"/>
+          <a:ext cx="0" cy="0"/>
+          <a:chOff x="0" y="0"/>
+          <a:chExt cx="0" cy="0"/>
+        </a:xfrm>
+      </p:grpSpPr>
+      <p:sp>
+        <p:nvSpPr>
+          <p:cNvPr id="2" name="Folienbildplatzhalter 1"/>
+          <p:cNvSpPr>
+            <a:spLocks noGrp="1" noRot="1" noChangeAspect="1"/>
+          </p:cNvSpPr>
+          <p:nvPr>
+            <p:ph type="sldImg"/>
+          </p:nvPr>
+        </p:nvSpPr>
+        <p:spPr/>
+      </p:sp>
+      <p:sp>
+        <p:nvSpPr>
+          <p:cNvPr id="3" name="Notizenplatzhalter 2"/>
+          <p:cNvSpPr>
+            <a:spLocks noGrp="1"/>
+          </p:cNvSpPr>
+          <p:nvPr>
+            <p:ph type="body" idx="1"/>
+          </p:nvPr>
+        </p:nvSpPr>
+        <p:spPr/>
+        <p:txBody>
+          <a:bodyPr/>
+          <a:lstStyle/>
+          <a:p>
+            <a:endParaRPr lang="de-DE"/>
+          </a:p>
+        </p:txBody>
+      </p:sp>
+      <p:sp>
+        <p:nvSpPr>
+          <p:cNvPr id="4" name="Foliennummernplatzhalter 3"/>
+          <p:cNvSpPr>
+            <a:spLocks noGrp="1"/>
+          </p:cNvSpPr>
+          <p:nvPr>
+            <p:ph type="sldNum" sz="quarter" idx="10"/>
+          </p:nvPr>
+        </p:nvSpPr>
+        <p:spPr/>
+        <p:txBody>
+          <a:bodyPr/>
+          <a:lstStyle/>
+          <a:p>
+            <a:fld id="{D811B987-FDE7-4B66-9C2E-998486A9FF50}" type="slidenum">
+              <a:rPr lang="de-DE" smtClean="0"/>
+              <a:t>38</a:t>
+            </a:fld>
+            <a:endParaRPr lang="de-DE"/>
+          </a:p>
+        </p:txBody>
+      </p:sp>
+    </p:spTree>
+    <p:extLst>
+      <p:ext uri="{BB962C8B-B14F-4D97-AF65-F5344CB8AC3E}">
+        <p14:creationId xmlns:p14="http://schemas.microsoft.com/office/powerpoint/2010/main" val="4026505850"/>
+      </p:ext>
+    </p:extLst>
+  </p:cSld>
+  <p:clrMapOvr>
+    <a:masterClrMapping/>
+  </p:clrMapOvr>
+</p:notes>
+</file>
+
+<file path=ppt/notesSlides/notesSlide36.xml><?xml version="1.0" encoding="utf-8"?>
+<p:notes xmlns:a="http://schemas.openxmlformats.org/drawingml/2006/main" xmlns:r="http://schemas.openxmlformats.org/officeDocument/2006/relationships" xmlns:p="http://schemas.openxmlformats.org/presentationml/2006/main">
+  <p:cSld>
+    <p:spTree>
+      <p:nvGrpSpPr>
+        <p:cNvPr id="1" name=""/>
+        <p:cNvGrpSpPr/>
+        <p:nvPr/>
+      </p:nvGrpSpPr>
+      <p:grpSpPr>
+        <a:xfrm>
+          <a:off x="0" y="0"/>
+          <a:ext cx="0" cy="0"/>
+          <a:chOff x="0" y="0"/>
+          <a:chExt cx="0" cy="0"/>
+        </a:xfrm>
+      </p:grpSpPr>
+      <p:sp>
+        <p:nvSpPr>
+          <p:cNvPr id="2" name="Folienbildplatzhalter 1"/>
+          <p:cNvSpPr>
+            <a:spLocks noGrp="1" noRot="1" noChangeAspect="1"/>
+          </p:cNvSpPr>
+          <p:nvPr>
+            <p:ph type="sldImg"/>
+          </p:nvPr>
+        </p:nvSpPr>
+        <p:spPr/>
+      </p:sp>
+      <p:sp>
+        <p:nvSpPr>
+          <p:cNvPr id="3" name="Notizenplatzhalter 2"/>
+          <p:cNvSpPr>
+            <a:spLocks noGrp="1"/>
+          </p:cNvSpPr>
+          <p:nvPr>
+            <p:ph type="body" idx="1"/>
+          </p:nvPr>
+        </p:nvSpPr>
+        <p:spPr/>
+        <p:txBody>
+          <a:bodyPr/>
+          <a:lstStyle/>
+          <a:p>
+            <a:endParaRPr lang="de-DE"/>
+          </a:p>
+        </p:txBody>
+      </p:sp>
+      <p:sp>
+        <p:nvSpPr>
+          <p:cNvPr id="4" name="Foliennummernplatzhalter 3"/>
+          <p:cNvSpPr>
+            <a:spLocks noGrp="1"/>
+          </p:cNvSpPr>
+          <p:nvPr>
+            <p:ph type="sldNum" sz="quarter" idx="10"/>
+          </p:nvPr>
+        </p:nvSpPr>
+        <p:spPr/>
+        <p:txBody>
+          <a:bodyPr/>
+          <a:lstStyle/>
+          <a:p>
+            <a:fld id="{D811B987-FDE7-4B66-9C2E-998486A9FF50}" type="slidenum">
+              <a:rPr lang="de-DE" smtClean="0"/>
+              <a:t>39</a:t>
+            </a:fld>
+            <a:endParaRPr lang="de-DE"/>
+          </a:p>
+        </p:txBody>
+      </p:sp>
+    </p:spTree>
+    <p:extLst>
+      <p:ext uri="{BB962C8B-B14F-4D97-AF65-F5344CB8AC3E}">
+        <p14:creationId xmlns:p14="http://schemas.microsoft.com/office/powerpoint/2010/main" val="2854824838"/>
+      </p:ext>
+    </p:extLst>
+  </p:cSld>
+  <p:clrMapOvr>
+    <a:masterClrMapping/>
+  </p:clrMapOvr>
+</p:notes>
+</file>
+
+<file path=ppt/notesSlides/notesSlide37.xml><?xml version="1.0" encoding="utf-8"?>
+<p:notes xmlns:a="http://schemas.openxmlformats.org/drawingml/2006/main" xmlns:r="http://schemas.openxmlformats.org/officeDocument/2006/relationships" xmlns:p="http://schemas.openxmlformats.org/presentationml/2006/main">
+  <p:cSld>
+    <p:spTree>
+      <p:nvGrpSpPr>
+        <p:cNvPr id="1" name=""/>
+        <p:cNvGrpSpPr/>
+        <p:nvPr/>
+      </p:nvGrpSpPr>
+      <p:grpSpPr>
+        <a:xfrm>
+          <a:off x="0" y="0"/>
+          <a:ext cx="0" cy="0"/>
+          <a:chOff x="0" y="0"/>
+          <a:chExt cx="0" cy="0"/>
+        </a:xfrm>
+      </p:grpSpPr>
+      <p:sp>
+        <p:nvSpPr>
+          <p:cNvPr id="2" name="Folienbildplatzhalter 1"/>
+          <p:cNvSpPr>
+            <a:spLocks noGrp="1" noRot="1" noChangeAspect="1"/>
+          </p:cNvSpPr>
+          <p:nvPr>
+            <p:ph type="sldImg"/>
+          </p:nvPr>
+        </p:nvSpPr>
+        <p:spPr/>
+      </p:sp>
+      <p:sp>
+        <p:nvSpPr>
+          <p:cNvPr id="3" name="Notizenplatzhalter 2"/>
+          <p:cNvSpPr>
+            <a:spLocks noGrp="1"/>
+          </p:cNvSpPr>
+          <p:nvPr>
+            <p:ph type="body" idx="1"/>
+          </p:nvPr>
+        </p:nvSpPr>
+        <p:spPr/>
+        <p:txBody>
+          <a:bodyPr/>
+          <a:lstStyle/>
+          <a:p>
+            <a:endParaRPr lang="de-DE"/>
+          </a:p>
+        </p:txBody>
+      </p:sp>
+      <p:sp>
+        <p:nvSpPr>
+          <p:cNvPr id="4" name="Foliennummernplatzhalter 3"/>
+          <p:cNvSpPr>
+            <a:spLocks noGrp="1"/>
+          </p:cNvSpPr>
+          <p:nvPr>
+            <p:ph type="sldNum" sz="quarter" idx="10"/>
+          </p:nvPr>
+        </p:nvSpPr>
+        <p:spPr/>
+        <p:txBody>
+          <a:bodyPr/>
+          <a:lstStyle/>
+          <a:p>
+            <a:fld id="{D811B987-FDE7-4B66-9C2E-998486A9FF50}" type="slidenum">
+              <a:rPr lang="de-DE" smtClean="0"/>
+              <a:t>40</a:t>
+            </a:fld>
+            <a:endParaRPr lang="de-DE"/>
+          </a:p>
+        </p:txBody>
+      </p:sp>
+    </p:spTree>
+    <p:extLst>
+      <p:ext uri="{BB962C8B-B14F-4D97-AF65-F5344CB8AC3E}">
+        <p14:creationId xmlns:p14="http://schemas.microsoft.com/office/powerpoint/2010/main" val="1019898010"/>
+      </p:ext>
+    </p:extLst>
+  </p:cSld>
+  <p:clrMapOvr>
+    <a:masterClrMapping/>
+  </p:clrMapOvr>
+</p:notes>
+</file>
+
+<file path=ppt/notesSlides/notesSlide38.xml><?xml version="1.0" encoding="utf-8"?>
+<p:notes xmlns:a="http://schemas.openxmlformats.org/drawingml/2006/main" xmlns:r="http://schemas.openxmlformats.org/officeDocument/2006/relationships" xmlns:p="http://schemas.openxmlformats.org/presentationml/2006/main">
+  <p:cSld>
+    <p:spTree>
+      <p:nvGrpSpPr>
+        <p:cNvPr id="1" name=""/>
+        <p:cNvGrpSpPr/>
+        <p:nvPr/>
+      </p:nvGrpSpPr>
+      <p:grpSpPr>
+        <a:xfrm>
+          <a:off x="0" y="0"/>
+          <a:ext cx="0" cy="0"/>
+          <a:chOff x="0" y="0"/>
+          <a:chExt cx="0" cy="0"/>
+        </a:xfrm>
+      </p:grpSpPr>
+      <p:sp>
+        <p:nvSpPr>
+          <p:cNvPr id="2" name="Folienbildplatzhalter 1"/>
+          <p:cNvSpPr>
+            <a:spLocks noGrp="1" noRot="1" noChangeAspect="1"/>
+          </p:cNvSpPr>
+          <p:nvPr>
+            <p:ph type="sldImg"/>
+          </p:nvPr>
+        </p:nvSpPr>
+        <p:spPr/>
+      </p:sp>
+      <p:sp>
+        <p:nvSpPr>
+          <p:cNvPr id="3" name="Notizenplatzhalter 2"/>
+          <p:cNvSpPr>
+            <a:spLocks noGrp="1"/>
+          </p:cNvSpPr>
+          <p:nvPr>
+            <p:ph type="body" idx="1"/>
+          </p:nvPr>
+        </p:nvSpPr>
+        <p:spPr/>
+        <p:txBody>
+          <a:bodyPr/>
+          <a:lstStyle/>
+          <a:p>
+            <a:endParaRPr lang="de-DE"/>
+          </a:p>
+        </p:txBody>
+      </p:sp>
+      <p:sp>
+        <p:nvSpPr>
+          <p:cNvPr id="4" name="Foliennummernplatzhalter 3"/>
+          <p:cNvSpPr>
+            <a:spLocks noGrp="1"/>
+          </p:cNvSpPr>
+          <p:nvPr>
+            <p:ph type="sldNum" sz="quarter" idx="10"/>
+          </p:nvPr>
+        </p:nvSpPr>
+        <p:spPr/>
+        <p:txBody>
+          <a:bodyPr/>
+          <a:lstStyle/>
+          <a:p>
+            <a:fld id="{D811B987-FDE7-4B66-9C2E-998486A9FF50}" type="slidenum">
+              <a:rPr lang="de-DE" smtClean="0"/>
+              <a:t>41</a:t>
+            </a:fld>
+            <a:endParaRPr lang="de-DE"/>
+          </a:p>
+        </p:txBody>
+      </p:sp>
+    </p:spTree>
+    <p:extLst>
+      <p:ext uri="{BB962C8B-B14F-4D97-AF65-F5344CB8AC3E}">
+        <p14:creationId xmlns:p14="http://schemas.microsoft.com/office/powerpoint/2010/main" val="1342206300"/>
+      </p:ext>
+    </p:extLst>
+  </p:cSld>
+  <p:clrMapOvr>
+    <a:masterClrMapping/>
+  </p:clrMapOvr>
+</p:notes>
+</file>
+
+<file path=ppt/notesSlides/notesSlide39.xml><?xml version="1.0" encoding="utf-8"?>
+<p:notes xmlns:a="http://schemas.openxmlformats.org/drawingml/2006/main" xmlns:r="http://schemas.openxmlformats.org/officeDocument/2006/relationships" xmlns:p="http://schemas.openxmlformats.org/presentationml/2006/main">
+  <p:cSld>
+    <p:spTree>
+      <p:nvGrpSpPr>
+        <p:cNvPr id="1" name=""/>
+        <p:cNvGrpSpPr/>
+        <p:nvPr/>
+      </p:nvGrpSpPr>
+      <p:grpSpPr>
+        <a:xfrm>
+          <a:off x="0" y="0"/>
+          <a:ext cx="0" cy="0"/>
+          <a:chOff x="0" y="0"/>
+          <a:chExt cx="0" cy="0"/>
+        </a:xfrm>
+      </p:grpSpPr>
+      <p:sp>
+        <p:nvSpPr>
+          <p:cNvPr id="2" name="Folienbildplatzhalter 1"/>
+          <p:cNvSpPr>
+            <a:spLocks noGrp="1" noRot="1" noChangeAspect="1"/>
+          </p:cNvSpPr>
+          <p:nvPr>
+            <p:ph type="sldImg"/>
+          </p:nvPr>
+        </p:nvSpPr>
+        <p:spPr/>
+      </p:sp>
+      <p:sp>
+        <p:nvSpPr>
+          <p:cNvPr id="3" name="Notizenplatzhalter 2"/>
+          <p:cNvSpPr>
+            <a:spLocks noGrp="1"/>
+          </p:cNvSpPr>
+          <p:nvPr>
+            <p:ph type="body" idx="1"/>
+          </p:nvPr>
+        </p:nvSpPr>
+        <p:spPr/>
+        <p:txBody>
+          <a:bodyPr/>
+          <a:lstStyle/>
+          <a:p>
+            <a:endParaRPr lang="de-DE"/>
+          </a:p>
+        </p:txBody>
+      </p:sp>
+      <p:sp>
+        <p:nvSpPr>
+          <p:cNvPr id="4" name="Foliennummernplatzhalter 3"/>
+          <p:cNvSpPr>
+            <a:spLocks noGrp="1"/>
+          </p:cNvSpPr>
+          <p:nvPr>
+            <p:ph type="sldNum" sz="quarter" idx="10"/>
+          </p:nvPr>
+        </p:nvSpPr>
+        <p:spPr/>
+        <p:txBody>
+          <a:bodyPr/>
+          <a:lstStyle/>
+          <a:p>
+            <a:fld id="{D811B987-FDE7-4B66-9C2E-998486A9FF50}" type="slidenum">
+              <a:rPr lang="de-DE" smtClean="0"/>
+              <a:t>42</a:t>
+            </a:fld>
+            <a:endParaRPr lang="de-DE"/>
+          </a:p>
+        </p:txBody>
+      </p:sp>
+    </p:spTree>
+    <p:extLst>
+      <p:ext uri="{BB962C8B-B14F-4D97-AF65-F5344CB8AC3E}">
+        <p14:creationId xmlns:p14="http://schemas.microsoft.com/office/powerpoint/2010/main" val="4212489719"/>
       </p:ext>
     </p:extLst>
   </p:cSld>
@@ -7783,7 +8718,7 @@
         <p:spPr>
           <a:xfrm>
             <a:off x="838198" y="1984202"/>
-            <a:ext cx="5257801" cy="2308324"/>
+            <a:ext cx="8012291" cy="1569660"/>
           </a:xfrm>
           <a:prstGeom prst="rect">
             <a:avLst/>
@@ -7796,19 +8731,13 @@
           </a:bodyPr>
           <a:lstStyle/>
           <a:p>
-            <a:pPr marL="457200" indent="-457200">
-              <a:buFont typeface="Arial" panose="020B0604020202020204" pitchFamily="34" charset="0"/>
-              <a:buChar char="•"/>
-            </a:pPr>
             <a:r>
               <a:rPr lang="de-DE" sz="2600">
                 <a:latin typeface="Lao UI" panose="020B0502040204020203" pitchFamily="34" charset="0"/>
                 <a:cs typeface="Lao UI" panose="020B0502040204020203" pitchFamily="34" charset="0"/>
               </a:rPr>
-              <a:t>Property:</a:t>
-            </a:r>
-          </a:p>
-          <a:p>
+              <a:t>Property: </a:t>
+            </a:r>
             <a:r>
               <a:rPr lang="de-DE" sz="2400">
                 <a:latin typeface="Consolas" panose="020B0609020204030204" pitchFamily="49" charset="0"/>
@@ -7829,10 +8758,6 @@
             </a:endParaRPr>
           </a:p>
           <a:p>
-            <a:pPr marL="457200" indent="-457200">
-              <a:buFont typeface="Arial" panose="020B0604020202020204" pitchFamily="34" charset="0"/>
-              <a:buChar char="•"/>
-            </a:pPr>
             <a:r>
               <a:rPr lang="de-DE" sz="2600">
                 <a:latin typeface="Lao UI" panose="020B0502040204020203" pitchFamily="34" charset="0"/>
@@ -7840,8 +8765,6 @@
               </a:rPr>
               <a:t>Werte:</a:t>
             </a:r>
-          </a:p>
-          <a:p>
             <a:r>
               <a:rPr lang="de-DE" sz="2400">
                 <a:latin typeface="Lao UI" panose="020B0502040204020203" pitchFamily="34" charset="0"/>
@@ -10800,7 +11723,7 @@
         <p:spPr>
           <a:xfrm>
             <a:off x="838198" y="1984202"/>
-            <a:ext cx="7732061" cy="2031325"/>
+            <a:ext cx="10515600" cy="1692771"/>
           </a:xfrm>
           <a:prstGeom prst="rect">
             <a:avLst/>
@@ -10813,10 +11736,6 @@
           </a:bodyPr>
           <a:lstStyle/>
           <a:p>
-            <a:pPr marL="457200" indent="-457200">
-              <a:buFont typeface="Arial" panose="020B0604020202020204" pitchFamily="34" charset="0"/>
-              <a:buChar char="•"/>
-            </a:pPr>
             <a:r>
               <a:rPr lang="de-DE" sz="2600">
                 <a:latin typeface="Lao UI" panose="020B0502040204020203" pitchFamily="34" charset="0"/>
@@ -10826,25 +11745,18 @@
             </a:r>
           </a:p>
           <a:p>
-            <a:pPr marL="457200" indent="-457200">
-              <a:buFont typeface="Arial" panose="020B0604020202020204" pitchFamily="34" charset="0"/>
-              <a:buChar char="•"/>
-            </a:pPr>
+            <a:endParaRPr lang="de-DE" sz="2600">
+              <a:latin typeface="Lao UI" panose="020B0502040204020203" pitchFamily="34" charset="0"/>
+              <a:cs typeface="Lao UI" panose="020B0502040204020203" pitchFamily="34" charset="0"/>
+            </a:endParaRPr>
+          </a:p>
+          <a:p>
             <a:r>
               <a:rPr lang="de-DE" sz="2600">
                 <a:latin typeface="Lao UI" panose="020B0502040204020203" pitchFamily="34" charset="0"/>
                 <a:cs typeface="Lao UI" panose="020B0502040204020203" pitchFamily="34" charset="0"/>
               </a:rPr>
-              <a:t>Property:</a:t>
-            </a:r>
-          </a:p>
-          <a:p>
-            <a:r>
-              <a:rPr lang="de-DE" sz="2400">
-                <a:latin typeface="Consolas" panose="020B0609020204030204" pitchFamily="49" charset="0"/>
-                <a:cs typeface="Consolas" panose="020B0609020204030204" pitchFamily="49" charset="0"/>
-              </a:rPr>
-              <a:t>	</a:t>
+              <a:t>Property: 	</a:t>
             </a:r>
             <a:r>
               <a:rPr lang="de-DE" sz="2200">
@@ -10855,25 +11767,12 @@
             </a:r>
           </a:p>
           <a:p>
-            <a:pPr marL="457200" indent="-457200">
-              <a:buFont typeface="Arial" panose="020B0604020202020204" pitchFamily="34" charset="0"/>
-              <a:buChar char="•"/>
-            </a:pPr>
             <a:r>
               <a:rPr lang="de-DE" sz="2600">
                 <a:latin typeface="Lao UI" panose="020B0502040204020203" pitchFamily="34" charset="0"/>
                 <a:cs typeface="Lao UI" panose="020B0502040204020203" pitchFamily="34" charset="0"/>
               </a:rPr>
-              <a:t>Werte:</a:t>
-            </a:r>
-          </a:p>
-          <a:p>
-            <a:r>
-              <a:rPr lang="de-DE" sz="2400">
-                <a:latin typeface="Lao UI" panose="020B0502040204020203" pitchFamily="34" charset="0"/>
-                <a:cs typeface="Lao UI" panose="020B0502040204020203" pitchFamily="34" charset="0"/>
-              </a:rPr>
-              <a:t>	</a:t>
+              <a:t>Werte:	</a:t>
             </a:r>
             <a:r>
               <a:rPr lang="de-DE" sz="2200">
@@ -11172,7 +12071,7 @@
         <p:spPr>
           <a:xfrm>
             <a:off x="838198" y="1984202"/>
-            <a:ext cx="7732061" cy="1631216"/>
+            <a:ext cx="7732061" cy="892552"/>
           </a:xfrm>
           <a:prstGeom prst="rect">
             <a:avLst/>
@@ -11185,19 +12084,13 @@
           </a:bodyPr>
           <a:lstStyle/>
           <a:p>
-            <a:pPr marL="457200" indent="-457200">
-              <a:buFont typeface="Arial" panose="020B0604020202020204" pitchFamily="34" charset="0"/>
-              <a:buChar char="•"/>
-            </a:pPr>
             <a:r>
               <a:rPr lang="de-DE" sz="2600">
                 <a:latin typeface="Lao UI" panose="020B0502040204020203" pitchFamily="34" charset="0"/>
                 <a:cs typeface="Lao UI" panose="020B0502040204020203" pitchFamily="34" charset="0"/>
               </a:rPr>
-              <a:t>Properties:</a:t>
-            </a:r>
-          </a:p>
-          <a:p>
+              <a:t>Properties: </a:t>
+            </a:r>
             <a:r>
               <a:rPr lang="de-DE" sz="2400">
                 <a:latin typeface="Consolas" panose="020B0609020204030204" pitchFamily="49" charset="0"/>
@@ -11214,10 +12107,6 @@
             </a:r>
           </a:p>
           <a:p>
-            <a:pPr marL="457200" indent="-457200">
-              <a:buFont typeface="Arial" panose="020B0604020202020204" pitchFamily="34" charset="0"/>
-              <a:buChar char="•"/>
-            </a:pPr>
             <a:r>
               <a:rPr lang="de-DE" sz="2600">
                 <a:latin typeface="Lao UI" panose="020B0502040204020203" pitchFamily="34" charset="0"/>
@@ -11225,8 +12114,6 @@
               </a:rPr>
               <a:t>Werte:</a:t>
             </a:r>
-          </a:p>
-          <a:p>
             <a:r>
               <a:rPr lang="de-DE" sz="2400">
                 <a:latin typeface="Lao UI" panose="020B0502040204020203" pitchFamily="34" charset="0"/>
@@ -14754,7 +15641,7 @@
         <p:spPr>
           <a:xfrm>
             <a:off x="838198" y="1984202"/>
-            <a:ext cx="7104531" cy="2418419"/>
+            <a:ext cx="7104531" cy="4132350"/>
           </a:xfrm>
           <a:prstGeom prst="rect">
             <a:avLst/>
@@ -14839,7 +15726,7 @@
                 <a:latin typeface="Lao UI" panose="020B0502040204020203" pitchFamily="34" charset="0"/>
                 <a:cs typeface="Lao UI" panose="020B0502040204020203" pitchFamily="34" charset="0"/>
               </a:rPr>
-              <a:t>Vergleichbar mit FlowLayout von Swing</a:t>
+              <a:t>Vergleichbar mit FlowLayout und GridLayout von Swing</a:t>
             </a:r>
           </a:p>
           <a:p>
@@ -14855,8 +15742,29 @@
                 <a:latin typeface="Lao UI" panose="020B0502040204020203" pitchFamily="34" charset="0"/>
                 <a:cs typeface="Lao UI" panose="020B0502040204020203" pitchFamily="34" charset="0"/>
               </a:rPr>
-              <a:t>Kinder(Items) können Position beeinflußen</a:t>
-            </a:r>
+              <a:t>Kinder (Items) können Position beeinflußen</a:t>
+            </a:r>
+          </a:p>
+          <a:p>
+            <a:pPr marL="457200" indent="-457200">
+              <a:lnSpc>
+                <a:spcPct val="150000"/>
+              </a:lnSpc>
+              <a:buFont typeface="Arial" panose="020B0604020202020204" pitchFamily="34" charset="0"/>
+              <a:buChar char="•"/>
+            </a:pPr>
+            <a:r>
+              <a:rPr lang="de-DE" sz="2400">
+                <a:latin typeface="Lao UI" panose="020B0502040204020203" pitchFamily="34" charset="0"/>
+                <a:cs typeface="Lao UI" panose="020B0502040204020203" pitchFamily="34" charset="0"/>
+                <a:hlinkClick r:id="rId4"/>
+              </a:rPr>
+              <a:t>https://css-tricks.com/snippets/css/a-guide-to-flexbox/</a:t>
+            </a:r>
+            <a:endParaRPr lang="de-DE" sz="2400">
+              <a:latin typeface="Lao UI" panose="020B0502040204020203" pitchFamily="34" charset="0"/>
+              <a:cs typeface="Lao UI" panose="020B0502040204020203" pitchFamily="34" charset="0"/>
+            </a:endParaRPr>
           </a:p>
         </p:txBody>
       </p:sp>
@@ -14875,7 +15783,7 @@
           <p:nvPr/>
         </p:nvPicPr>
         <p:blipFill>
-          <a:blip r:embed="rId4"/>
+          <a:blip r:embed="rId5"/>
           <a:stretch>
             <a:fillRect/>
           </a:stretch>
@@ -14897,50 +15805,6 @@
           </a:effectLst>
         </p:spPr>
       </p:pic>
-      <p:sp>
-        <p:nvSpPr>
-          <p:cNvPr id="5" name="Textfeld 4">
-            <a:extLst>
-              <a:ext uri="{FF2B5EF4-FFF2-40B4-BE49-F238E27FC236}">
-                <a16:creationId xmlns:a16="http://schemas.microsoft.com/office/drawing/2014/main" id="{B16EE068-6290-4F9E-9656-3A46A985C7C4}"/>
-              </a:ext>
-            </a:extLst>
-          </p:cNvPr>
-          <p:cNvSpPr txBox="1"/>
-          <p:nvPr/>
-        </p:nvSpPr>
-        <p:spPr>
-          <a:xfrm>
-            <a:off x="1739153" y="6519446"/>
-            <a:ext cx="10452847" cy="338554"/>
-          </a:xfrm>
-          <a:prstGeom prst="rect">
-            <a:avLst/>
-          </a:prstGeom>
-          <a:noFill/>
-        </p:spPr>
-        <p:txBody>
-          <a:bodyPr wrap="square" rtlCol="0">
-            <a:spAutoFit/>
-          </a:bodyPr>
-          <a:lstStyle/>
-          <a:p>
-            <a:pPr algn="r"/>
-            <a:r>
-              <a:rPr lang="de-DE" sz="1600">
-                <a:latin typeface="Lao UI" panose="020B0502040204020203" pitchFamily="34" charset="0"/>
-                <a:cs typeface="Lao UI" panose="020B0502040204020203" pitchFamily="34" charset="0"/>
-                <a:hlinkClick r:id="rId5"/>
-              </a:rPr>
-              <a:t>Guide zur Flexbox</a:t>
-            </a:r>
-            <a:endParaRPr lang="de-DE" sz="1600">
-              <a:latin typeface="Lao UI" panose="020B0502040204020203" pitchFamily="34" charset="0"/>
-              <a:cs typeface="Lao UI" panose="020B0502040204020203" pitchFamily="34" charset="0"/>
-            </a:endParaRPr>
-          </a:p>
-        </p:txBody>
-      </p:sp>
       <p:sp>
         <p:nvSpPr>
           <p:cNvPr id="3" name="Foliennummernplatzhalter 2">
@@ -15046,50 +15910,6 @@
       </p:sp>
       <p:sp>
         <p:nvSpPr>
-          <p:cNvPr id="5" name="Textfeld 4">
-            <a:extLst>
-              <a:ext uri="{FF2B5EF4-FFF2-40B4-BE49-F238E27FC236}">
-                <a16:creationId xmlns:a16="http://schemas.microsoft.com/office/drawing/2014/main" id="{FE5A034F-DE15-40DA-BF35-A04BA2821018}"/>
-              </a:ext>
-            </a:extLst>
-          </p:cNvPr>
-          <p:cNvSpPr txBox="1"/>
-          <p:nvPr/>
-        </p:nvSpPr>
-        <p:spPr>
-          <a:xfrm>
-            <a:off x="1739153" y="6519446"/>
-            <a:ext cx="10452847" cy="338554"/>
-          </a:xfrm>
-          <a:prstGeom prst="rect">
-            <a:avLst/>
-          </a:prstGeom>
-          <a:noFill/>
-        </p:spPr>
-        <p:txBody>
-          <a:bodyPr wrap="square" rtlCol="0">
-            <a:spAutoFit/>
-          </a:bodyPr>
-          <a:lstStyle/>
-          <a:p>
-            <a:pPr algn="r"/>
-            <a:r>
-              <a:rPr lang="de-DE" sz="1600">
-                <a:latin typeface="Lao UI" panose="020B0502040204020203" pitchFamily="34" charset="0"/>
-                <a:cs typeface="Lao UI" panose="020B0502040204020203" pitchFamily="34" charset="0"/>
-                <a:hlinkClick r:id="rId4"/>
-              </a:rPr>
-              <a:t>Weitere Selektoren</a:t>
-            </a:r>
-            <a:endParaRPr lang="de-DE" sz="1600">
-              <a:latin typeface="Lao UI" panose="020B0502040204020203" pitchFamily="34" charset="0"/>
-              <a:cs typeface="Lao UI" panose="020B0502040204020203" pitchFamily="34" charset="0"/>
-            </a:endParaRPr>
-          </a:p>
-        </p:txBody>
-      </p:sp>
-      <p:sp>
-        <p:nvSpPr>
           <p:cNvPr id="6" name="Foliennummernplatzhalter 5">
             <a:extLst>
               <a:ext uri="{FF2B5EF4-FFF2-40B4-BE49-F238E27FC236}">
@@ -15193,7 +16013,7 @@
           <p:nvPr/>
         </p:nvPicPr>
         <p:blipFill>
-          <a:blip r:embed="rId5"/>
+          <a:blip r:embed="rId4"/>
           <a:stretch>
             <a:fillRect/>
           </a:stretch>
@@ -15267,7 +16087,7 @@
                 <a:latin typeface="Lao UI" panose="020B0502040204020203" pitchFamily="34" charset="0"/>
                 <a:cs typeface="Lao UI" panose="020B0502040204020203" pitchFamily="34" charset="0"/>
               </a:rPr>
-              <a:t>Unterteilung in Hauptachse und Kreuzachse</a:t>
+              <a:t>Unterteilung in Hauptachse und Querachse</a:t>
             </a:r>
           </a:p>
           <a:p>
@@ -15374,7 +16194,7 @@
         <p:spPr>
           <a:xfrm>
             <a:off x="838198" y="1984202"/>
-            <a:ext cx="7732061" cy="2031325"/>
+            <a:ext cx="7732061" cy="1692771"/>
           </a:xfrm>
           <a:prstGeom prst="rect">
             <a:avLst/>
@@ -15387,10 +16207,6 @@
           </a:bodyPr>
           <a:lstStyle/>
           <a:p>
-            <a:pPr marL="457200" indent="-457200">
-              <a:buFont typeface="Arial" panose="020B0604020202020204" pitchFamily="34" charset="0"/>
-              <a:buChar char="•"/>
-            </a:pPr>
             <a:r>
               <a:rPr lang="de-DE" sz="2600">
                 <a:latin typeface="Lao UI" panose="020B0502040204020203" pitchFamily="34" charset="0"/>
@@ -15400,19 +16216,19 @@
             </a:r>
           </a:p>
           <a:p>
-            <a:pPr marL="457200" indent="-457200">
-              <a:buFont typeface="Arial" panose="020B0604020202020204" pitchFamily="34" charset="0"/>
-              <a:buChar char="•"/>
-            </a:pPr>
+            <a:endParaRPr lang="de-DE" sz="2600">
+              <a:latin typeface="Lao UI" panose="020B0502040204020203" pitchFamily="34" charset="0"/>
+              <a:cs typeface="Lao UI" panose="020B0502040204020203" pitchFamily="34" charset="0"/>
+            </a:endParaRPr>
+          </a:p>
+          <a:p>
             <a:r>
               <a:rPr lang="de-DE" sz="2600">
                 <a:latin typeface="Lao UI" panose="020B0502040204020203" pitchFamily="34" charset="0"/>
                 <a:cs typeface="Lao UI" panose="020B0502040204020203" pitchFamily="34" charset="0"/>
               </a:rPr>
-              <a:t>Property:</a:t>
-            </a:r>
-          </a:p>
-          <a:p>
+              <a:t>Property: </a:t>
+            </a:r>
             <a:r>
               <a:rPr lang="de-DE" sz="2400">
                 <a:latin typeface="Consolas" panose="020B0609020204030204" pitchFamily="49" charset="0"/>
@@ -15429,10 +16245,6 @@
             </a:r>
           </a:p>
           <a:p>
-            <a:pPr marL="457200" indent="-457200">
-              <a:buFont typeface="Arial" panose="020B0604020202020204" pitchFamily="34" charset="0"/>
-              <a:buChar char="•"/>
-            </a:pPr>
             <a:r>
               <a:rPr lang="de-DE" sz="2600">
                 <a:latin typeface="Lao UI" panose="020B0502040204020203" pitchFamily="34" charset="0"/>
@@ -15440,8 +16252,6 @@
               </a:rPr>
               <a:t>Werte:</a:t>
             </a:r>
-          </a:p>
-          <a:p>
             <a:r>
               <a:rPr lang="de-DE" sz="2400">
                 <a:latin typeface="Lao UI" panose="020B0502040204020203" pitchFamily="34" charset="0"/>
@@ -15655,7 +16465,7 @@
         <p:spPr>
           <a:xfrm>
             <a:off x="838198" y="1984202"/>
-            <a:ext cx="7639758" cy="3077766"/>
+            <a:ext cx="7639758" cy="2708434"/>
           </a:xfrm>
           <a:prstGeom prst="rect">
             <a:avLst/>
@@ -15694,19 +16504,19 @@
             </a:r>
           </a:p>
           <a:p>
-            <a:pPr marL="457200" indent="-457200">
-              <a:buFont typeface="Arial" panose="020B0604020202020204" pitchFamily="34" charset="0"/>
-              <a:buChar char="•"/>
-            </a:pPr>
+            <a:endParaRPr lang="de-DE" sz="2400">
+              <a:latin typeface="Lao UI" panose="020B0502040204020203" pitchFamily="34" charset="0"/>
+              <a:cs typeface="Lao UI" panose="020B0502040204020203" pitchFamily="34" charset="0"/>
+            </a:endParaRPr>
+          </a:p>
+          <a:p>
             <a:r>
               <a:rPr lang="de-DE" sz="2400">
                 <a:latin typeface="Lao UI" panose="020B0502040204020203" pitchFamily="34" charset="0"/>
                 <a:cs typeface="Lao UI" panose="020B0502040204020203" pitchFamily="34" charset="0"/>
               </a:rPr>
-              <a:t>Property:</a:t>
-            </a:r>
-          </a:p>
-          <a:p>
+              <a:t>Property: </a:t>
+            </a:r>
             <a:r>
               <a:rPr lang="de-DE" sz="2400">
                 <a:latin typeface="Consolas" panose="020B0609020204030204" pitchFamily="49" charset="0"/>
@@ -15723,10 +16533,6 @@
             </a:r>
           </a:p>
           <a:p>
-            <a:pPr marL="457200" indent="-457200">
-              <a:buFont typeface="Arial" panose="020B0604020202020204" pitchFamily="34" charset="0"/>
-              <a:buChar char="•"/>
-            </a:pPr>
             <a:r>
               <a:rPr lang="de-DE" sz="2400">
                 <a:latin typeface="Lao UI" panose="020B0502040204020203" pitchFamily="34" charset="0"/>
@@ -15739,10 +16545,8 @@
                 <a:latin typeface="Lao UI" panose="020B0502040204020203" pitchFamily="34" charset="0"/>
                 <a:cs typeface="Lao UI" panose="020B0502040204020203" pitchFamily="34" charset="0"/>
               </a:rPr>
-              <a:t>:</a:t>
-            </a:r>
-          </a:p>
-          <a:p>
+              <a:t>:	</a:t>
+            </a:r>
             <a:r>
               <a:rPr lang="de-DE" sz="2400">
                 <a:latin typeface="Lao UI" panose="020B0502040204020203" pitchFamily="34" charset="0"/>
@@ -15956,7 +16760,7 @@
         <p:spPr>
           <a:xfrm>
             <a:off x="838198" y="1984202"/>
-            <a:ext cx="7639758" cy="3046988"/>
+            <a:ext cx="7639758" cy="2646878"/>
           </a:xfrm>
           <a:prstGeom prst="rect">
             <a:avLst/>
@@ -15992,19 +16796,13 @@
             </a:endParaRPr>
           </a:p>
           <a:p>
-            <a:pPr marL="457200" indent="-457200">
-              <a:buFont typeface="Arial" panose="020B0604020202020204" pitchFamily="34" charset="0"/>
-              <a:buChar char="•"/>
-            </a:pPr>
             <a:r>
               <a:rPr lang="de-DE" sz="2400">
                 <a:latin typeface="Lao UI" panose="020B0502040204020203" pitchFamily="34" charset="0"/>
                 <a:cs typeface="Lao UI" panose="020B0502040204020203" pitchFamily="34" charset="0"/>
               </a:rPr>
-              <a:t>Property:</a:t>
-            </a:r>
-          </a:p>
-          <a:p>
+              <a:t>Property: </a:t>
+            </a:r>
             <a:r>
               <a:rPr lang="de-DE" sz="2400">
                 <a:latin typeface="Consolas" panose="020B0609020204030204" pitchFamily="49" charset="0"/>
@@ -16021,10 +16819,6 @@
             </a:r>
           </a:p>
           <a:p>
-            <a:pPr marL="457200" indent="-457200">
-              <a:buFont typeface="Arial" panose="020B0604020202020204" pitchFamily="34" charset="0"/>
-              <a:buChar char="•"/>
-            </a:pPr>
             <a:r>
               <a:rPr lang="de-DE" sz="2400">
                 <a:latin typeface="Lao UI" panose="020B0502040204020203" pitchFamily="34" charset="0"/>
@@ -16039,14 +16833,12 @@
               </a:rPr>
               <a:t>:</a:t>
             </a:r>
-          </a:p>
-          <a:p>
             <a:r>
               <a:rPr lang="de-DE" sz="2400">
                 <a:latin typeface="Lao UI" panose="020B0502040204020203" pitchFamily="34" charset="0"/>
                 <a:cs typeface="Lao UI" panose="020B0502040204020203" pitchFamily="34" charset="0"/>
               </a:rPr>
-              <a:t>	</a:t>
+              <a:t>		</a:t>
             </a:r>
             <a:r>
               <a:rPr lang="de-DE" sz="2200">
@@ -16056,7 +16848,31 @@
                 <a:latin typeface="Consolas" panose="020B0609020204030204" pitchFamily="49" charset="0"/>
                 <a:cs typeface="Consolas" panose="020B0609020204030204" pitchFamily="49" charset="0"/>
               </a:rPr>
-              <a:t>[flex-start|flex-end|center|space-	 	           	 between|space-around|space-evenly]</a:t>
+              <a:t>[flex-start|flex-end|center|</a:t>
+            </a:r>
+          </a:p>
+          <a:p>
+            <a:r>
+              <a:rPr lang="de-DE" sz="2200">
+                <a:solidFill>
+                  <a:srgbClr val="0000C0"/>
+                </a:solidFill>
+                <a:latin typeface="Consolas" panose="020B0609020204030204" pitchFamily="49" charset="0"/>
+                <a:cs typeface="Consolas" panose="020B0609020204030204" pitchFamily="49" charset="0"/>
+              </a:rPr>
+              <a:t>		 space-between|space-around|</a:t>
+            </a:r>
+          </a:p>
+          <a:p>
+            <a:r>
+              <a:rPr lang="de-DE" sz="2200">
+                <a:solidFill>
+                  <a:srgbClr val="0000C0"/>
+                </a:solidFill>
+                <a:latin typeface="Consolas" panose="020B0609020204030204" pitchFamily="49" charset="0"/>
+                <a:cs typeface="Consolas" panose="020B0609020204030204" pitchFamily="49" charset="0"/>
+              </a:rPr>
+              <a:t>		 space-evenly]</a:t>
             </a:r>
             <a:endParaRPr lang="de-DE" sz="2200">
               <a:latin typeface="Lao UI" panose="020B0502040204020203" pitchFamily="34" charset="0"/>
@@ -16254,7 +17070,7 @@
         <p:spPr>
           <a:xfrm>
             <a:off x="838198" y="1984202"/>
-            <a:ext cx="6431846" cy="3046988"/>
+            <a:ext cx="7288600" cy="2308324"/>
           </a:xfrm>
           <a:prstGeom prst="rect">
             <a:avLst/>
@@ -16276,7 +17092,7 @@
                 <a:latin typeface="Lao UI" panose="020B0502040204020203" pitchFamily="34" charset="0"/>
                 <a:cs typeface="Lao UI" panose="020B0502040204020203" pitchFamily="34" charset="0"/>
               </a:rPr>
-              <a:t>Definiert die Ausrichtung entlang der Kreuzachse pro Zeile/Spalte</a:t>
+              <a:t>Definiert die Ausrichtung entlang der Querachse pro Zeile/Spalte</a:t>
             </a:r>
           </a:p>
           <a:p>
@@ -16290,19 +17106,13 @@
             </a:endParaRPr>
           </a:p>
           <a:p>
-            <a:pPr marL="457200" indent="-457200">
-              <a:buFont typeface="Arial" panose="020B0604020202020204" pitchFamily="34" charset="0"/>
-              <a:buChar char="•"/>
-            </a:pPr>
             <a:r>
               <a:rPr lang="de-DE" sz="2400">
                 <a:latin typeface="Lao UI" panose="020B0502040204020203" pitchFamily="34" charset="0"/>
                 <a:cs typeface="Lao UI" panose="020B0502040204020203" pitchFamily="34" charset="0"/>
               </a:rPr>
-              <a:t>Property:</a:t>
-            </a:r>
-          </a:p>
-          <a:p>
+              <a:t>Property: </a:t>
+            </a:r>
             <a:r>
               <a:rPr lang="de-DE" sz="2400">
                 <a:latin typeface="Consolas" panose="020B0609020204030204" pitchFamily="49" charset="0"/>
@@ -16319,10 +17129,6 @@
             </a:r>
           </a:p>
           <a:p>
-            <a:pPr marL="457200" indent="-457200">
-              <a:buFont typeface="Arial" panose="020B0604020202020204" pitchFamily="34" charset="0"/>
-              <a:buChar char="•"/>
-            </a:pPr>
             <a:r>
               <a:rPr lang="de-DE" sz="2400">
                 <a:latin typeface="Lao UI" panose="020B0502040204020203" pitchFamily="34" charset="0"/>
@@ -16337,14 +17143,12 @@
               </a:rPr>
               <a:t>:</a:t>
             </a:r>
-          </a:p>
-          <a:p>
             <a:r>
               <a:rPr lang="de-DE" sz="2400">
                 <a:latin typeface="Lao UI" panose="020B0502040204020203" pitchFamily="34" charset="0"/>
                 <a:cs typeface="Lao UI" panose="020B0502040204020203" pitchFamily="34" charset="0"/>
               </a:rPr>
-              <a:t>	</a:t>
+              <a:t>		</a:t>
             </a:r>
             <a:r>
               <a:rPr lang="de-DE" sz="2200">
@@ -16366,7 +17170,7 @@
                 <a:latin typeface="Consolas" panose="020B0609020204030204" pitchFamily="49" charset="0"/>
                 <a:cs typeface="Consolas" panose="020B0609020204030204" pitchFamily="49" charset="0"/>
               </a:rPr>
-              <a:t>	 stretch|baseline]</a:t>
+              <a:t>	 	 stretch|baseline]</a:t>
             </a:r>
             <a:endParaRPr lang="de-DE" sz="2200">
               <a:latin typeface="Lao UI" panose="020B0502040204020203" pitchFamily="34" charset="0"/>
@@ -16427,7 +17231,7 @@
         </p:blipFill>
         <p:spPr>
           <a:xfrm>
-            <a:off x="8190144" y="1276264"/>
+            <a:off x="8126798" y="1691572"/>
             <a:ext cx="3690337" cy="4605247"/>
           </a:xfrm>
           <a:prstGeom prst="rect">
@@ -16573,6 +17377,9 @@
           </a:bodyPr>
           <a:lstStyle/>
           <a:p>
+            <a:pPr marL="0" indent="0">
+              <a:buNone/>
+            </a:pPr>
             <a:r>
               <a:rPr lang="de-DE" sz="2600">
                 <a:latin typeface="Lao UI" panose="020B0502040204020203" pitchFamily="34" charset="0"/>
@@ -16641,7 +17448,7 @@
                 <a:latin typeface="Consolas" panose="020B0609020204030204" pitchFamily="49" charset="0"/>
                 <a:cs typeface="Consolas" panose="020B0609020204030204" pitchFamily="49" charset="0"/>
               </a:rPr>
-              <a:t>&lt;Selektor&gt; [Selektoren…] </a:t>
+              <a:t>&lt;Selektoren&gt; [, Selektoren…] </a:t>
             </a:r>
             <a:r>
               <a:rPr lang="de-DE" sz="2000">
@@ -16890,7 +17697,7 @@
         <p:spPr>
           <a:xfrm>
             <a:off x="838198" y="1984202"/>
-            <a:ext cx="7267224" cy="3046988"/>
+            <a:ext cx="7267224" cy="3016210"/>
           </a:xfrm>
           <a:prstGeom prst="rect">
             <a:avLst/>
@@ -16912,23 +17719,23 @@
                 <a:latin typeface="Lao UI" panose="020B0502040204020203" pitchFamily="34" charset="0"/>
                 <a:cs typeface="Lao UI" panose="020B0502040204020203" pitchFamily="34" charset="0"/>
               </a:rPr>
-              <a:t>Definiert das Verhalten der einzelnen Zeilen/Spalten, wenn mehr Platz in der Kreuzachse zur Verfügung steht</a:t>
-            </a:r>
-          </a:p>
-          <a:p>
-            <a:pPr marL="457200" indent="-457200">
-              <a:buFont typeface="Arial" panose="020B0604020202020204" pitchFamily="34" charset="0"/>
-              <a:buChar char="•"/>
-            </a:pPr>
+              <a:t>Definiert das Verhalten der einzelnen Zeilen/Spalten, wenn mehr Platz in der Querachse zur Verfügung steht</a:t>
+            </a:r>
+          </a:p>
+          <a:p>
+            <a:endParaRPr lang="de-DE" sz="2400">
+              <a:latin typeface="Lao UI" panose="020B0502040204020203" pitchFamily="34" charset="0"/>
+              <a:cs typeface="Lao UI" panose="020B0502040204020203" pitchFamily="34" charset="0"/>
+            </a:endParaRPr>
+          </a:p>
+          <a:p>
             <a:r>
               <a:rPr lang="de-DE" sz="2400">
                 <a:latin typeface="Lao UI" panose="020B0502040204020203" pitchFamily="34" charset="0"/>
                 <a:cs typeface="Lao UI" panose="020B0502040204020203" pitchFamily="34" charset="0"/>
               </a:rPr>
-              <a:t>Property:</a:t>
-            </a:r>
-          </a:p>
-          <a:p>
+              <a:t>Property: </a:t>
+            </a:r>
             <a:r>
               <a:rPr lang="de-DE" sz="2400">
                 <a:latin typeface="Consolas" panose="020B0609020204030204" pitchFamily="49" charset="0"/>
@@ -16945,10 +17752,6 @@
             </a:r>
           </a:p>
           <a:p>
-            <a:pPr marL="457200" indent="-457200">
-              <a:buFont typeface="Arial" panose="020B0604020202020204" pitchFamily="34" charset="0"/>
-              <a:buChar char="•"/>
-            </a:pPr>
             <a:r>
               <a:rPr lang="de-DE" sz="2400">
                 <a:latin typeface="Lao UI" panose="020B0502040204020203" pitchFamily="34" charset="0"/>
@@ -16961,10 +17764,8 @@
                 <a:latin typeface="Lao UI" panose="020B0502040204020203" pitchFamily="34" charset="0"/>
                 <a:cs typeface="Lao UI" panose="020B0502040204020203" pitchFamily="34" charset="0"/>
               </a:rPr>
-              <a:t>:</a:t>
-            </a:r>
-          </a:p>
-          <a:p>
+              <a:t>: </a:t>
+            </a:r>
             <a:r>
               <a:rPr lang="de-DE" sz="2400">
                 <a:latin typeface="Lao UI" panose="020B0502040204020203" pitchFamily="34" charset="0"/>
@@ -16992,7 +17793,19 @@
                 <a:latin typeface="Consolas" panose="020B0609020204030204" pitchFamily="49" charset="0"/>
                 <a:cs typeface="Consolas" panose="020B0609020204030204" pitchFamily="49" charset="0"/>
               </a:rPr>
-              <a:t>	 stretch|space-between|space-around]</a:t>
+              <a:t>	 	 stretch|space-between|</a:t>
+            </a:r>
+          </a:p>
+          <a:p>
+            <a:r>
+              <a:rPr lang="de-DE" sz="2200">
+                <a:solidFill>
+                  <a:srgbClr val="0000C0"/>
+                </a:solidFill>
+                <a:latin typeface="Consolas" panose="020B0609020204030204" pitchFamily="49" charset="0"/>
+                <a:cs typeface="Consolas" panose="020B0609020204030204" pitchFamily="49" charset="0"/>
+              </a:rPr>
+              <a:t>		 space-around]</a:t>
             </a:r>
             <a:endParaRPr lang="de-DE" sz="2200">
               <a:latin typeface="Lao UI" panose="020B0502040204020203" pitchFamily="34" charset="0"/>
@@ -17053,7 +17866,7 @@
         </p:blipFill>
         <p:spPr>
           <a:xfrm>
-            <a:off x="8195876" y="1275646"/>
+            <a:off x="8195876" y="1611931"/>
             <a:ext cx="3621259" cy="4684888"/>
           </a:xfrm>
           <a:prstGeom prst="rect">
@@ -17166,7 +17979,7 @@
                 <a:latin typeface="Lao UI" panose="020B0502040204020203" pitchFamily="34" charset="0"/>
                 <a:cs typeface="Lao UI" panose="020B0502040204020203" pitchFamily="34" charset="0"/>
               </a:rPr>
-              <a:t> – align-content</a:t>
+              <a:t> – flex-grow</a:t>
             </a:r>
             <a:endParaRPr lang="de-DE" b="1">
               <a:latin typeface="Lao UI" panose="020B0502040204020203" pitchFamily="34" charset="0"/>
@@ -17190,7 +18003,7 @@
         <p:spPr>
           <a:xfrm>
             <a:off x="838198" y="1984202"/>
-            <a:ext cx="7267224" cy="3046988"/>
+            <a:ext cx="10724426" cy="2339102"/>
           </a:xfrm>
           <a:prstGeom prst="rect">
             <a:avLst/>
@@ -17212,7 +18025,7 @@
                 <a:latin typeface="Lao UI" panose="020B0502040204020203" pitchFamily="34" charset="0"/>
                 <a:cs typeface="Lao UI" panose="020B0502040204020203" pitchFamily="34" charset="0"/>
               </a:rPr>
-              <a:t>Definiert das Verhalten der einzelnen Zeilen/Spalten, wenn mehr Platz in der Kreuzachse zur Verfügung steht</a:t>
+              <a:t>Definiert die Fähigkeit der Items zu wachsen, wenn mehr Platz im Container zur Verfügung steht</a:t>
             </a:r>
           </a:p>
           <a:p>
@@ -17225,10 +18038,23 @@
                 <a:latin typeface="Lao UI" panose="020B0502040204020203" pitchFamily="34" charset="0"/>
                 <a:cs typeface="Lao UI" panose="020B0502040204020203" pitchFamily="34" charset="0"/>
               </a:rPr>
-              <a:t>Property:</a:t>
-            </a:r>
-          </a:p>
-          <a:p>
+              <a:t>Der Wert steht im Verhältnis zu allen anderen flex-grow Angaben</a:t>
+            </a:r>
+          </a:p>
+          <a:p>
+            <a:endParaRPr lang="de-DE" sz="2400">
+              <a:latin typeface="Lao UI" panose="020B0502040204020203" pitchFamily="34" charset="0"/>
+              <a:cs typeface="Lao UI" panose="020B0502040204020203" pitchFamily="34" charset="0"/>
+            </a:endParaRPr>
+          </a:p>
+          <a:p>
+            <a:r>
+              <a:rPr lang="de-DE" sz="2400">
+                <a:latin typeface="Lao UI" panose="020B0502040204020203" pitchFamily="34" charset="0"/>
+                <a:cs typeface="Lao UI" panose="020B0502040204020203" pitchFamily="34" charset="0"/>
+              </a:rPr>
+              <a:t>Property: </a:t>
+            </a:r>
             <a:r>
               <a:rPr lang="de-DE" sz="2400">
                 <a:latin typeface="Consolas" panose="020B0609020204030204" pitchFamily="49" charset="0"/>
@@ -17241,14 +18067,10 @@
                 <a:latin typeface="Consolas" panose="020B0609020204030204" pitchFamily="49" charset="0"/>
                 <a:cs typeface="Consolas" panose="020B0609020204030204" pitchFamily="49" charset="0"/>
               </a:rPr>
-              <a:t>align-content</a:t>
-            </a:r>
-          </a:p>
-          <a:p>
-            <a:pPr marL="457200" indent="-457200">
-              <a:buFont typeface="Arial" panose="020B0604020202020204" pitchFamily="34" charset="0"/>
-              <a:buChar char="•"/>
-            </a:pPr>
+              <a:t>flex-grow</a:t>
+            </a:r>
+          </a:p>
+          <a:p>
             <a:r>
               <a:rPr lang="de-DE" sz="2400">
                 <a:latin typeface="Lao UI" panose="020B0502040204020203" pitchFamily="34" charset="0"/>
@@ -17261,10 +18083,8 @@
                 <a:latin typeface="Lao UI" panose="020B0502040204020203" pitchFamily="34" charset="0"/>
                 <a:cs typeface="Lao UI" panose="020B0502040204020203" pitchFamily="34" charset="0"/>
               </a:rPr>
-              <a:t>:</a:t>
-            </a:r>
-          </a:p>
-          <a:p>
+              <a:t>:	</a:t>
+            </a:r>
             <a:r>
               <a:rPr lang="de-DE" sz="2400">
                 <a:latin typeface="Lao UI" panose="020B0502040204020203" pitchFamily="34" charset="0"/>
@@ -17280,19 +18100,7 @@
                 <a:latin typeface="Consolas" panose="020B0609020204030204" pitchFamily="49" charset="0"/>
                 <a:cs typeface="Consolas" panose="020B0609020204030204" pitchFamily="49" charset="0"/>
               </a:rPr>
-              <a:t>[flex-start|flex-end|center|</a:t>
-            </a:r>
-          </a:p>
-          <a:p>
-            <a:r>
-              <a:rPr lang="de-DE" sz="2200">
-                <a:solidFill>
-                  <a:srgbClr val="0000C0"/>
-                </a:solidFill>
-                <a:latin typeface="Consolas" panose="020B0609020204030204" pitchFamily="49" charset="0"/>
-                <a:cs typeface="Consolas" panose="020B0609020204030204" pitchFamily="49" charset="0"/>
-              </a:rPr>
-              <a:t>	 stretch|space-between|space-around]</a:t>
+              <a:t>&lt;Ganzzahl&gt;</a:t>
             </a:r>
             <a:endParaRPr lang="de-DE" sz="2200">
               <a:latin typeface="Lao UI" panose="020B0502040204020203" pitchFamily="34" charset="0"/>
@@ -17333,10 +18141,10 @@
       </p:sp>
       <p:pic>
         <p:nvPicPr>
-          <p:cNvPr id="4" name="Grafik 3">
+          <p:cNvPr id="9" name="Grafik 8">
             <a:extLst>
               <a:ext uri="{FF2B5EF4-FFF2-40B4-BE49-F238E27FC236}">
-                <a16:creationId xmlns:a16="http://schemas.microsoft.com/office/drawing/2014/main" id="{AD268614-49EB-4F57-8F87-E8E706D9F595}"/>
+                <a16:creationId xmlns:a16="http://schemas.microsoft.com/office/drawing/2014/main" id="{6C95B2AB-9332-47F1-A24B-EF85C61CF141}"/>
               </a:ext>
             </a:extLst>
           </p:cNvPr>
@@ -17353,8 +18161,38 @@
         </p:blipFill>
         <p:spPr>
           <a:xfrm>
-            <a:off x="8195876" y="1275646"/>
-            <a:ext cx="3621259" cy="4684888"/>
+            <a:off x="363575" y="5572880"/>
+            <a:ext cx="1741913" cy="738717"/>
+          </a:xfrm>
+          <a:prstGeom prst="rect">
+            <a:avLst/>
+          </a:prstGeom>
+        </p:spPr>
+      </p:pic>
+      <p:pic>
+        <p:nvPicPr>
+          <p:cNvPr id="5" name="Grafik 4">
+            <a:extLst>
+              <a:ext uri="{FF2B5EF4-FFF2-40B4-BE49-F238E27FC236}">
+                <a16:creationId xmlns:a16="http://schemas.microsoft.com/office/drawing/2014/main" id="{D00C09D8-31B2-452A-9261-B7EDEA6BB895}"/>
+              </a:ext>
+            </a:extLst>
+          </p:cNvPr>
+          <p:cNvPicPr>
+            <a:picLocks noChangeAspect="1"/>
+          </p:cNvPicPr>
+          <p:nvPr/>
+        </p:nvPicPr>
+        <p:blipFill>
+          <a:blip r:embed="rId5"/>
+          <a:stretch>
+            <a:fillRect/>
+          </a:stretch>
+        </p:blipFill>
+        <p:spPr>
+          <a:xfrm>
+            <a:off x="6441970" y="3705751"/>
+            <a:ext cx="4341720" cy="1748543"/>
           </a:xfrm>
           <a:prstGeom prst="rect">
             <a:avLst/>
@@ -17368,6 +18206,234 @@
           </a:effectLst>
         </p:spPr>
       </p:pic>
+    </p:spTree>
+    <p:extLst>
+      <p:ext uri="{BB962C8B-B14F-4D97-AF65-F5344CB8AC3E}">
+        <p14:creationId xmlns:p14="http://schemas.microsoft.com/office/powerpoint/2010/main" val="3459466525"/>
+      </p:ext>
+    </p:extLst>
+  </p:cSld>
+  <p:clrMapOvr>
+    <a:overrideClrMapping bg1="lt1" tx1="dk1" bg2="lt2" tx2="dk2" accent1="accent1" accent2="accent2" accent3="accent3" accent4="accent4" accent5="accent5" accent6="accent6" hlink="hlink" folHlink="folHlink"/>
+  </p:clrMapOvr>
+</p:sld>
+</file>
+
+<file path=ppt/slides/slide32.xml><?xml version="1.0" encoding="utf-8"?>
+<p:sld xmlns:a="http://schemas.openxmlformats.org/drawingml/2006/main" xmlns:r="http://schemas.openxmlformats.org/officeDocument/2006/relationships" xmlns:p="http://schemas.openxmlformats.org/presentationml/2006/main">
+  <p:cSld>
+    <p:spTree>
+      <p:nvGrpSpPr>
+        <p:cNvPr id="1" name=""/>
+        <p:cNvGrpSpPr/>
+        <p:nvPr/>
+      </p:nvGrpSpPr>
+      <p:grpSpPr>
+        <a:xfrm>
+          <a:off x="0" y="0"/>
+          <a:ext cx="0" cy="0"/>
+          <a:chOff x="0" y="0"/>
+          <a:chExt cx="0" cy="0"/>
+        </a:xfrm>
+      </p:grpSpPr>
+      <p:sp>
+        <p:nvSpPr>
+          <p:cNvPr id="2" name="Titel 1">
+            <a:extLst>
+              <a:ext uri="{FF2B5EF4-FFF2-40B4-BE49-F238E27FC236}">
+                <a16:creationId xmlns:a16="http://schemas.microsoft.com/office/drawing/2014/main" id="{D24E0A5E-C672-451A-B201-BB8680FA1466}"/>
+              </a:ext>
+            </a:extLst>
+          </p:cNvPr>
+          <p:cNvSpPr>
+            <a:spLocks noGrp="1"/>
+          </p:cNvSpPr>
+          <p:nvPr>
+            <p:ph type="title" idx="4294967295"/>
+          </p:nvPr>
+        </p:nvSpPr>
+        <p:spPr>
+          <a:xfrm>
+            <a:off x="838200" y="658639"/>
+            <a:ext cx="10515600" cy="1325563"/>
+          </a:xfrm>
+        </p:spPr>
+        <p:txBody>
+          <a:bodyPr/>
+          <a:lstStyle/>
+          <a:p>
+            <a:r>
+              <a:rPr lang="de-DE" b="1">
+                <a:latin typeface="Lao UI" panose="020B0502040204020203" pitchFamily="34" charset="0"/>
+                <a:cs typeface="Lao UI" panose="020B0502040204020203" pitchFamily="34" charset="0"/>
+              </a:rPr>
+              <a:t>Flex-Layout</a:t>
+            </a:r>
+            <a:r>
+              <a:rPr lang="de-DE">
+                <a:latin typeface="Lao UI" panose="020B0502040204020203" pitchFamily="34" charset="0"/>
+                <a:cs typeface="Lao UI" panose="020B0502040204020203" pitchFamily="34" charset="0"/>
+              </a:rPr>
+              <a:t> – flex-shrink</a:t>
+            </a:r>
+            <a:endParaRPr lang="de-DE" b="1">
+              <a:latin typeface="Lao UI" panose="020B0502040204020203" pitchFamily="34" charset="0"/>
+              <a:cs typeface="Lao UI" panose="020B0502040204020203" pitchFamily="34" charset="0"/>
+            </a:endParaRPr>
+          </a:p>
+        </p:txBody>
+      </p:sp>
+      <p:sp>
+        <p:nvSpPr>
+          <p:cNvPr id="7" name="Textfeld 6">
+            <a:extLst>
+              <a:ext uri="{FF2B5EF4-FFF2-40B4-BE49-F238E27FC236}">
+                <a16:creationId xmlns:a16="http://schemas.microsoft.com/office/drawing/2014/main" id="{BF28102C-2C75-43AE-BF30-318EFCA296C6}"/>
+              </a:ext>
+            </a:extLst>
+          </p:cNvPr>
+          <p:cNvSpPr txBox="1"/>
+          <p:nvPr/>
+        </p:nvSpPr>
+        <p:spPr>
+          <a:xfrm>
+            <a:off x="838198" y="1984202"/>
+            <a:ext cx="10724426" cy="2339102"/>
+          </a:xfrm>
+          <a:prstGeom prst="rect">
+            <a:avLst/>
+          </a:prstGeom>
+          <a:noFill/>
+        </p:spPr>
+        <p:txBody>
+          <a:bodyPr wrap="square" rtlCol="0">
+            <a:spAutoFit/>
+          </a:bodyPr>
+          <a:lstStyle/>
+          <a:p>
+            <a:pPr marL="457200" indent="-457200">
+              <a:buFont typeface="Arial" panose="020B0604020202020204" pitchFamily="34" charset="0"/>
+              <a:buChar char="•"/>
+            </a:pPr>
+            <a:r>
+              <a:rPr lang="de-DE" sz="2400">
+                <a:latin typeface="Lao UI" panose="020B0502040204020203" pitchFamily="34" charset="0"/>
+                <a:cs typeface="Lao UI" panose="020B0502040204020203" pitchFamily="34" charset="0"/>
+              </a:rPr>
+              <a:t>Definiert die Fähigkeit der Items zu schrumpfen, wenn mehr Platz im Container zur Verfügung steht</a:t>
+            </a:r>
+          </a:p>
+          <a:p>
+            <a:pPr marL="457200" indent="-457200">
+              <a:buFont typeface="Arial" panose="020B0604020202020204" pitchFamily="34" charset="0"/>
+              <a:buChar char="•"/>
+            </a:pPr>
+            <a:r>
+              <a:rPr lang="de-DE" sz="2400">
+                <a:latin typeface="Lao UI" panose="020B0502040204020203" pitchFamily="34" charset="0"/>
+                <a:cs typeface="Lao UI" panose="020B0502040204020203" pitchFamily="34" charset="0"/>
+              </a:rPr>
+              <a:t>Der Wert steht im Verhältnis zu allen anderen flex-grow Angaben</a:t>
+            </a:r>
+          </a:p>
+          <a:p>
+            <a:endParaRPr lang="de-DE" sz="2400">
+              <a:latin typeface="Lao UI" panose="020B0502040204020203" pitchFamily="34" charset="0"/>
+              <a:cs typeface="Lao UI" panose="020B0502040204020203" pitchFamily="34" charset="0"/>
+            </a:endParaRPr>
+          </a:p>
+          <a:p>
+            <a:r>
+              <a:rPr lang="de-DE" sz="2400">
+                <a:latin typeface="Lao UI" panose="020B0502040204020203" pitchFamily="34" charset="0"/>
+                <a:cs typeface="Lao UI" panose="020B0502040204020203" pitchFamily="34" charset="0"/>
+              </a:rPr>
+              <a:t>Property: </a:t>
+            </a:r>
+            <a:r>
+              <a:rPr lang="de-DE" sz="2400">
+                <a:latin typeface="Consolas" panose="020B0609020204030204" pitchFamily="49" charset="0"/>
+                <a:cs typeface="Consolas" panose="020B0609020204030204" pitchFamily="49" charset="0"/>
+              </a:rPr>
+              <a:t>	</a:t>
+            </a:r>
+            <a:r>
+              <a:rPr lang="de-DE" sz="2200">
+                <a:latin typeface="Consolas" panose="020B0609020204030204" pitchFamily="49" charset="0"/>
+                <a:cs typeface="Consolas" panose="020B0609020204030204" pitchFamily="49" charset="0"/>
+              </a:rPr>
+              <a:t>flex-shrink</a:t>
+            </a:r>
+          </a:p>
+          <a:p>
+            <a:r>
+              <a:rPr lang="de-DE" sz="2400">
+                <a:latin typeface="Lao UI" panose="020B0502040204020203" pitchFamily="34" charset="0"/>
+                <a:cs typeface="Lao UI" panose="020B0502040204020203" pitchFamily="34" charset="0"/>
+              </a:rPr>
+              <a:t>Wert</a:t>
+            </a:r>
+            <a:r>
+              <a:rPr lang="de-DE" sz="2600">
+                <a:latin typeface="Lao UI" panose="020B0502040204020203" pitchFamily="34" charset="0"/>
+                <a:cs typeface="Lao UI" panose="020B0502040204020203" pitchFamily="34" charset="0"/>
+              </a:rPr>
+              <a:t>:	</a:t>
+            </a:r>
+            <a:r>
+              <a:rPr lang="de-DE" sz="2400">
+                <a:latin typeface="Lao UI" panose="020B0502040204020203" pitchFamily="34" charset="0"/>
+                <a:cs typeface="Lao UI" panose="020B0502040204020203" pitchFamily="34" charset="0"/>
+              </a:rPr>
+              <a:t>	</a:t>
+            </a:r>
+            <a:r>
+              <a:rPr lang="de-DE" sz="2200">
+                <a:solidFill>
+                  <a:srgbClr val="0000C0"/>
+                </a:solidFill>
+                <a:latin typeface="Consolas" panose="020B0609020204030204" pitchFamily="49" charset="0"/>
+                <a:cs typeface="Consolas" panose="020B0609020204030204" pitchFamily="49" charset="0"/>
+              </a:rPr>
+              <a:t>&lt;Ganzzahl&gt;</a:t>
+            </a:r>
+            <a:endParaRPr lang="de-DE" sz="2200">
+              <a:latin typeface="Lao UI" panose="020B0502040204020203" pitchFamily="34" charset="0"/>
+              <a:cs typeface="Lao UI" panose="020B0502040204020203" pitchFamily="34" charset="0"/>
+            </a:endParaRPr>
+          </a:p>
+        </p:txBody>
+      </p:sp>
+      <p:sp>
+        <p:nvSpPr>
+          <p:cNvPr id="3" name="Foliennummernplatzhalter 2">
+            <a:extLst>
+              <a:ext uri="{FF2B5EF4-FFF2-40B4-BE49-F238E27FC236}">
+                <a16:creationId xmlns:a16="http://schemas.microsoft.com/office/drawing/2014/main" id="{FEF57A1D-E3CC-4C79-873D-CA30C2D420B0}"/>
+              </a:ext>
+            </a:extLst>
+          </p:cNvPr>
+          <p:cNvSpPr>
+            <a:spLocks noGrp="1"/>
+          </p:cNvSpPr>
+          <p:nvPr>
+            <p:ph type="sldNum" sz="quarter" idx="12"/>
+          </p:nvPr>
+        </p:nvSpPr>
+        <p:spPr/>
+        <p:txBody>
+          <a:bodyPr/>
+          <a:lstStyle/>
+          <a:p>
+            <a:fld id="{8BD8B4BE-A45B-4C80-A7E3-A8E09D7A82BB}" type="slidenum">
+              <a:rPr lang="de-DE" smtClean="0"/>
+              <a:pPr/>
+              <a:t>32</a:t>
+            </a:fld>
+            <a:endParaRPr lang="de-DE"/>
+          </a:p>
+        </p:txBody>
+      </p:sp>
       <p:pic>
         <p:nvPicPr>
           <p:cNvPr id="9" name="Grafik 8">
@@ -17383,7 +18449,344 @@
           <p:nvPr/>
         </p:nvPicPr>
         <p:blipFill>
+          <a:blip r:embed="rId4"/>
+          <a:stretch>
+            <a:fillRect/>
+          </a:stretch>
+        </p:blipFill>
+        <p:spPr>
+          <a:xfrm>
+            <a:off x="363575" y="5572880"/>
+            <a:ext cx="1741913" cy="738717"/>
+          </a:xfrm>
+          <a:prstGeom prst="rect">
+            <a:avLst/>
+          </a:prstGeom>
+        </p:spPr>
+      </p:pic>
+      <p:pic>
+        <p:nvPicPr>
+          <p:cNvPr id="5" name="Grafik 4">
+            <a:extLst>
+              <a:ext uri="{FF2B5EF4-FFF2-40B4-BE49-F238E27FC236}">
+                <a16:creationId xmlns:a16="http://schemas.microsoft.com/office/drawing/2014/main" id="{D00C09D8-31B2-452A-9261-B7EDEA6BB895}"/>
+              </a:ext>
+            </a:extLst>
+          </p:cNvPr>
+          <p:cNvPicPr>
+            <a:picLocks noChangeAspect="1"/>
+          </p:cNvPicPr>
+          <p:nvPr/>
+        </p:nvPicPr>
+        <p:blipFill>
           <a:blip r:embed="rId5"/>
+          <a:stretch>
+            <a:fillRect/>
+          </a:stretch>
+        </p:blipFill>
+        <p:spPr>
+          <a:xfrm>
+            <a:off x="6441970" y="3705751"/>
+            <a:ext cx="4341720" cy="1748543"/>
+          </a:xfrm>
+          <a:prstGeom prst="rect">
+            <a:avLst/>
+          </a:prstGeom>
+          <a:effectLst>
+            <a:outerShdw blurRad="63500" sx="102000" sy="102000" algn="ctr" rotWithShape="0">
+              <a:prstClr val="black">
+                <a:alpha val="40000"/>
+              </a:prstClr>
+            </a:outerShdw>
+          </a:effectLst>
+        </p:spPr>
+      </p:pic>
+    </p:spTree>
+    <p:extLst>
+      <p:ext uri="{BB962C8B-B14F-4D97-AF65-F5344CB8AC3E}">
+        <p14:creationId xmlns:p14="http://schemas.microsoft.com/office/powerpoint/2010/main" val="4139895248"/>
+      </p:ext>
+    </p:extLst>
+  </p:cSld>
+  <p:clrMapOvr>
+    <a:overrideClrMapping bg1="lt1" tx1="dk1" bg2="lt2" tx2="dk2" accent1="accent1" accent2="accent2" accent3="accent3" accent4="accent4" accent5="accent5" accent6="accent6" hlink="hlink" folHlink="folHlink"/>
+  </p:clrMapOvr>
+</p:sld>
+</file>
+
+<file path=ppt/slides/slide33.xml><?xml version="1.0" encoding="utf-8"?>
+<p:sld xmlns:a="http://schemas.openxmlformats.org/drawingml/2006/main" xmlns:r="http://schemas.openxmlformats.org/officeDocument/2006/relationships" xmlns:p="http://schemas.openxmlformats.org/presentationml/2006/main">
+  <p:cSld>
+    <p:spTree>
+      <p:nvGrpSpPr>
+        <p:cNvPr id="1" name=""/>
+        <p:cNvGrpSpPr/>
+        <p:nvPr/>
+      </p:nvGrpSpPr>
+      <p:grpSpPr>
+        <a:xfrm>
+          <a:off x="0" y="0"/>
+          <a:ext cx="0" cy="0"/>
+          <a:chOff x="0" y="0"/>
+          <a:chExt cx="0" cy="0"/>
+        </a:xfrm>
+      </p:grpSpPr>
+      <p:sp>
+        <p:nvSpPr>
+          <p:cNvPr id="2" name="Titel 1">
+            <a:extLst>
+              <a:ext uri="{FF2B5EF4-FFF2-40B4-BE49-F238E27FC236}">
+                <a16:creationId xmlns:a16="http://schemas.microsoft.com/office/drawing/2014/main" id="{D24E0A5E-C672-451A-B201-BB8680FA1466}"/>
+              </a:ext>
+            </a:extLst>
+          </p:cNvPr>
+          <p:cNvSpPr>
+            <a:spLocks noGrp="1"/>
+          </p:cNvSpPr>
+          <p:nvPr>
+            <p:ph type="title" idx="4294967295"/>
+          </p:nvPr>
+        </p:nvSpPr>
+        <p:spPr>
+          <a:xfrm>
+            <a:off x="838200" y="658639"/>
+            <a:ext cx="10515600" cy="1325563"/>
+          </a:xfrm>
+        </p:spPr>
+        <p:txBody>
+          <a:bodyPr/>
+          <a:lstStyle/>
+          <a:p>
+            <a:r>
+              <a:rPr lang="de-DE" b="1">
+                <a:latin typeface="Lao UI" panose="020B0502040204020203" pitchFamily="34" charset="0"/>
+                <a:cs typeface="Lao UI" panose="020B0502040204020203" pitchFamily="34" charset="0"/>
+              </a:rPr>
+              <a:t>Flex-Layout</a:t>
+            </a:r>
+            <a:r>
+              <a:rPr lang="de-DE">
+                <a:latin typeface="Lao UI" panose="020B0502040204020203" pitchFamily="34" charset="0"/>
+                <a:cs typeface="Lao UI" panose="020B0502040204020203" pitchFamily="34" charset="0"/>
+              </a:rPr>
+              <a:t> – flex-basis</a:t>
+            </a:r>
+            <a:endParaRPr lang="de-DE" b="1">
+              <a:latin typeface="Lao UI" panose="020B0502040204020203" pitchFamily="34" charset="0"/>
+              <a:cs typeface="Lao UI" panose="020B0502040204020203" pitchFamily="34" charset="0"/>
+            </a:endParaRPr>
+          </a:p>
+        </p:txBody>
+      </p:sp>
+      <p:sp>
+        <p:nvSpPr>
+          <p:cNvPr id="7" name="Textfeld 6">
+            <a:extLst>
+              <a:ext uri="{FF2B5EF4-FFF2-40B4-BE49-F238E27FC236}">
+                <a16:creationId xmlns:a16="http://schemas.microsoft.com/office/drawing/2014/main" id="{BF28102C-2C75-43AE-BF30-318EFCA296C6}"/>
+              </a:ext>
+            </a:extLst>
+          </p:cNvPr>
+          <p:cNvSpPr txBox="1"/>
+          <p:nvPr/>
+        </p:nvSpPr>
+        <p:spPr>
+          <a:xfrm>
+            <a:off x="838197" y="1984202"/>
+            <a:ext cx="10834513" cy="2708434"/>
+          </a:xfrm>
+          <a:prstGeom prst="rect">
+            <a:avLst/>
+          </a:prstGeom>
+          <a:noFill/>
+        </p:spPr>
+        <p:txBody>
+          <a:bodyPr wrap="square" rtlCol="0">
+            <a:spAutoFit/>
+          </a:bodyPr>
+          <a:lstStyle/>
+          <a:p>
+            <a:pPr marL="457200" indent="-457200">
+              <a:buFont typeface="Arial" panose="020B0604020202020204" pitchFamily="34" charset="0"/>
+              <a:buChar char="•"/>
+            </a:pPr>
+            <a:r>
+              <a:rPr lang="de-DE" sz="2400">
+                <a:latin typeface="Lao UI" panose="020B0502040204020203" pitchFamily="34" charset="0"/>
+                <a:cs typeface="Lao UI" panose="020B0502040204020203" pitchFamily="34" charset="0"/>
+              </a:rPr>
+              <a:t>Definiert die Standardgröße eines Items, bevor der noch zur Verfügung stehende Platz verteilt wird</a:t>
+            </a:r>
+          </a:p>
+          <a:p>
+            <a:pPr marL="457200" indent="-457200">
+              <a:buFont typeface="Arial" panose="020B0604020202020204" pitchFamily="34" charset="0"/>
+              <a:buChar char="•"/>
+            </a:pPr>
+            <a:r>
+              <a:rPr lang="de-DE" sz="2400">
+                <a:latin typeface="Lao UI" panose="020B0502040204020203" pitchFamily="34" charset="0"/>
+                <a:cs typeface="Lao UI" panose="020B0502040204020203" pitchFamily="34" charset="0"/>
+              </a:rPr>
+              <a:t>Der Wert </a:t>
+            </a:r>
+            <a:r>
+              <a:rPr lang="de-DE" sz="2400">
+                <a:latin typeface="Consolas" panose="020B0609020204030204" pitchFamily="49" charset="0"/>
+                <a:cs typeface="Consolas" panose="020B0609020204030204" pitchFamily="49" charset="0"/>
+              </a:rPr>
+              <a:t>auto</a:t>
+            </a:r>
+            <a:r>
+              <a:rPr lang="de-DE" sz="2400">
+                <a:latin typeface="Lao UI" panose="020B0502040204020203" pitchFamily="34" charset="0"/>
+                <a:cs typeface="Lao UI" panose="020B0502040204020203" pitchFamily="34" charset="0"/>
+              </a:rPr>
+              <a:t> bedeutet, daß die Properties </a:t>
+            </a:r>
+            <a:r>
+              <a:rPr lang="de-DE" sz="2400">
+                <a:latin typeface="Consolas" panose="020B0609020204030204" pitchFamily="49" charset="0"/>
+                <a:cs typeface="Consolas" panose="020B0609020204030204" pitchFamily="49" charset="0"/>
+              </a:rPr>
+              <a:t>width</a:t>
+            </a:r>
+            <a:r>
+              <a:rPr lang="de-DE" sz="2400">
+                <a:latin typeface="Lao UI" panose="020B0502040204020203" pitchFamily="34" charset="0"/>
+                <a:cs typeface="Lao UI" panose="020B0502040204020203" pitchFamily="34" charset="0"/>
+              </a:rPr>
+              <a:t> und </a:t>
+            </a:r>
+            <a:r>
+              <a:rPr lang="de-DE" sz="2400">
+                <a:latin typeface="Consolas" panose="020B0609020204030204" pitchFamily="49" charset="0"/>
+                <a:cs typeface="Consolas" panose="020B0609020204030204" pitchFamily="49" charset="0"/>
+              </a:rPr>
+              <a:t>height</a:t>
+            </a:r>
+            <a:r>
+              <a:rPr lang="de-DE" sz="2400">
+                <a:latin typeface="Lao UI" panose="020B0502040204020203" pitchFamily="34" charset="0"/>
+                <a:cs typeface="Lao UI" panose="020B0502040204020203" pitchFamily="34" charset="0"/>
+              </a:rPr>
+              <a:t> benutzt werden</a:t>
+            </a:r>
+          </a:p>
+          <a:p>
+            <a:endParaRPr lang="de-DE" sz="2400">
+              <a:latin typeface="Lao UI" panose="020B0502040204020203" pitchFamily="34" charset="0"/>
+              <a:cs typeface="Lao UI" panose="020B0502040204020203" pitchFamily="34" charset="0"/>
+            </a:endParaRPr>
+          </a:p>
+          <a:p>
+            <a:r>
+              <a:rPr lang="de-DE" sz="2400">
+                <a:latin typeface="Lao UI" panose="020B0502040204020203" pitchFamily="34" charset="0"/>
+                <a:cs typeface="Lao UI" panose="020B0502040204020203" pitchFamily="34" charset="0"/>
+              </a:rPr>
+              <a:t>Property: </a:t>
+            </a:r>
+            <a:r>
+              <a:rPr lang="de-DE" sz="2400">
+                <a:latin typeface="Consolas" panose="020B0609020204030204" pitchFamily="49" charset="0"/>
+                <a:cs typeface="Consolas" panose="020B0609020204030204" pitchFamily="49" charset="0"/>
+              </a:rPr>
+              <a:t>	</a:t>
+            </a:r>
+            <a:r>
+              <a:rPr lang="de-DE" sz="2200">
+                <a:latin typeface="Consolas" panose="020B0609020204030204" pitchFamily="49" charset="0"/>
+                <a:cs typeface="Consolas" panose="020B0609020204030204" pitchFamily="49" charset="0"/>
+              </a:rPr>
+              <a:t>flex-basis</a:t>
+            </a:r>
+          </a:p>
+          <a:p>
+            <a:r>
+              <a:rPr lang="de-DE" sz="2400">
+                <a:latin typeface="Lao UI" panose="020B0502040204020203" pitchFamily="34" charset="0"/>
+                <a:cs typeface="Lao UI" panose="020B0502040204020203" pitchFamily="34" charset="0"/>
+              </a:rPr>
+              <a:t>Werte</a:t>
+            </a:r>
+            <a:r>
+              <a:rPr lang="de-DE" sz="2600">
+                <a:latin typeface="Lao UI" panose="020B0502040204020203" pitchFamily="34" charset="0"/>
+                <a:cs typeface="Lao UI" panose="020B0502040204020203" pitchFamily="34" charset="0"/>
+              </a:rPr>
+              <a:t>:	</a:t>
+            </a:r>
+            <a:r>
+              <a:rPr lang="de-DE" sz="2400">
+                <a:latin typeface="Lao UI" panose="020B0502040204020203" pitchFamily="34" charset="0"/>
+                <a:cs typeface="Lao UI" panose="020B0502040204020203" pitchFamily="34" charset="0"/>
+              </a:rPr>
+              <a:t>	</a:t>
+            </a:r>
+            <a:r>
+              <a:rPr lang="de-DE" sz="2200">
+                <a:solidFill>
+                  <a:srgbClr val="0000C0"/>
+                </a:solidFill>
+                <a:latin typeface="Consolas" panose="020B0609020204030204" pitchFamily="49" charset="0"/>
+                <a:cs typeface="Consolas" panose="020B0609020204030204" pitchFamily="49" charset="0"/>
+              </a:rPr>
+              <a:t>[&lt;Längenangabe&gt;|auto]</a:t>
+            </a:r>
+            <a:endParaRPr lang="de-DE" sz="2200">
+              <a:latin typeface="Lao UI" panose="020B0502040204020203" pitchFamily="34" charset="0"/>
+              <a:cs typeface="Lao UI" panose="020B0502040204020203" pitchFamily="34" charset="0"/>
+            </a:endParaRPr>
+          </a:p>
+        </p:txBody>
+      </p:sp>
+      <p:sp>
+        <p:nvSpPr>
+          <p:cNvPr id="3" name="Foliennummernplatzhalter 2">
+            <a:extLst>
+              <a:ext uri="{FF2B5EF4-FFF2-40B4-BE49-F238E27FC236}">
+                <a16:creationId xmlns:a16="http://schemas.microsoft.com/office/drawing/2014/main" id="{FEF57A1D-E3CC-4C79-873D-CA30C2D420B0}"/>
+              </a:ext>
+            </a:extLst>
+          </p:cNvPr>
+          <p:cNvSpPr>
+            <a:spLocks noGrp="1"/>
+          </p:cNvSpPr>
+          <p:nvPr>
+            <p:ph type="sldNum" sz="quarter" idx="12"/>
+          </p:nvPr>
+        </p:nvSpPr>
+        <p:spPr/>
+        <p:txBody>
+          <a:bodyPr/>
+          <a:lstStyle/>
+          <a:p>
+            <a:fld id="{8BD8B4BE-A45B-4C80-A7E3-A8E09D7A82BB}" type="slidenum">
+              <a:rPr lang="de-DE" smtClean="0"/>
+              <a:pPr/>
+              <a:t>33</a:t>
+            </a:fld>
+            <a:endParaRPr lang="de-DE"/>
+          </a:p>
+        </p:txBody>
+      </p:sp>
+      <p:pic>
+        <p:nvPicPr>
+          <p:cNvPr id="9" name="Grafik 8">
+            <a:extLst>
+              <a:ext uri="{FF2B5EF4-FFF2-40B4-BE49-F238E27FC236}">
+                <a16:creationId xmlns:a16="http://schemas.microsoft.com/office/drawing/2014/main" id="{6C95B2AB-9332-47F1-A24B-EF85C61CF141}"/>
+              </a:ext>
+            </a:extLst>
+          </p:cNvPr>
+          <p:cNvPicPr>
+            <a:picLocks noChangeAspect="1"/>
+          </p:cNvPicPr>
+          <p:nvPr/>
+        </p:nvPicPr>
+        <p:blipFill>
+          <a:blip r:embed="rId4"/>
           <a:stretch>
             <a:fillRect/>
           </a:stretch>
@@ -17401,7 +18804,1435 @@
     </p:spTree>
     <p:extLst>
       <p:ext uri="{BB962C8B-B14F-4D97-AF65-F5344CB8AC3E}">
-        <p14:creationId xmlns:p14="http://schemas.microsoft.com/office/powerpoint/2010/main" val="3459466525"/>
+        <p14:creationId xmlns:p14="http://schemas.microsoft.com/office/powerpoint/2010/main" val="2002291858"/>
+      </p:ext>
+    </p:extLst>
+  </p:cSld>
+  <p:clrMapOvr>
+    <a:overrideClrMapping bg1="lt1" tx1="dk1" bg2="lt2" tx2="dk2" accent1="accent1" accent2="accent2" accent3="accent3" accent4="accent4" accent5="accent5" accent6="accent6" hlink="hlink" folHlink="folHlink"/>
+  </p:clrMapOvr>
+</p:sld>
+</file>
+
+<file path=ppt/slides/slide34.xml><?xml version="1.0" encoding="utf-8"?>
+<p:sld xmlns:a="http://schemas.openxmlformats.org/drawingml/2006/main" xmlns:r="http://schemas.openxmlformats.org/officeDocument/2006/relationships" xmlns:p="http://schemas.openxmlformats.org/presentationml/2006/main">
+  <p:cSld>
+    <p:spTree>
+      <p:nvGrpSpPr>
+        <p:cNvPr id="1" name=""/>
+        <p:cNvGrpSpPr/>
+        <p:nvPr/>
+      </p:nvGrpSpPr>
+      <p:grpSpPr>
+        <a:xfrm>
+          <a:off x="0" y="0"/>
+          <a:ext cx="0" cy="0"/>
+          <a:chOff x="0" y="0"/>
+          <a:chExt cx="0" cy="0"/>
+        </a:xfrm>
+      </p:grpSpPr>
+      <p:sp>
+        <p:nvSpPr>
+          <p:cNvPr id="2" name="Titel 1">
+            <a:extLst>
+              <a:ext uri="{FF2B5EF4-FFF2-40B4-BE49-F238E27FC236}">
+                <a16:creationId xmlns:a16="http://schemas.microsoft.com/office/drawing/2014/main" id="{D24E0A5E-C672-451A-B201-BB8680FA1466}"/>
+              </a:ext>
+            </a:extLst>
+          </p:cNvPr>
+          <p:cNvSpPr>
+            <a:spLocks noGrp="1"/>
+          </p:cNvSpPr>
+          <p:nvPr>
+            <p:ph type="title" idx="4294967295"/>
+          </p:nvPr>
+        </p:nvSpPr>
+        <p:spPr>
+          <a:xfrm>
+            <a:off x="838200" y="658639"/>
+            <a:ext cx="10515600" cy="1325563"/>
+          </a:xfrm>
+        </p:spPr>
+        <p:txBody>
+          <a:bodyPr/>
+          <a:lstStyle/>
+          <a:p>
+            <a:r>
+              <a:rPr lang="de-DE" b="1">
+                <a:latin typeface="Lao UI" panose="020B0502040204020203" pitchFamily="34" charset="0"/>
+                <a:cs typeface="Lao UI" panose="020B0502040204020203" pitchFamily="34" charset="0"/>
+              </a:rPr>
+              <a:t>Flex-Layout</a:t>
+            </a:r>
+            <a:r>
+              <a:rPr lang="de-DE">
+                <a:latin typeface="Lao UI" panose="020B0502040204020203" pitchFamily="34" charset="0"/>
+                <a:cs typeface="Lao UI" panose="020B0502040204020203" pitchFamily="34" charset="0"/>
+              </a:rPr>
+              <a:t> – flex</a:t>
+            </a:r>
+            <a:endParaRPr lang="de-DE" b="1">
+              <a:latin typeface="Lao UI" panose="020B0502040204020203" pitchFamily="34" charset="0"/>
+              <a:cs typeface="Lao UI" panose="020B0502040204020203" pitchFamily="34" charset="0"/>
+            </a:endParaRPr>
+          </a:p>
+        </p:txBody>
+      </p:sp>
+      <p:sp>
+        <p:nvSpPr>
+          <p:cNvPr id="7" name="Textfeld 6">
+            <a:extLst>
+              <a:ext uri="{FF2B5EF4-FFF2-40B4-BE49-F238E27FC236}">
+                <a16:creationId xmlns:a16="http://schemas.microsoft.com/office/drawing/2014/main" id="{BF28102C-2C75-43AE-BF30-318EFCA296C6}"/>
+              </a:ext>
+            </a:extLst>
+          </p:cNvPr>
+          <p:cNvSpPr txBox="1"/>
+          <p:nvPr/>
+        </p:nvSpPr>
+        <p:spPr>
+          <a:xfrm>
+            <a:off x="838198" y="1984202"/>
+            <a:ext cx="10724426" cy="1969770"/>
+          </a:xfrm>
+          <a:prstGeom prst="rect">
+            <a:avLst/>
+          </a:prstGeom>
+          <a:noFill/>
+        </p:spPr>
+        <p:txBody>
+          <a:bodyPr wrap="square" rtlCol="0">
+            <a:spAutoFit/>
+          </a:bodyPr>
+          <a:lstStyle/>
+          <a:p>
+            <a:pPr marL="457200" indent="-457200">
+              <a:buFont typeface="Arial" panose="020B0604020202020204" pitchFamily="34" charset="0"/>
+              <a:buChar char="•"/>
+            </a:pPr>
+            <a:r>
+              <a:rPr lang="de-DE" sz="2400">
+                <a:latin typeface="Lao UI" panose="020B0502040204020203" pitchFamily="34" charset="0"/>
+                <a:cs typeface="Lao UI" panose="020B0502040204020203" pitchFamily="34" charset="0"/>
+              </a:rPr>
+              <a:t>Kurzschreibweise für </a:t>
+            </a:r>
+            <a:r>
+              <a:rPr lang="de-DE" sz="2400">
+                <a:latin typeface="Consolas" panose="020B0609020204030204" pitchFamily="49" charset="0"/>
+                <a:cs typeface="Consolas" panose="020B0609020204030204" pitchFamily="49" charset="0"/>
+              </a:rPr>
+              <a:t>flex-grow, flex-shrink, flex-basis</a:t>
+            </a:r>
+          </a:p>
+          <a:p>
+            <a:pPr marL="457200" indent="-457200">
+              <a:buFont typeface="Arial" panose="020B0604020202020204" pitchFamily="34" charset="0"/>
+              <a:buChar char="•"/>
+            </a:pPr>
+            <a:r>
+              <a:rPr lang="de-DE" sz="2400">
+                <a:latin typeface="Consolas" panose="020B0609020204030204" pitchFamily="49" charset="0"/>
+                <a:cs typeface="Consolas" panose="020B0609020204030204" pitchFamily="49" charset="0"/>
+              </a:rPr>
+              <a:t>flex-shrink </a:t>
+            </a:r>
+            <a:r>
+              <a:rPr lang="de-DE" sz="2400">
+                <a:latin typeface="Lao UI" panose="020B0502040204020203" pitchFamily="34" charset="0"/>
+                <a:cs typeface="Lao UI" panose="020B0502040204020203" pitchFamily="34" charset="0"/>
+              </a:rPr>
+              <a:t>und</a:t>
+            </a:r>
+            <a:r>
+              <a:rPr lang="de-DE" sz="2400">
+                <a:latin typeface="Consolas" panose="020B0609020204030204" pitchFamily="49" charset="0"/>
+                <a:cs typeface="Consolas" panose="020B0609020204030204" pitchFamily="49" charset="0"/>
+              </a:rPr>
+              <a:t> flex-basis </a:t>
+            </a:r>
+            <a:r>
+              <a:rPr lang="de-DE" sz="2400">
+                <a:latin typeface="Lao UI" panose="020B0502040204020203" pitchFamily="34" charset="0"/>
+                <a:cs typeface="Lao UI" panose="020B0502040204020203" pitchFamily="34" charset="0"/>
+              </a:rPr>
+              <a:t>sind optional</a:t>
+            </a:r>
+          </a:p>
+          <a:p>
+            <a:endParaRPr lang="de-DE" sz="2400">
+              <a:latin typeface="Lao UI" panose="020B0502040204020203" pitchFamily="34" charset="0"/>
+              <a:cs typeface="Lao UI" panose="020B0502040204020203" pitchFamily="34" charset="0"/>
+            </a:endParaRPr>
+          </a:p>
+          <a:p>
+            <a:r>
+              <a:rPr lang="de-DE" sz="2400">
+                <a:latin typeface="Lao UI" panose="020B0502040204020203" pitchFamily="34" charset="0"/>
+                <a:cs typeface="Lao UI" panose="020B0502040204020203" pitchFamily="34" charset="0"/>
+              </a:rPr>
+              <a:t>Property: </a:t>
+            </a:r>
+            <a:r>
+              <a:rPr lang="de-DE" sz="2400">
+                <a:latin typeface="Consolas" panose="020B0609020204030204" pitchFamily="49" charset="0"/>
+                <a:cs typeface="Consolas" panose="020B0609020204030204" pitchFamily="49" charset="0"/>
+              </a:rPr>
+              <a:t>	</a:t>
+            </a:r>
+            <a:r>
+              <a:rPr lang="de-DE" sz="2200">
+                <a:latin typeface="Consolas" panose="020B0609020204030204" pitchFamily="49" charset="0"/>
+                <a:cs typeface="Consolas" panose="020B0609020204030204" pitchFamily="49" charset="0"/>
+              </a:rPr>
+              <a:t>flex</a:t>
+            </a:r>
+          </a:p>
+          <a:p>
+            <a:r>
+              <a:rPr lang="de-DE" sz="2400">
+                <a:latin typeface="Lao UI" panose="020B0502040204020203" pitchFamily="34" charset="0"/>
+                <a:cs typeface="Lao UI" panose="020B0502040204020203" pitchFamily="34" charset="0"/>
+              </a:rPr>
+              <a:t>Werte</a:t>
+            </a:r>
+            <a:r>
+              <a:rPr lang="de-DE" sz="2600">
+                <a:latin typeface="Lao UI" panose="020B0502040204020203" pitchFamily="34" charset="0"/>
+                <a:cs typeface="Lao UI" panose="020B0502040204020203" pitchFamily="34" charset="0"/>
+              </a:rPr>
+              <a:t>:	</a:t>
+            </a:r>
+            <a:r>
+              <a:rPr lang="de-DE" sz="2400">
+                <a:latin typeface="Lao UI" panose="020B0502040204020203" pitchFamily="34" charset="0"/>
+                <a:cs typeface="Lao UI" panose="020B0502040204020203" pitchFamily="34" charset="0"/>
+              </a:rPr>
+              <a:t>	</a:t>
+            </a:r>
+            <a:r>
+              <a:rPr lang="de-DE" sz="2200">
+                <a:solidFill>
+                  <a:srgbClr val="0000C0"/>
+                </a:solidFill>
+                <a:latin typeface="Consolas" panose="020B0609020204030204" pitchFamily="49" charset="0"/>
+                <a:cs typeface="Consolas" panose="020B0609020204030204" pitchFamily="49" charset="0"/>
+              </a:rPr>
+              <a:t>[&lt;flex-grow&gt; &lt;flex-shrink&gt; &lt;flex-basis&gt;]</a:t>
+            </a:r>
+            <a:endParaRPr lang="de-DE" sz="2200">
+              <a:latin typeface="Lao UI" panose="020B0502040204020203" pitchFamily="34" charset="0"/>
+              <a:cs typeface="Lao UI" panose="020B0502040204020203" pitchFamily="34" charset="0"/>
+            </a:endParaRPr>
+          </a:p>
+        </p:txBody>
+      </p:sp>
+      <p:sp>
+        <p:nvSpPr>
+          <p:cNvPr id="3" name="Foliennummernplatzhalter 2">
+            <a:extLst>
+              <a:ext uri="{FF2B5EF4-FFF2-40B4-BE49-F238E27FC236}">
+                <a16:creationId xmlns:a16="http://schemas.microsoft.com/office/drawing/2014/main" id="{FEF57A1D-E3CC-4C79-873D-CA30C2D420B0}"/>
+              </a:ext>
+            </a:extLst>
+          </p:cNvPr>
+          <p:cNvSpPr>
+            <a:spLocks noGrp="1"/>
+          </p:cNvSpPr>
+          <p:nvPr>
+            <p:ph type="sldNum" sz="quarter" idx="12"/>
+          </p:nvPr>
+        </p:nvSpPr>
+        <p:spPr/>
+        <p:txBody>
+          <a:bodyPr/>
+          <a:lstStyle/>
+          <a:p>
+            <a:fld id="{8BD8B4BE-A45B-4C80-A7E3-A8E09D7A82BB}" type="slidenum">
+              <a:rPr lang="de-DE" smtClean="0"/>
+              <a:pPr/>
+              <a:t>34</a:t>
+            </a:fld>
+            <a:endParaRPr lang="de-DE"/>
+          </a:p>
+        </p:txBody>
+      </p:sp>
+      <p:pic>
+        <p:nvPicPr>
+          <p:cNvPr id="9" name="Grafik 8">
+            <a:extLst>
+              <a:ext uri="{FF2B5EF4-FFF2-40B4-BE49-F238E27FC236}">
+                <a16:creationId xmlns:a16="http://schemas.microsoft.com/office/drawing/2014/main" id="{6C95B2AB-9332-47F1-A24B-EF85C61CF141}"/>
+              </a:ext>
+            </a:extLst>
+          </p:cNvPr>
+          <p:cNvPicPr>
+            <a:picLocks noChangeAspect="1"/>
+          </p:cNvPicPr>
+          <p:nvPr/>
+        </p:nvPicPr>
+        <p:blipFill>
+          <a:blip r:embed="rId4"/>
+          <a:stretch>
+            <a:fillRect/>
+          </a:stretch>
+        </p:blipFill>
+        <p:spPr>
+          <a:xfrm>
+            <a:off x="363575" y="5572880"/>
+            <a:ext cx="1741913" cy="738717"/>
+          </a:xfrm>
+          <a:prstGeom prst="rect">
+            <a:avLst/>
+          </a:prstGeom>
+        </p:spPr>
+      </p:pic>
+    </p:spTree>
+    <p:extLst>
+      <p:ext uri="{BB962C8B-B14F-4D97-AF65-F5344CB8AC3E}">
+        <p14:creationId xmlns:p14="http://schemas.microsoft.com/office/powerpoint/2010/main" val="3291990168"/>
+      </p:ext>
+    </p:extLst>
+  </p:cSld>
+  <p:clrMapOvr>
+    <a:overrideClrMapping bg1="lt1" tx1="dk1" bg2="lt2" tx2="dk2" accent1="accent1" accent2="accent2" accent3="accent3" accent4="accent4" accent5="accent5" accent6="accent6" hlink="hlink" folHlink="folHlink"/>
+  </p:clrMapOvr>
+</p:sld>
+</file>
+
+<file path=ppt/slides/slide35.xml><?xml version="1.0" encoding="utf-8"?>
+<p:sld xmlns:a="http://schemas.openxmlformats.org/drawingml/2006/main" xmlns:r="http://schemas.openxmlformats.org/officeDocument/2006/relationships" xmlns:p="http://schemas.openxmlformats.org/presentationml/2006/main">
+  <p:cSld>
+    <p:spTree>
+      <p:nvGrpSpPr>
+        <p:cNvPr id="1" name=""/>
+        <p:cNvGrpSpPr/>
+        <p:nvPr/>
+      </p:nvGrpSpPr>
+      <p:grpSpPr>
+        <a:xfrm>
+          <a:off x="0" y="0"/>
+          <a:ext cx="0" cy="0"/>
+          <a:chOff x="0" y="0"/>
+          <a:chExt cx="0" cy="0"/>
+        </a:xfrm>
+      </p:grpSpPr>
+      <p:sp>
+        <p:nvSpPr>
+          <p:cNvPr id="2" name="Titel 1">
+            <a:extLst>
+              <a:ext uri="{FF2B5EF4-FFF2-40B4-BE49-F238E27FC236}">
+                <a16:creationId xmlns:a16="http://schemas.microsoft.com/office/drawing/2014/main" id="{D24E0A5E-C672-451A-B201-BB8680FA1466}"/>
+              </a:ext>
+            </a:extLst>
+          </p:cNvPr>
+          <p:cNvSpPr>
+            <a:spLocks noGrp="1"/>
+          </p:cNvSpPr>
+          <p:nvPr>
+            <p:ph type="title" idx="4294967295"/>
+          </p:nvPr>
+        </p:nvSpPr>
+        <p:spPr>
+          <a:xfrm>
+            <a:off x="838200" y="658639"/>
+            <a:ext cx="10515600" cy="1325563"/>
+          </a:xfrm>
+        </p:spPr>
+        <p:txBody>
+          <a:bodyPr/>
+          <a:lstStyle/>
+          <a:p>
+            <a:r>
+              <a:rPr lang="de-DE" b="1">
+                <a:latin typeface="Lao UI" panose="020B0502040204020203" pitchFamily="34" charset="0"/>
+                <a:cs typeface="Lao UI" panose="020B0502040204020203" pitchFamily="34" charset="0"/>
+              </a:rPr>
+              <a:t>Flex-Layout</a:t>
+            </a:r>
+            <a:r>
+              <a:rPr lang="de-DE">
+                <a:latin typeface="Lao UI" panose="020B0502040204020203" pitchFamily="34" charset="0"/>
+                <a:cs typeface="Lao UI" panose="020B0502040204020203" pitchFamily="34" charset="0"/>
+              </a:rPr>
+              <a:t> – align-self	</a:t>
+            </a:r>
+            <a:endParaRPr lang="de-DE" b="1">
+              <a:latin typeface="Lao UI" panose="020B0502040204020203" pitchFamily="34" charset="0"/>
+              <a:cs typeface="Lao UI" panose="020B0502040204020203" pitchFamily="34" charset="0"/>
+            </a:endParaRPr>
+          </a:p>
+        </p:txBody>
+      </p:sp>
+      <p:sp>
+        <p:nvSpPr>
+          <p:cNvPr id="7" name="Textfeld 6">
+            <a:extLst>
+              <a:ext uri="{FF2B5EF4-FFF2-40B4-BE49-F238E27FC236}">
+                <a16:creationId xmlns:a16="http://schemas.microsoft.com/office/drawing/2014/main" id="{BF28102C-2C75-43AE-BF30-318EFCA296C6}"/>
+              </a:ext>
+            </a:extLst>
+          </p:cNvPr>
+          <p:cNvSpPr txBox="1"/>
+          <p:nvPr/>
+        </p:nvSpPr>
+        <p:spPr>
+          <a:xfrm>
+            <a:off x="838198" y="1984202"/>
+            <a:ext cx="10724426" cy="1938992"/>
+          </a:xfrm>
+          <a:prstGeom prst="rect">
+            <a:avLst/>
+          </a:prstGeom>
+          <a:noFill/>
+        </p:spPr>
+        <p:txBody>
+          <a:bodyPr wrap="square" rtlCol="0">
+            <a:spAutoFit/>
+          </a:bodyPr>
+          <a:lstStyle/>
+          <a:p>
+            <a:r>
+              <a:rPr lang="de-DE" sz="2400">
+                <a:latin typeface="Lao UI" panose="020B0502040204020203" pitchFamily="34" charset="0"/>
+                <a:cs typeface="Lao UI" panose="020B0502040204020203" pitchFamily="34" charset="0"/>
+              </a:rPr>
+              <a:t>Überschreibt die Container-Property </a:t>
+            </a:r>
+            <a:r>
+              <a:rPr lang="de-DE" sz="2400">
+                <a:latin typeface="Consolas" panose="020B0609020204030204" pitchFamily="49" charset="0"/>
+                <a:cs typeface="Consolas" panose="020B0609020204030204" pitchFamily="49" charset="0"/>
+              </a:rPr>
+              <a:t>align-items</a:t>
+            </a:r>
+            <a:r>
+              <a:rPr lang="de-DE" sz="2400">
+                <a:latin typeface="Lao UI" panose="020B0502040204020203" pitchFamily="34" charset="0"/>
+                <a:cs typeface="Lao UI" panose="020B0502040204020203" pitchFamily="34" charset="0"/>
+              </a:rPr>
+              <a:t> für jedes einzelne Item</a:t>
+            </a:r>
+          </a:p>
+          <a:p>
+            <a:endParaRPr lang="de-DE" sz="2400">
+              <a:latin typeface="Lao UI" panose="020B0502040204020203" pitchFamily="34" charset="0"/>
+              <a:cs typeface="Lao UI" panose="020B0502040204020203" pitchFamily="34" charset="0"/>
+            </a:endParaRPr>
+          </a:p>
+          <a:p>
+            <a:r>
+              <a:rPr lang="de-DE" sz="2400">
+                <a:latin typeface="Lao UI" panose="020B0502040204020203" pitchFamily="34" charset="0"/>
+                <a:cs typeface="Lao UI" panose="020B0502040204020203" pitchFamily="34" charset="0"/>
+              </a:rPr>
+              <a:t>Property: </a:t>
+            </a:r>
+            <a:r>
+              <a:rPr lang="de-DE" sz="2400">
+                <a:latin typeface="Consolas" panose="020B0609020204030204" pitchFamily="49" charset="0"/>
+                <a:cs typeface="Consolas" panose="020B0609020204030204" pitchFamily="49" charset="0"/>
+              </a:rPr>
+              <a:t>	</a:t>
+            </a:r>
+            <a:r>
+              <a:rPr lang="de-DE" sz="2200">
+                <a:latin typeface="Consolas" panose="020B0609020204030204" pitchFamily="49" charset="0"/>
+                <a:cs typeface="Consolas" panose="020B0609020204030204" pitchFamily="49" charset="0"/>
+              </a:rPr>
+              <a:t>align-self</a:t>
+            </a:r>
+          </a:p>
+          <a:p>
+            <a:r>
+              <a:rPr lang="de-DE" sz="2400">
+                <a:latin typeface="Lao UI" panose="020B0502040204020203" pitchFamily="34" charset="0"/>
+                <a:cs typeface="Lao UI" panose="020B0502040204020203" pitchFamily="34" charset="0"/>
+              </a:rPr>
+              <a:t>Werte</a:t>
+            </a:r>
+            <a:r>
+              <a:rPr lang="de-DE" sz="2600">
+                <a:latin typeface="Lao UI" panose="020B0502040204020203" pitchFamily="34" charset="0"/>
+                <a:cs typeface="Lao UI" panose="020B0502040204020203" pitchFamily="34" charset="0"/>
+              </a:rPr>
+              <a:t>:	</a:t>
+            </a:r>
+            <a:r>
+              <a:rPr lang="de-DE" sz="2400">
+                <a:latin typeface="Lao UI" panose="020B0502040204020203" pitchFamily="34" charset="0"/>
+                <a:cs typeface="Lao UI" panose="020B0502040204020203" pitchFamily="34" charset="0"/>
+              </a:rPr>
+              <a:t>	</a:t>
+            </a:r>
+            <a:r>
+              <a:rPr lang="de-DE" sz="2200">
+                <a:solidFill>
+                  <a:srgbClr val="0000C0"/>
+                </a:solidFill>
+                <a:latin typeface="Consolas" panose="020B0609020204030204" pitchFamily="49" charset="0"/>
+                <a:cs typeface="Consolas" panose="020B0609020204030204" pitchFamily="49" charset="0"/>
+              </a:rPr>
+              <a:t>[flex-start|flex-end|center|stretch|baseline]</a:t>
+            </a:r>
+            <a:endParaRPr lang="de-DE" sz="2200">
+              <a:latin typeface="Lao UI" panose="020B0502040204020203" pitchFamily="34" charset="0"/>
+              <a:cs typeface="Lao UI" panose="020B0502040204020203" pitchFamily="34" charset="0"/>
+            </a:endParaRPr>
+          </a:p>
+          <a:p>
+            <a:endParaRPr lang="de-DE" sz="2200">
+              <a:latin typeface="Lao UI" panose="020B0502040204020203" pitchFamily="34" charset="0"/>
+              <a:cs typeface="Lao UI" panose="020B0502040204020203" pitchFamily="34" charset="0"/>
+            </a:endParaRPr>
+          </a:p>
+        </p:txBody>
+      </p:sp>
+      <p:sp>
+        <p:nvSpPr>
+          <p:cNvPr id="3" name="Foliennummernplatzhalter 2">
+            <a:extLst>
+              <a:ext uri="{FF2B5EF4-FFF2-40B4-BE49-F238E27FC236}">
+                <a16:creationId xmlns:a16="http://schemas.microsoft.com/office/drawing/2014/main" id="{FEF57A1D-E3CC-4C79-873D-CA30C2D420B0}"/>
+              </a:ext>
+            </a:extLst>
+          </p:cNvPr>
+          <p:cNvSpPr>
+            <a:spLocks noGrp="1"/>
+          </p:cNvSpPr>
+          <p:nvPr>
+            <p:ph type="sldNum" sz="quarter" idx="12"/>
+          </p:nvPr>
+        </p:nvSpPr>
+        <p:spPr/>
+        <p:txBody>
+          <a:bodyPr/>
+          <a:lstStyle/>
+          <a:p>
+            <a:fld id="{8BD8B4BE-A45B-4C80-A7E3-A8E09D7A82BB}" type="slidenum">
+              <a:rPr lang="de-DE" smtClean="0"/>
+              <a:pPr/>
+              <a:t>35</a:t>
+            </a:fld>
+            <a:endParaRPr lang="de-DE"/>
+          </a:p>
+        </p:txBody>
+      </p:sp>
+      <p:pic>
+        <p:nvPicPr>
+          <p:cNvPr id="9" name="Grafik 8">
+            <a:extLst>
+              <a:ext uri="{FF2B5EF4-FFF2-40B4-BE49-F238E27FC236}">
+                <a16:creationId xmlns:a16="http://schemas.microsoft.com/office/drawing/2014/main" id="{6C95B2AB-9332-47F1-A24B-EF85C61CF141}"/>
+              </a:ext>
+            </a:extLst>
+          </p:cNvPr>
+          <p:cNvPicPr>
+            <a:picLocks noChangeAspect="1"/>
+          </p:cNvPicPr>
+          <p:nvPr/>
+        </p:nvPicPr>
+        <p:blipFill>
+          <a:blip r:embed="rId4"/>
+          <a:stretch>
+            <a:fillRect/>
+          </a:stretch>
+        </p:blipFill>
+        <p:spPr>
+          <a:xfrm>
+            <a:off x="363575" y="5572880"/>
+            <a:ext cx="1741913" cy="738717"/>
+          </a:xfrm>
+          <a:prstGeom prst="rect">
+            <a:avLst/>
+          </a:prstGeom>
+        </p:spPr>
+      </p:pic>
+    </p:spTree>
+    <p:extLst>
+      <p:ext uri="{BB962C8B-B14F-4D97-AF65-F5344CB8AC3E}">
+        <p14:creationId xmlns:p14="http://schemas.microsoft.com/office/powerpoint/2010/main" val="4194638503"/>
+      </p:ext>
+    </p:extLst>
+  </p:cSld>
+  <p:clrMapOvr>
+    <a:overrideClrMapping bg1="lt1" tx1="dk1" bg2="lt2" tx2="dk2" accent1="accent1" accent2="accent2" accent3="accent3" accent4="accent4" accent5="accent5" accent6="accent6" hlink="hlink" folHlink="folHlink"/>
+  </p:clrMapOvr>
+</p:sld>
+</file>
+
+<file path=ppt/slides/slide36.xml><?xml version="1.0" encoding="utf-8"?>
+<p:sld xmlns:a="http://schemas.openxmlformats.org/drawingml/2006/main" xmlns:r="http://schemas.openxmlformats.org/officeDocument/2006/relationships" xmlns:p="http://schemas.openxmlformats.org/presentationml/2006/main">
+  <p:cSld>
+    <p:spTree>
+      <p:nvGrpSpPr>
+        <p:cNvPr id="1" name=""/>
+        <p:cNvGrpSpPr/>
+        <p:nvPr/>
+      </p:nvGrpSpPr>
+      <p:grpSpPr>
+        <a:xfrm>
+          <a:off x="0" y="0"/>
+          <a:ext cx="0" cy="0"/>
+          <a:chOff x="0" y="0"/>
+          <a:chExt cx="0" cy="0"/>
+        </a:xfrm>
+      </p:grpSpPr>
+      <p:sp>
+        <p:nvSpPr>
+          <p:cNvPr id="2" name="Titel 1">
+            <a:extLst>
+              <a:ext uri="{FF2B5EF4-FFF2-40B4-BE49-F238E27FC236}">
+                <a16:creationId xmlns:a16="http://schemas.microsoft.com/office/drawing/2014/main" id="{D24E0A5E-C672-451A-B201-BB8680FA1466}"/>
+              </a:ext>
+            </a:extLst>
+          </p:cNvPr>
+          <p:cNvSpPr>
+            <a:spLocks noGrp="1"/>
+          </p:cNvSpPr>
+          <p:nvPr>
+            <p:ph type="title" idx="4294967295"/>
+          </p:nvPr>
+        </p:nvSpPr>
+        <p:spPr>
+          <a:xfrm>
+            <a:off x="838200" y="658639"/>
+            <a:ext cx="10515600" cy="1325563"/>
+          </a:xfrm>
+        </p:spPr>
+        <p:txBody>
+          <a:bodyPr/>
+          <a:lstStyle/>
+          <a:p>
+            <a:r>
+              <a:rPr lang="de-DE" b="1">
+                <a:latin typeface="Lao UI" panose="020B0502040204020203" pitchFamily="34" charset="0"/>
+                <a:cs typeface="Lao UI" panose="020B0502040204020203" pitchFamily="34" charset="0"/>
+              </a:rPr>
+              <a:t>Grid-Layout</a:t>
+            </a:r>
+            <a:endParaRPr lang="de-DE">
+              <a:latin typeface="Lao UI" panose="020B0502040204020203" pitchFamily="34" charset="0"/>
+              <a:cs typeface="Lao UI" panose="020B0502040204020203" pitchFamily="34" charset="0"/>
+            </a:endParaRPr>
+          </a:p>
+        </p:txBody>
+      </p:sp>
+      <p:sp>
+        <p:nvSpPr>
+          <p:cNvPr id="8" name="Textfeld 7">
+            <a:extLst>
+              <a:ext uri="{FF2B5EF4-FFF2-40B4-BE49-F238E27FC236}">
+                <a16:creationId xmlns:a16="http://schemas.microsoft.com/office/drawing/2014/main" id="{E446F70F-9263-4FC3-ABF5-F8B918F2427B}"/>
+              </a:ext>
+            </a:extLst>
+          </p:cNvPr>
+          <p:cNvSpPr txBox="1"/>
+          <p:nvPr/>
+        </p:nvSpPr>
+        <p:spPr>
+          <a:xfrm>
+            <a:off x="838198" y="1984202"/>
+            <a:ext cx="5434554" cy="3416320"/>
+          </a:xfrm>
+          <a:prstGeom prst="rect">
+            <a:avLst/>
+          </a:prstGeom>
+          <a:noFill/>
+        </p:spPr>
+        <p:txBody>
+          <a:bodyPr wrap="square" rtlCol="0">
+            <a:spAutoFit/>
+          </a:bodyPr>
+          <a:lstStyle/>
+          <a:p>
+            <a:pPr marL="457200" indent="-457200">
+              <a:buFont typeface="Arial" panose="020B0604020202020204" pitchFamily="34" charset="0"/>
+              <a:buChar char="•"/>
+            </a:pPr>
+            <a:r>
+              <a:rPr lang="de-DE" sz="2400">
+                <a:latin typeface="Lao UI" panose="020B0502040204020203" pitchFamily="34" charset="0"/>
+                <a:cs typeface="Lao UI" panose="020B0502040204020203" pitchFamily="34" charset="0"/>
+              </a:rPr>
+              <a:t>Ist eine </a:t>
+            </a:r>
+            <a:r>
+              <a:rPr lang="de-DE" sz="2400">
+                <a:latin typeface="Consolas" panose="020B0609020204030204" pitchFamily="49" charset="0"/>
+                <a:cs typeface="Consolas" panose="020B0609020204030204" pitchFamily="49" charset="0"/>
+              </a:rPr>
+              <a:t>display</a:t>
+            </a:r>
+            <a:r>
+              <a:rPr lang="de-DE" sz="2400">
+                <a:latin typeface="Lao UI" panose="020B0502040204020203" pitchFamily="34" charset="0"/>
+                <a:cs typeface="Lao UI" panose="020B0502040204020203" pitchFamily="34" charset="0"/>
+              </a:rPr>
+              <a:t>-Property (</a:t>
+            </a:r>
+            <a:r>
+              <a:rPr lang="de-DE" sz="2400">
+                <a:latin typeface="Consolas" panose="020B0609020204030204" pitchFamily="49" charset="0"/>
+                <a:cs typeface="Consolas" panose="020B0609020204030204" pitchFamily="49" charset="0"/>
+              </a:rPr>
+              <a:t>display: grid | inline-grid</a:t>
+            </a:r>
+            <a:r>
+              <a:rPr lang="de-DE" sz="2400">
+                <a:latin typeface="Lao UI" panose="020B0502040204020203" pitchFamily="34" charset="0"/>
+                <a:cs typeface="Lao UI" panose="020B0502040204020203" pitchFamily="34" charset="0"/>
+              </a:rPr>
+              <a:t>)</a:t>
+            </a:r>
+          </a:p>
+          <a:p>
+            <a:pPr marL="457200" indent="-457200">
+              <a:buFont typeface="Arial" panose="020B0604020202020204" pitchFamily="34" charset="0"/>
+              <a:buChar char="•"/>
+            </a:pPr>
+            <a:r>
+              <a:rPr lang="de-DE" sz="2400">
+                <a:latin typeface="Lao UI" panose="020B0502040204020203" pitchFamily="34" charset="0"/>
+                <a:cs typeface="Lao UI" panose="020B0502040204020203" pitchFamily="34" charset="0"/>
+              </a:rPr>
+              <a:t>Elemente werden in einem flexiblen Grid angeordnet</a:t>
+            </a:r>
+          </a:p>
+          <a:p>
+            <a:pPr marL="457200" indent="-457200">
+              <a:buFont typeface="Arial" panose="020B0604020202020204" pitchFamily="34" charset="0"/>
+              <a:buChar char="•"/>
+            </a:pPr>
+            <a:r>
+              <a:rPr lang="de-DE" sz="2400">
+                <a:latin typeface="Lao UI" panose="020B0502040204020203" pitchFamily="34" charset="0"/>
+                <a:cs typeface="Lao UI" panose="020B0502040204020203" pitchFamily="34" charset="0"/>
+              </a:rPr>
+              <a:t>Vergleichbar mit GridBagLayout von Swing</a:t>
+            </a:r>
+          </a:p>
+          <a:p>
+            <a:pPr marL="457200" indent="-457200">
+              <a:buFont typeface="Arial" panose="020B0604020202020204" pitchFamily="34" charset="0"/>
+              <a:buChar char="•"/>
+            </a:pPr>
+            <a:r>
+              <a:rPr lang="de-DE" sz="2400">
+                <a:latin typeface="Lao UI" panose="020B0502040204020203" pitchFamily="34" charset="0"/>
+                <a:cs typeface="Lao UI" panose="020B0502040204020203" pitchFamily="34" charset="0"/>
+                <a:hlinkClick r:id="rId4"/>
+              </a:rPr>
+              <a:t>https://css-tricks.com/snippets/css/complete-guide-grid/</a:t>
+            </a:r>
+            <a:endParaRPr lang="de-DE" sz="2400">
+              <a:latin typeface="Lao UI" panose="020B0502040204020203" pitchFamily="34" charset="0"/>
+              <a:cs typeface="Lao UI" panose="020B0502040204020203" pitchFamily="34" charset="0"/>
+            </a:endParaRPr>
+          </a:p>
+        </p:txBody>
+      </p:sp>
+      <p:sp>
+        <p:nvSpPr>
+          <p:cNvPr id="3" name="Foliennummernplatzhalter 2">
+            <a:extLst>
+              <a:ext uri="{FF2B5EF4-FFF2-40B4-BE49-F238E27FC236}">
+                <a16:creationId xmlns:a16="http://schemas.microsoft.com/office/drawing/2014/main" id="{33034EDE-A393-426C-A34F-1497E09661A2}"/>
+              </a:ext>
+            </a:extLst>
+          </p:cNvPr>
+          <p:cNvSpPr>
+            <a:spLocks noGrp="1"/>
+          </p:cNvSpPr>
+          <p:nvPr>
+            <p:ph type="sldNum" sz="quarter" idx="12"/>
+          </p:nvPr>
+        </p:nvSpPr>
+        <p:spPr/>
+        <p:txBody>
+          <a:bodyPr/>
+          <a:lstStyle/>
+          <a:p>
+            <a:fld id="{8BD8B4BE-A45B-4C80-A7E3-A8E09D7A82BB}" type="slidenum">
+              <a:rPr lang="de-DE" smtClean="0"/>
+              <a:pPr/>
+              <a:t>36</a:t>
+            </a:fld>
+            <a:endParaRPr lang="de-DE"/>
+          </a:p>
+        </p:txBody>
+      </p:sp>
+      <p:pic>
+        <p:nvPicPr>
+          <p:cNvPr id="12" name="Grafik 11">
+            <a:extLst>
+              <a:ext uri="{FF2B5EF4-FFF2-40B4-BE49-F238E27FC236}">
+                <a16:creationId xmlns:a16="http://schemas.microsoft.com/office/drawing/2014/main" id="{E0C8E9B9-C83C-494B-AEB7-E48F7A3AB669}"/>
+              </a:ext>
+            </a:extLst>
+          </p:cNvPr>
+          <p:cNvPicPr>
+            <a:picLocks noChangeAspect="1"/>
+          </p:cNvPicPr>
+          <p:nvPr/>
+        </p:nvPicPr>
+        <p:blipFill>
+          <a:blip r:embed="rId5"/>
+          <a:stretch>
+            <a:fillRect/>
+          </a:stretch>
+        </p:blipFill>
+        <p:spPr>
+          <a:xfrm>
+            <a:off x="6588841" y="1686899"/>
+            <a:ext cx="5332226" cy="4218422"/>
+          </a:xfrm>
+          <a:prstGeom prst="rect">
+            <a:avLst/>
+          </a:prstGeom>
+          <a:effectLst>
+            <a:outerShdw blurRad="63500" sx="102000" sy="102000" algn="ctr" rotWithShape="0">
+              <a:prstClr val="black">
+                <a:alpha val="40000"/>
+              </a:prstClr>
+            </a:outerShdw>
+          </a:effectLst>
+        </p:spPr>
+      </p:pic>
+    </p:spTree>
+    <p:extLst>
+      <p:ext uri="{BB962C8B-B14F-4D97-AF65-F5344CB8AC3E}">
+        <p14:creationId xmlns:p14="http://schemas.microsoft.com/office/powerpoint/2010/main" val="565103828"/>
+      </p:ext>
+    </p:extLst>
+  </p:cSld>
+  <p:clrMapOvr>
+    <a:overrideClrMapping bg1="lt1" tx1="dk1" bg2="lt2" tx2="dk2" accent1="accent1" accent2="accent2" accent3="accent3" accent4="accent4" accent5="accent5" accent6="accent6" hlink="hlink" folHlink="folHlink"/>
+  </p:clrMapOvr>
+</p:sld>
+</file>
+
+<file path=ppt/slides/slide37.xml><?xml version="1.0" encoding="utf-8"?>
+<p:sld xmlns:a="http://schemas.openxmlformats.org/drawingml/2006/main" xmlns:r="http://schemas.openxmlformats.org/officeDocument/2006/relationships" xmlns:p="http://schemas.openxmlformats.org/presentationml/2006/main">
+  <p:cSld>
+    <p:spTree>
+      <p:nvGrpSpPr>
+        <p:cNvPr id="1" name=""/>
+        <p:cNvGrpSpPr/>
+        <p:nvPr/>
+      </p:nvGrpSpPr>
+      <p:grpSpPr>
+        <a:xfrm>
+          <a:off x="0" y="0"/>
+          <a:ext cx="0" cy="0"/>
+          <a:chOff x="0" y="0"/>
+          <a:chExt cx="0" cy="0"/>
+        </a:xfrm>
+      </p:grpSpPr>
+      <p:sp>
+        <p:nvSpPr>
+          <p:cNvPr id="2" name="Titel 1">
+            <a:extLst>
+              <a:ext uri="{FF2B5EF4-FFF2-40B4-BE49-F238E27FC236}">
+                <a16:creationId xmlns:a16="http://schemas.microsoft.com/office/drawing/2014/main" id="{D24E0A5E-C672-451A-B201-BB8680FA1466}"/>
+              </a:ext>
+            </a:extLst>
+          </p:cNvPr>
+          <p:cNvSpPr>
+            <a:spLocks noGrp="1"/>
+          </p:cNvSpPr>
+          <p:nvPr>
+            <p:ph type="title" idx="4294967295"/>
+          </p:nvPr>
+        </p:nvSpPr>
+        <p:spPr>
+          <a:xfrm>
+            <a:off x="838200" y="658639"/>
+            <a:ext cx="10515600" cy="1325563"/>
+          </a:xfrm>
+        </p:spPr>
+        <p:txBody>
+          <a:bodyPr/>
+          <a:lstStyle/>
+          <a:p>
+            <a:r>
+              <a:rPr lang="de-DE" b="1">
+                <a:latin typeface="Lao UI" panose="020B0502040204020203" pitchFamily="34" charset="0"/>
+                <a:cs typeface="Lao UI" panose="020B0502040204020203" pitchFamily="34" charset="0"/>
+              </a:rPr>
+              <a:t>Grid-Layout</a:t>
+            </a:r>
+            <a:endParaRPr lang="de-DE">
+              <a:latin typeface="Lao UI" panose="020B0502040204020203" pitchFamily="34" charset="0"/>
+              <a:cs typeface="Lao UI" panose="020B0502040204020203" pitchFamily="34" charset="0"/>
+            </a:endParaRPr>
+          </a:p>
+        </p:txBody>
+      </p:sp>
+      <p:sp>
+        <p:nvSpPr>
+          <p:cNvPr id="3" name="Foliennummernplatzhalter 2">
+            <a:extLst>
+              <a:ext uri="{FF2B5EF4-FFF2-40B4-BE49-F238E27FC236}">
+                <a16:creationId xmlns:a16="http://schemas.microsoft.com/office/drawing/2014/main" id="{33034EDE-A393-426C-A34F-1497E09661A2}"/>
+              </a:ext>
+            </a:extLst>
+          </p:cNvPr>
+          <p:cNvSpPr>
+            <a:spLocks noGrp="1"/>
+          </p:cNvSpPr>
+          <p:nvPr>
+            <p:ph type="sldNum" sz="quarter" idx="12"/>
+          </p:nvPr>
+        </p:nvSpPr>
+        <p:spPr/>
+        <p:txBody>
+          <a:bodyPr/>
+          <a:lstStyle/>
+          <a:p>
+            <a:fld id="{8BD8B4BE-A45B-4C80-A7E3-A8E09D7A82BB}" type="slidenum">
+              <a:rPr lang="de-DE" smtClean="0"/>
+              <a:pPr/>
+              <a:t>37</a:t>
+            </a:fld>
+            <a:endParaRPr lang="de-DE"/>
+          </a:p>
+        </p:txBody>
+      </p:sp>
+      <p:pic>
+        <p:nvPicPr>
+          <p:cNvPr id="4" name="Grafik 3">
+            <a:extLst>
+              <a:ext uri="{FF2B5EF4-FFF2-40B4-BE49-F238E27FC236}">
+                <a16:creationId xmlns:a16="http://schemas.microsoft.com/office/drawing/2014/main" id="{6F292257-2619-45DF-9F28-A6E9B678F5CA}"/>
+              </a:ext>
+            </a:extLst>
+          </p:cNvPr>
+          <p:cNvPicPr>
+            <a:picLocks noChangeAspect="1"/>
+          </p:cNvPicPr>
+          <p:nvPr/>
+        </p:nvPicPr>
+        <p:blipFill>
+          <a:blip r:embed="rId4"/>
+          <a:stretch>
+            <a:fillRect/>
+          </a:stretch>
+        </p:blipFill>
+        <p:spPr>
+          <a:xfrm>
+            <a:off x="2698044" y="1868128"/>
+            <a:ext cx="6795911" cy="4469548"/>
+          </a:xfrm>
+          <a:prstGeom prst="rect">
+            <a:avLst/>
+          </a:prstGeom>
+        </p:spPr>
+      </p:pic>
+    </p:spTree>
+    <p:extLst>
+      <p:ext uri="{BB962C8B-B14F-4D97-AF65-F5344CB8AC3E}">
+        <p14:creationId xmlns:p14="http://schemas.microsoft.com/office/powerpoint/2010/main" val="3782820133"/>
+      </p:ext>
+    </p:extLst>
+  </p:cSld>
+  <p:clrMapOvr>
+    <a:overrideClrMapping bg1="lt1" tx1="dk1" bg2="lt2" tx2="dk2" accent1="accent1" accent2="accent2" accent3="accent3" accent4="accent4" accent5="accent5" accent6="accent6" hlink="hlink" folHlink="folHlink"/>
+  </p:clrMapOvr>
+</p:sld>
+</file>
+
+<file path=ppt/slides/slide38.xml><?xml version="1.0" encoding="utf-8"?>
+<p:sld xmlns:a="http://schemas.openxmlformats.org/drawingml/2006/main" xmlns:r="http://schemas.openxmlformats.org/officeDocument/2006/relationships" xmlns:p="http://schemas.openxmlformats.org/presentationml/2006/main">
+  <p:cSld>
+    <p:spTree>
+      <p:nvGrpSpPr>
+        <p:cNvPr id="1" name=""/>
+        <p:cNvGrpSpPr/>
+        <p:nvPr/>
+      </p:nvGrpSpPr>
+      <p:grpSpPr>
+        <a:xfrm>
+          <a:off x="0" y="0"/>
+          <a:ext cx="0" cy="0"/>
+          <a:chOff x="0" y="0"/>
+          <a:chExt cx="0" cy="0"/>
+        </a:xfrm>
+      </p:grpSpPr>
+      <p:sp>
+        <p:nvSpPr>
+          <p:cNvPr id="2" name="Titel 1">
+            <a:extLst>
+              <a:ext uri="{FF2B5EF4-FFF2-40B4-BE49-F238E27FC236}">
+                <a16:creationId xmlns:a16="http://schemas.microsoft.com/office/drawing/2014/main" id="{D24E0A5E-C672-451A-B201-BB8680FA1466}"/>
+              </a:ext>
+            </a:extLst>
+          </p:cNvPr>
+          <p:cNvSpPr>
+            <a:spLocks noGrp="1"/>
+          </p:cNvSpPr>
+          <p:nvPr>
+            <p:ph type="title" idx="4294967295"/>
+          </p:nvPr>
+        </p:nvSpPr>
+        <p:spPr>
+          <a:xfrm>
+            <a:off x="838200" y="658639"/>
+            <a:ext cx="10515600" cy="1325563"/>
+          </a:xfrm>
+        </p:spPr>
+        <p:txBody>
+          <a:bodyPr/>
+          <a:lstStyle/>
+          <a:p>
+            <a:r>
+              <a:rPr lang="de-DE" b="1">
+                <a:latin typeface="Lao UI" panose="020B0502040204020203" pitchFamily="34" charset="0"/>
+                <a:cs typeface="Lao UI" panose="020B0502040204020203" pitchFamily="34" charset="0"/>
+              </a:rPr>
+              <a:t>Grid-Layout</a:t>
+            </a:r>
+            <a:endParaRPr lang="de-DE">
+              <a:latin typeface="Lao UI" panose="020B0502040204020203" pitchFamily="34" charset="0"/>
+              <a:cs typeface="Lao UI" panose="020B0502040204020203" pitchFamily="34" charset="0"/>
+            </a:endParaRPr>
+          </a:p>
+        </p:txBody>
+      </p:sp>
+      <p:sp>
+        <p:nvSpPr>
+          <p:cNvPr id="3" name="Foliennummernplatzhalter 2">
+            <a:extLst>
+              <a:ext uri="{FF2B5EF4-FFF2-40B4-BE49-F238E27FC236}">
+                <a16:creationId xmlns:a16="http://schemas.microsoft.com/office/drawing/2014/main" id="{33034EDE-A393-426C-A34F-1497E09661A2}"/>
+              </a:ext>
+            </a:extLst>
+          </p:cNvPr>
+          <p:cNvSpPr>
+            <a:spLocks noGrp="1"/>
+          </p:cNvSpPr>
+          <p:nvPr>
+            <p:ph type="sldNum" sz="quarter" idx="12"/>
+          </p:nvPr>
+        </p:nvSpPr>
+        <p:spPr/>
+        <p:txBody>
+          <a:bodyPr/>
+          <a:lstStyle/>
+          <a:p>
+            <a:fld id="{8BD8B4BE-A45B-4C80-A7E3-A8E09D7A82BB}" type="slidenum">
+              <a:rPr lang="de-DE" smtClean="0"/>
+              <a:pPr/>
+              <a:t>38</a:t>
+            </a:fld>
+            <a:endParaRPr lang="de-DE"/>
+          </a:p>
+        </p:txBody>
+      </p:sp>
+      <p:pic>
+        <p:nvPicPr>
+          <p:cNvPr id="6" name="Grafik 5">
+            <a:extLst>
+              <a:ext uri="{FF2B5EF4-FFF2-40B4-BE49-F238E27FC236}">
+                <a16:creationId xmlns:a16="http://schemas.microsoft.com/office/drawing/2014/main" id="{8B2194F7-A04A-43B5-BC74-0855A2EF6544}"/>
+              </a:ext>
+            </a:extLst>
+          </p:cNvPr>
+          <p:cNvPicPr>
+            <a:picLocks noChangeAspect="1"/>
+          </p:cNvPicPr>
+          <p:nvPr/>
+        </p:nvPicPr>
+        <p:blipFill>
+          <a:blip r:embed="rId4"/>
+          <a:stretch>
+            <a:fillRect/>
+          </a:stretch>
+        </p:blipFill>
+        <p:spPr>
+          <a:xfrm>
+            <a:off x="3206044" y="2337867"/>
+            <a:ext cx="5779911" cy="3801343"/>
+          </a:xfrm>
+          <a:prstGeom prst="rect">
+            <a:avLst/>
+          </a:prstGeom>
+        </p:spPr>
+      </p:pic>
+      <p:sp>
+        <p:nvSpPr>
+          <p:cNvPr id="7" name="Textfeld 6">
+            <a:extLst>
+              <a:ext uri="{FF2B5EF4-FFF2-40B4-BE49-F238E27FC236}">
+                <a16:creationId xmlns:a16="http://schemas.microsoft.com/office/drawing/2014/main" id="{D34224D2-CB89-4E62-BDC2-6086E9902B4C}"/>
+              </a:ext>
+            </a:extLst>
+          </p:cNvPr>
+          <p:cNvSpPr txBox="1"/>
+          <p:nvPr/>
+        </p:nvSpPr>
+        <p:spPr>
+          <a:xfrm>
+            <a:off x="3127021" y="1860813"/>
+            <a:ext cx="6740459" cy="523220"/>
+          </a:xfrm>
+          <a:prstGeom prst="rect">
+            <a:avLst/>
+          </a:prstGeom>
+          <a:noFill/>
+        </p:spPr>
+        <p:txBody>
+          <a:bodyPr wrap="square" rtlCol="0">
+            <a:spAutoFit/>
+          </a:bodyPr>
+          <a:lstStyle/>
+          <a:p>
+            <a:r>
+              <a:rPr lang="de-DE"/>
+              <a:t>	           </a:t>
+            </a:r>
+            <a:r>
+              <a:rPr lang="de-DE" sz="2800">
+                <a:latin typeface="Lao UI" panose="020B0502040204020203" pitchFamily="34" charset="0"/>
+                <a:cs typeface="Lao UI" panose="020B0502040204020203" pitchFamily="34" charset="0"/>
+              </a:rPr>
+              <a:t>70%	               25%      40px</a:t>
+            </a:r>
+          </a:p>
+        </p:txBody>
+      </p:sp>
+      <p:sp>
+        <p:nvSpPr>
+          <p:cNvPr id="8" name="Textfeld 7">
+            <a:extLst>
+              <a:ext uri="{FF2B5EF4-FFF2-40B4-BE49-F238E27FC236}">
+                <a16:creationId xmlns:a16="http://schemas.microsoft.com/office/drawing/2014/main" id="{3658DD1A-2A94-4CD6-AAAE-40453FF34F0B}"/>
+              </a:ext>
+            </a:extLst>
+          </p:cNvPr>
+          <p:cNvSpPr txBox="1"/>
+          <p:nvPr/>
+        </p:nvSpPr>
+        <p:spPr>
+          <a:xfrm>
+            <a:off x="2046498" y="2184130"/>
+            <a:ext cx="1159546" cy="4154984"/>
+          </a:xfrm>
+          <a:prstGeom prst="rect">
+            <a:avLst/>
+          </a:prstGeom>
+          <a:noFill/>
+        </p:spPr>
+        <p:txBody>
+          <a:bodyPr wrap="square" rtlCol="0">
+            <a:spAutoFit/>
+          </a:bodyPr>
+          <a:lstStyle/>
+          <a:p>
+            <a:pPr algn="r"/>
+            <a:r>
+              <a:rPr lang="de-DE" sz="2400">
+                <a:latin typeface="Lao UI" panose="020B0502040204020203" pitchFamily="34" charset="0"/>
+                <a:cs typeface="Lao UI" panose="020B0502040204020203" pitchFamily="34" charset="0"/>
+              </a:rPr>
+              <a:t>40px</a:t>
+            </a:r>
+          </a:p>
+          <a:p>
+            <a:pPr algn="r"/>
+            <a:endParaRPr lang="de-DE" sz="2400">
+              <a:latin typeface="Lao UI" panose="020B0502040204020203" pitchFamily="34" charset="0"/>
+              <a:cs typeface="Lao UI" panose="020B0502040204020203" pitchFamily="34" charset="0"/>
+            </a:endParaRPr>
+          </a:p>
+          <a:p>
+            <a:pPr algn="r"/>
+            <a:r>
+              <a:rPr lang="de-DE" sz="2400">
+                <a:latin typeface="Lao UI" panose="020B0502040204020203" pitchFamily="34" charset="0"/>
+                <a:cs typeface="Lao UI" panose="020B0502040204020203" pitchFamily="34" charset="0"/>
+              </a:rPr>
+              <a:t>30%</a:t>
+            </a:r>
+          </a:p>
+          <a:p>
+            <a:pPr algn="r"/>
+            <a:endParaRPr lang="de-DE" sz="2400">
+              <a:latin typeface="Lao UI" panose="020B0502040204020203" pitchFamily="34" charset="0"/>
+              <a:cs typeface="Lao UI" panose="020B0502040204020203" pitchFamily="34" charset="0"/>
+            </a:endParaRPr>
+          </a:p>
+          <a:p>
+            <a:pPr algn="r"/>
+            <a:endParaRPr lang="de-DE" sz="2400">
+              <a:latin typeface="Lao UI" panose="020B0502040204020203" pitchFamily="34" charset="0"/>
+              <a:cs typeface="Lao UI" panose="020B0502040204020203" pitchFamily="34" charset="0"/>
+            </a:endParaRPr>
+          </a:p>
+          <a:p>
+            <a:pPr algn="r"/>
+            <a:endParaRPr lang="de-DE" sz="2400">
+              <a:latin typeface="Lao UI" panose="020B0502040204020203" pitchFamily="34" charset="0"/>
+              <a:cs typeface="Lao UI" panose="020B0502040204020203" pitchFamily="34" charset="0"/>
+            </a:endParaRPr>
+          </a:p>
+          <a:p>
+            <a:pPr algn="r"/>
+            <a:r>
+              <a:rPr lang="de-DE" sz="2400">
+                <a:latin typeface="Lao UI" panose="020B0502040204020203" pitchFamily="34" charset="0"/>
+                <a:cs typeface="Lao UI" panose="020B0502040204020203" pitchFamily="34" charset="0"/>
+              </a:rPr>
+              <a:t>48%</a:t>
+            </a:r>
+          </a:p>
+          <a:p>
+            <a:pPr algn="r"/>
+            <a:endParaRPr lang="de-DE" sz="2400">
+              <a:latin typeface="Lao UI" panose="020B0502040204020203" pitchFamily="34" charset="0"/>
+              <a:cs typeface="Lao UI" panose="020B0502040204020203" pitchFamily="34" charset="0"/>
+            </a:endParaRPr>
+          </a:p>
+          <a:p>
+            <a:pPr algn="r"/>
+            <a:endParaRPr lang="de-DE" sz="2400">
+              <a:latin typeface="Lao UI" panose="020B0502040204020203" pitchFamily="34" charset="0"/>
+              <a:cs typeface="Lao UI" panose="020B0502040204020203" pitchFamily="34" charset="0"/>
+            </a:endParaRPr>
+          </a:p>
+          <a:p>
+            <a:pPr algn="r"/>
+            <a:r>
+              <a:rPr lang="de-DE" sz="2400">
+                <a:latin typeface="Lao UI" panose="020B0502040204020203" pitchFamily="34" charset="0"/>
+                <a:cs typeface="Lao UI" panose="020B0502040204020203" pitchFamily="34" charset="0"/>
+              </a:rPr>
+              <a:t>60px</a:t>
+            </a:r>
+          </a:p>
+          <a:p>
+            <a:pPr algn="r"/>
+            <a:r>
+              <a:rPr lang="de-DE" sz="2400">
+                <a:latin typeface="Lao UI" panose="020B0502040204020203" pitchFamily="34" charset="0"/>
+                <a:cs typeface="Lao UI" panose="020B0502040204020203" pitchFamily="34" charset="0"/>
+              </a:rPr>
+              <a:t>25px</a:t>
+            </a:r>
+          </a:p>
+        </p:txBody>
+      </p:sp>
+    </p:spTree>
+    <p:extLst>
+      <p:ext uri="{BB962C8B-B14F-4D97-AF65-F5344CB8AC3E}">
+        <p14:creationId xmlns:p14="http://schemas.microsoft.com/office/powerpoint/2010/main" val="370855998"/>
+      </p:ext>
+    </p:extLst>
+  </p:cSld>
+  <p:clrMapOvr>
+    <a:overrideClrMapping bg1="lt1" tx1="dk1" bg2="lt2" tx2="dk2" accent1="accent1" accent2="accent2" accent3="accent3" accent4="accent4" accent5="accent5" accent6="accent6" hlink="hlink" folHlink="folHlink"/>
+  </p:clrMapOvr>
+</p:sld>
+</file>
+
+<file path=ppt/slides/slide39.xml><?xml version="1.0" encoding="utf-8"?>
+<p:sld xmlns:a="http://schemas.openxmlformats.org/drawingml/2006/main" xmlns:r="http://schemas.openxmlformats.org/officeDocument/2006/relationships" xmlns:p="http://schemas.openxmlformats.org/presentationml/2006/main">
+  <p:cSld>
+    <p:spTree>
+      <p:nvGrpSpPr>
+        <p:cNvPr id="1" name=""/>
+        <p:cNvGrpSpPr/>
+        <p:nvPr/>
+      </p:nvGrpSpPr>
+      <p:grpSpPr>
+        <a:xfrm>
+          <a:off x="0" y="0"/>
+          <a:ext cx="0" cy="0"/>
+          <a:chOff x="0" y="0"/>
+          <a:chExt cx="0" cy="0"/>
+        </a:xfrm>
+      </p:grpSpPr>
+      <p:sp>
+        <p:nvSpPr>
+          <p:cNvPr id="2" name="Titel 1">
+            <a:extLst>
+              <a:ext uri="{FF2B5EF4-FFF2-40B4-BE49-F238E27FC236}">
+                <a16:creationId xmlns:a16="http://schemas.microsoft.com/office/drawing/2014/main" id="{D24E0A5E-C672-451A-B201-BB8680FA1466}"/>
+              </a:ext>
+            </a:extLst>
+          </p:cNvPr>
+          <p:cNvSpPr>
+            <a:spLocks noGrp="1"/>
+          </p:cNvSpPr>
+          <p:nvPr>
+            <p:ph type="title" idx="4294967295"/>
+          </p:nvPr>
+        </p:nvSpPr>
+        <p:spPr>
+          <a:xfrm>
+            <a:off x="838200" y="658639"/>
+            <a:ext cx="10515600" cy="1325563"/>
+          </a:xfrm>
+        </p:spPr>
+        <p:txBody>
+          <a:bodyPr/>
+          <a:lstStyle/>
+          <a:p>
+            <a:r>
+              <a:rPr lang="de-DE" b="1">
+                <a:latin typeface="Lao UI" panose="020B0502040204020203" pitchFamily="34" charset="0"/>
+                <a:cs typeface="Lao UI" panose="020B0502040204020203" pitchFamily="34" charset="0"/>
+              </a:rPr>
+              <a:t>Grid-Layout</a:t>
+            </a:r>
+            <a:r>
+              <a:rPr lang="de-DE">
+                <a:latin typeface="Lao UI" panose="020B0502040204020203" pitchFamily="34" charset="0"/>
+                <a:cs typeface="Lao UI" panose="020B0502040204020203" pitchFamily="34" charset="0"/>
+              </a:rPr>
+              <a:t> - Zusammenfassung</a:t>
+            </a:r>
+          </a:p>
+        </p:txBody>
+      </p:sp>
+      <p:sp>
+        <p:nvSpPr>
+          <p:cNvPr id="7" name="Textfeld 6">
+            <a:extLst>
+              <a:ext uri="{FF2B5EF4-FFF2-40B4-BE49-F238E27FC236}">
+                <a16:creationId xmlns:a16="http://schemas.microsoft.com/office/drawing/2014/main" id="{BF28102C-2C75-43AE-BF30-318EFCA296C6}"/>
+              </a:ext>
+            </a:extLst>
+          </p:cNvPr>
+          <p:cNvSpPr txBox="1"/>
+          <p:nvPr/>
+        </p:nvSpPr>
+        <p:spPr>
+          <a:xfrm>
+            <a:off x="838197" y="1984202"/>
+            <a:ext cx="10958691" cy="1446550"/>
+          </a:xfrm>
+          <a:prstGeom prst="rect">
+            <a:avLst/>
+          </a:prstGeom>
+          <a:noFill/>
+        </p:spPr>
+        <p:txBody>
+          <a:bodyPr wrap="square" rtlCol="0">
+            <a:spAutoFit/>
+          </a:bodyPr>
+          <a:lstStyle/>
+          <a:p>
+            <a:r>
+              <a:rPr lang="de-DE" sz="2200">
+                <a:latin typeface="Lao UI" panose="020B0502040204020203" pitchFamily="34" charset="0"/>
+                <a:cs typeface="Lao UI" panose="020B0502040204020203" pitchFamily="34" charset="0"/>
+              </a:rPr>
+              <a:t>Es gibt 2 Wege, Grids im Container zu definieren:</a:t>
+            </a:r>
+          </a:p>
+          <a:p>
+            <a:pPr marL="914400" lvl="1" indent="-457200">
+              <a:buFont typeface="+mj-lt"/>
+              <a:buAutoNum type="arabicPeriod"/>
+            </a:pPr>
+            <a:r>
+              <a:rPr lang="de-DE" sz="2200">
+                <a:latin typeface="Lao UI" panose="020B0502040204020203" pitchFamily="34" charset="0"/>
+                <a:cs typeface="Lao UI" panose="020B0502040204020203" pitchFamily="34" charset="0"/>
+              </a:rPr>
+              <a:t>Templates (</a:t>
+            </a:r>
+            <a:r>
+              <a:rPr lang="de-DE" sz="2200">
+                <a:solidFill>
+                  <a:srgbClr val="0000C0"/>
+                </a:solidFill>
+                <a:latin typeface="Consolas" panose="020B0609020204030204" pitchFamily="49" charset="0"/>
+                <a:cs typeface="Consolas" panose="020B0609020204030204" pitchFamily="49" charset="0"/>
+              </a:rPr>
+              <a:t>grid-template-columns, grid-template-rows</a:t>
+            </a:r>
+            <a:r>
+              <a:rPr lang="de-DE" sz="2200">
+                <a:latin typeface="Lao UI" panose="020B0502040204020203" pitchFamily="34" charset="0"/>
+                <a:cs typeface="Lao UI" panose="020B0502040204020203" pitchFamily="34" charset="0"/>
+              </a:rPr>
+              <a:t>)</a:t>
+            </a:r>
+          </a:p>
+          <a:p>
+            <a:pPr marL="914400" lvl="1" indent="-457200">
+              <a:buFont typeface="+mj-lt"/>
+              <a:buAutoNum type="arabicPeriod"/>
+            </a:pPr>
+            <a:r>
+              <a:rPr lang="de-DE" sz="2200">
+                <a:latin typeface="Lao UI" panose="020B0502040204020203" pitchFamily="34" charset="0"/>
+                <a:cs typeface="Lao UI" panose="020B0502040204020203" pitchFamily="34" charset="0"/>
+              </a:rPr>
+              <a:t>Areas (</a:t>
+            </a:r>
+            <a:r>
+              <a:rPr lang="de-DE" sz="2200">
+                <a:solidFill>
+                  <a:srgbClr val="0000C0"/>
+                </a:solidFill>
+                <a:latin typeface="Consolas" panose="020B0609020204030204" pitchFamily="49" charset="0"/>
+                <a:cs typeface="Consolas" panose="020B0609020204030204" pitchFamily="49" charset="0"/>
+              </a:rPr>
+              <a:t>grid-template-areas</a:t>
+            </a:r>
+            <a:r>
+              <a:rPr lang="de-DE" sz="2200">
+                <a:latin typeface="Lao UI" panose="020B0502040204020203" pitchFamily="34" charset="0"/>
+                <a:cs typeface="Lao UI" panose="020B0502040204020203" pitchFamily="34" charset="0"/>
+              </a:rPr>
+              <a:t>)</a:t>
+            </a:r>
+          </a:p>
+          <a:p>
+            <a:endParaRPr lang="de-DE" sz="2200">
+              <a:latin typeface="Lao UI" panose="020B0502040204020203" pitchFamily="34" charset="0"/>
+              <a:cs typeface="Lao UI" panose="020B0502040204020203" pitchFamily="34" charset="0"/>
+            </a:endParaRPr>
+          </a:p>
+        </p:txBody>
+      </p:sp>
+      <p:sp>
+        <p:nvSpPr>
+          <p:cNvPr id="3" name="Foliennummernplatzhalter 2">
+            <a:extLst>
+              <a:ext uri="{FF2B5EF4-FFF2-40B4-BE49-F238E27FC236}">
+                <a16:creationId xmlns:a16="http://schemas.microsoft.com/office/drawing/2014/main" id="{FEF57A1D-E3CC-4C79-873D-CA30C2D420B0}"/>
+              </a:ext>
+            </a:extLst>
+          </p:cNvPr>
+          <p:cNvSpPr>
+            <a:spLocks noGrp="1"/>
+          </p:cNvSpPr>
+          <p:nvPr>
+            <p:ph type="sldNum" sz="quarter" idx="12"/>
+          </p:nvPr>
+        </p:nvSpPr>
+        <p:spPr/>
+        <p:txBody>
+          <a:bodyPr/>
+          <a:lstStyle/>
+          <a:p>
+            <a:fld id="{8BD8B4BE-A45B-4C80-A7E3-A8E09D7A82BB}" type="slidenum">
+              <a:rPr lang="de-DE" smtClean="0"/>
+              <a:pPr/>
+              <a:t>39</a:t>
+            </a:fld>
+            <a:endParaRPr lang="de-DE"/>
+          </a:p>
+        </p:txBody>
+      </p:sp>
+    </p:spTree>
+    <p:extLst>
+      <p:ext uri="{BB962C8B-B14F-4D97-AF65-F5344CB8AC3E}">
+        <p14:creationId xmlns:p14="http://schemas.microsoft.com/office/powerpoint/2010/main" val="82971499"/>
       </p:ext>
     </p:extLst>
   </p:cSld>
@@ -17648,6 +20479,9 @@
           </a:bodyPr>
           <a:lstStyle/>
           <a:p>
+            <a:pPr marL="0" indent="0">
+              <a:buNone/>
+            </a:pPr>
             <a:r>
               <a:rPr lang="de-DE">
                 <a:latin typeface="Lao UI" panose="020B0502040204020203" pitchFamily="34" charset="0"/>
@@ -17767,6 +20601,907 @@
     <p:extLst>
       <p:ext uri="{BB962C8B-B14F-4D97-AF65-F5344CB8AC3E}">
         <p14:creationId xmlns:p14="http://schemas.microsoft.com/office/powerpoint/2010/main" val="562993398"/>
+      </p:ext>
+    </p:extLst>
+  </p:cSld>
+  <p:clrMapOvr>
+    <a:overrideClrMapping bg1="lt1" tx1="dk1" bg2="lt2" tx2="dk2" accent1="accent1" accent2="accent2" accent3="accent3" accent4="accent4" accent5="accent5" accent6="accent6" hlink="hlink" folHlink="folHlink"/>
+  </p:clrMapOvr>
+</p:sld>
+</file>
+
+<file path=ppt/slides/slide40.xml><?xml version="1.0" encoding="utf-8"?>
+<p:sld xmlns:a="http://schemas.openxmlformats.org/drawingml/2006/main" xmlns:r="http://schemas.openxmlformats.org/officeDocument/2006/relationships" xmlns:p="http://schemas.openxmlformats.org/presentationml/2006/main">
+  <p:cSld>
+    <p:spTree>
+      <p:nvGrpSpPr>
+        <p:cNvPr id="1" name=""/>
+        <p:cNvGrpSpPr/>
+        <p:nvPr/>
+      </p:nvGrpSpPr>
+      <p:grpSpPr>
+        <a:xfrm>
+          <a:off x="0" y="0"/>
+          <a:ext cx="0" cy="0"/>
+          <a:chOff x="0" y="0"/>
+          <a:chExt cx="0" cy="0"/>
+        </a:xfrm>
+      </p:grpSpPr>
+      <p:sp>
+        <p:nvSpPr>
+          <p:cNvPr id="2" name="Titel 1">
+            <a:extLst>
+              <a:ext uri="{FF2B5EF4-FFF2-40B4-BE49-F238E27FC236}">
+                <a16:creationId xmlns:a16="http://schemas.microsoft.com/office/drawing/2014/main" id="{D24E0A5E-C672-451A-B201-BB8680FA1466}"/>
+              </a:ext>
+            </a:extLst>
+          </p:cNvPr>
+          <p:cNvSpPr>
+            <a:spLocks noGrp="1"/>
+          </p:cNvSpPr>
+          <p:nvPr>
+            <p:ph type="title" idx="4294967295"/>
+          </p:nvPr>
+        </p:nvSpPr>
+        <p:spPr>
+          <a:xfrm>
+            <a:off x="838200" y="658639"/>
+            <a:ext cx="10515600" cy="1325563"/>
+          </a:xfrm>
+        </p:spPr>
+        <p:txBody>
+          <a:bodyPr/>
+          <a:lstStyle/>
+          <a:p>
+            <a:r>
+              <a:rPr lang="de-DE" b="1">
+                <a:latin typeface="Lao UI" panose="020B0502040204020203" pitchFamily="34" charset="0"/>
+                <a:cs typeface="Lao UI" panose="020B0502040204020203" pitchFamily="34" charset="0"/>
+              </a:rPr>
+              <a:t>Grid-Layout</a:t>
+            </a:r>
+            <a:r>
+              <a:rPr lang="de-DE">
+                <a:latin typeface="Lao UI" panose="020B0502040204020203" pitchFamily="34" charset="0"/>
+                <a:cs typeface="Lao UI" panose="020B0502040204020203" pitchFamily="34" charset="0"/>
+              </a:rPr>
+              <a:t> - Zusammenfassung</a:t>
+            </a:r>
+          </a:p>
+        </p:txBody>
+      </p:sp>
+      <p:sp>
+        <p:nvSpPr>
+          <p:cNvPr id="7" name="Textfeld 6">
+            <a:extLst>
+              <a:ext uri="{FF2B5EF4-FFF2-40B4-BE49-F238E27FC236}">
+                <a16:creationId xmlns:a16="http://schemas.microsoft.com/office/drawing/2014/main" id="{BF28102C-2C75-43AE-BF30-318EFCA296C6}"/>
+              </a:ext>
+            </a:extLst>
+          </p:cNvPr>
+          <p:cNvSpPr txBox="1"/>
+          <p:nvPr/>
+        </p:nvSpPr>
+        <p:spPr>
+          <a:xfrm>
+            <a:off x="838197" y="1984202"/>
+            <a:ext cx="10958691" cy="2554545"/>
+          </a:xfrm>
+          <a:prstGeom prst="rect">
+            <a:avLst/>
+          </a:prstGeom>
+          <a:noFill/>
+        </p:spPr>
+        <p:txBody>
+          <a:bodyPr wrap="square" rtlCol="0">
+            <a:spAutoFit/>
+          </a:bodyPr>
+          <a:lstStyle/>
+          <a:p>
+            <a:r>
+              <a:rPr lang="de-DE" sz="2200">
+                <a:latin typeface="Lao UI" panose="020B0502040204020203" pitchFamily="34" charset="0"/>
+                <a:cs typeface="Lao UI" panose="020B0502040204020203" pitchFamily="34" charset="0"/>
+              </a:rPr>
+              <a:t>Es gibt 2 Wege, Grids im Container zu definieren:</a:t>
+            </a:r>
+          </a:p>
+          <a:p>
+            <a:pPr marL="914400" lvl="1" indent="-457200">
+              <a:buFont typeface="+mj-lt"/>
+              <a:buAutoNum type="arabicPeriod"/>
+            </a:pPr>
+            <a:r>
+              <a:rPr lang="de-DE" sz="2200">
+                <a:latin typeface="Lao UI" panose="020B0502040204020203" pitchFamily="34" charset="0"/>
+                <a:cs typeface="Lao UI" panose="020B0502040204020203" pitchFamily="34" charset="0"/>
+              </a:rPr>
+              <a:t>Templates (</a:t>
+            </a:r>
+            <a:r>
+              <a:rPr lang="de-DE" sz="2200">
+                <a:solidFill>
+                  <a:srgbClr val="0000C0"/>
+                </a:solidFill>
+                <a:latin typeface="Consolas" panose="020B0609020204030204" pitchFamily="49" charset="0"/>
+                <a:cs typeface="Consolas" panose="020B0609020204030204" pitchFamily="49" charset="0"/>
+              </a:rPr>
+              <a:t>grid-template-columns, grid-template-rows</a:t>
+            </a:r>
+            <a:r>
+              <a:rPr lang="de-DE" sz="2200">
+                <a:latin typeface="Lao UI" panose="020B0502040204020203" pitchFamily="34" charset="0"/>
+                <a:cs typeface="Lao UI" panose="020B0502040204020203" pitchFamily="34" charset="0"/>
+              </a:rPr>
+              <a:t>)</a:t>
+            </a:r>
+          </a:p>
+          <a:p>
+            <a:pPr marL="914400" lvl="1" indent="-457200">
+              <a:buFont typeface="+mj-lt"/>
+              <a:buAutoNum type="arabicPeriod"/>
+            </a:pPr>
+            <a:r>
+              <a:rPr lang="de-DE" sz="2200">
+                <a:latin typeface="Lao UI" panose="020B0502040204020203" pitchFamily="34" charset="0"/>
+                <a:cs typeface="Lao UI" panose="020B0502040204020203" pitchFamily="34" charset="0"/>
+              </a:rPr>
+              <a:t>Areas (</a:t>
+            </a:r>
+            <a:r>
+              <a:rPr lang="de-DE" sz="2200">
+                <a:solidFill>
+                  <a:srgbClr val="0000C0"/>
+                </a:solidFill>
+                <a:latin typeface="Consolas" panose="020B0609020204030204" pitchFamily="49" charset="0"/>
+                <a:cs typeface="Consolas" panose="020B0609020204030204" pitchFamily="49" charset="0"/>
+              </a:rPr>
+              <a:t>grid-template-areas</a:t>
+            </a:r>
+            <a:r>
+              <a:rPr lang="de-DE" sz="2200">
+                <a:latin typeface="Lao UI" panose="020B0502040204020203" pitchFamily="34" charset="0"/>
+                <a:cs typeface="Lao UI" panose="020B0502040204020203" pitchFamily="34" charset="0"/>
+              </a:rPr>
+              <a:t>)</a:t>
+            </a:r>
+          </a:p>
+          <a:p>
+            <a:endParaRPr lang="de-DE" sz="2200">
+              <a:latin typeface="Lao UI" panose="020B0502040204020203" pitchFamily="34" charset="0"/>
+              <a:cs typeface="Lao UI" panose="020B0502040204020203" pitchFamily="34" charset="0"/>
+            </a:endParaRPr>
+          </a:p>
+          <a:p>
+            <a:r>
+              <a:rPr lang="de-DE" sz="2200">
+                <a:latin typeface="Lao UI" panose="020B0502040204020203" pitchFamily="34" charset="0"/>
+                <a:cs typeface="Lao UI" panose="020B0502040204020203" pitchFamily="34" charset="0"/>
+              </a:rPr>
+              <a:t>Abhängig von dem gewählten Weg im Container werden die Items im Grid positioniert:</a:t>
+            </a:r>
+          </a:p>
+          <a:p>
+            <a:pPr marL="914400" lvl="1" indent="-457200">
+              <a:buFont typeface="+mj-lt"/>
+              <a:buAutoNum type="arabicPeriod"/>
+            </a:pPr>
+            <a:r>
+              <a:rPr lang="de-DE" sz="2200">
+                <a:latin typeface="Lao UI" panose="020B0502040204020203" pitchFamily="34" charset="0"/>
+                <a:cs typeface="Lao UI" panose="020B0502040204020203" pitchFamily="34" charset="0"/>
+              </a:rPr>
+              <a:t>Templates: </a:t>
+            </a:r>
+            <a:r>
+              <a:rPr lang="de-DE" sz="2200">
+                <a:solidFill>
+                  <a:srgbClr val="0000C0"/>
+                </a:solidFill>
+                <a:latin typeface="Consolas" panose="020B0609020204030204" pitchFamily="49" charset="0"/>
+                <a:cs typeface="Consolas" panose="020B0609020204030204" pitchFamily="49" charset="0"/>
+              </a:rPr>
+              <a:t>grid-column, grid-row</a:t>
+            </a:r>
+          </a:p>
+          <a:p>
+            <a:pPr marL="914400" lvl="1" indent="-457200">
+              <a:buFont typeface="+mj-lt"/>
+              <a:buAutoNum type="arabicPeriod"/>
+            </a:pPr>
+            <a:r>
+              <a:rPr lang="de-DE" sz="2200">
+                <a:latin typeface="Lao UI" panose="020B0502040204020203" pitchFamily="34" charset="0"/>
+                <a:cs typeface="Lao UI" panose="020B0502040204020203" pitchFamily="34" charset="0"/>
+              </a:rPr>
+              <a:t>Areas: </a:t>
+            </a:r>
+            <a:r>
+              <a:rPr lang="de-DE" sz="2200">
+                <a:solidFill>
+                  <a:srgbClr val="0000C0"/>
+                </a:solidFill>
+                <a:latin typeface="Consolas" panose="020B0609020204030204" pitchFamily="49" charset="0"/>
+                <a:cs typeface="Consolas" panose="020B0609020204030204" pitchFamily="49" charset="0"/>
+              </a:rPr>
+              <a:t>grid-area</a:t>
+            </a:r>
+          </a:p>
+        </p:txBody>
+      </p:sp>
+      <p:sp>
+        <p:nvSpPr>
+          <p:cNvPr id="3" name="Foliennummernplatzhalter 2">
+            <a:extLst>
+              <a:ext uri="{FF2B5EF4-FFF2-40B4-BE49-F238E27FC236}">
+                <a16:creationId xmlns:a16="http://schemas.microsoft.com/office/drawing/2014/main" id="{FEF57A1D-E3CC-4C79-873D-CA30C2D420B0}"/>
+              </a:ext>
+            </a:extLst>
+          </p:cNvPr>
+          <p:cNvSpPr>
+            <a:spLocks noGrp="1"/>
+          </p:cNvSpPr>
+          <p:nvPr>
+            <p:ph type="sldNum" sz="quarter" idx="12"/>
+          </p:nvPr>
+        </p:nvSpPr>
+        <p:spPr/>
+        <p:txBody>
+          <a:bodyPr/>
+          <a:lstStyle/>
+          <a:p>
+            <a:fld id="{8BD8B4BE-A45B-4C80-A7E3-A8E09D7A82BB}" type="slidenum">
+              <a:rPr lang="de-DE" smtClean="0"/>
+              <a:pPr/>
+              <a:t>40</a:t>
+            </a:fld>
+            <a:endParaRPr lang="de-DE"/>
+          </a:p>
+        </p:txBody>
+      </p:sp>
+    </p:spTree>
+    <p:extLst>
+      <p:ext uri="{BB962C8B-B14F-4D97-AF65-F5344CB8AC3E}">
+        <p14:creationId xmlns:p14="http://schemas.microsoft.com/office/powerpoint/2010/main" val="3929696021"/>
+      </p:ext>
+    </p:extLst>
+  </p:cSld>
+  <p:clrMapOvr>
+    <a:overrideClrMapping bg1="lt1" tx1="dk1" bg2="lt2" tx2="dk2" accent1="accent1" accent2="accent2" accent3="accent3" accent4="accent4" accent5="accent5" accent6="accent6" hlink="hlink" folHlink="folHlink"/>
+  </p:clrMapOvr>
+</p:sld>
+</file>
+
+<file path=ppt/slides/slide41.xml><?xml version="1.0" encoding="utf-8"?>
+<p:sld xmlns:a="http://schemas.openxmlformats.org/drawingml/2006/main" xmlns:r="http://schemas.openxmlformats.org/officeDocument/2006/relationships" xmlns:p="http://schemas.openxmlformats.org/presentationml/2006/main">
+  <p:cSld>
+    <p:spTree>
+      <p:nvGrpSpPr>
+        <p:cNvPr id="1" name=""/>
+        <p:cNvGrpSpPr/>
+        <p:nvPr/>
+      </p:nvGrpSpPr>
+      <p:grpSpPr>
+        <a:xfrm>
+          <a:off x="0" y="0"/>
+          <a:ext cx="0" cy="0"/>
+          <a:chOff x="0" y="0"/>
+          <a:chExt cx="0" cy="0"/>
+        </a:xfrm>
+      </p:grpSpPr>
+      <p:sp>
+        <p:nvSpPr>
+          <p:cNvPr id="2" name="Titel 1">
+            <a:extLst>
+              <a:ext uri="{FF2B5EF4-FFF2-40B4-BE49-F238E27FC236}">
+                <a16:creationId xmlns:a16="http://schemas.microsoft.com/office/drawing/2014/main" id="{D24E0A5E-C672-451A-B201-BB8680FA1466}"/>
+              </a:ext>
+            </a:extLst>
+          </p:cNvPr>
+          <p:cNvSpPr>
+            <a:spLocks noGrp="1"/>
+          </p:cNvSpPr>
+          <p:nvPr>
+            <p:ph type="title" idx="4294967295"/>
+          </p:nvPr>
+        </p:nvSpPr>
+        <p:spPr>
+          <a:xfrm>
+            <a:off x="838200" y="658639"/>
+            <a:ext cx="10515600" cy="1325563"/>
+          </a:xfrm>
+        </p:spPr>
+        <p:txBody>
+          <a:bodyPr/>
+          <a:lstStyle/>
+          <a:p>
+            <a:r>
+              <a:rPr lang="de-DE" b="1">
+                <a:latin typeface="Lao UI" panose="020B0502040204020203" pitchFamily="34" charset="0"/>
+                <a:cs typeface="Lao UI" panose="020B0502040204020203" pitchFamily="34" charset="0"/>
+              </a:rPr>
+              <a:t>Grid-Layout</a:t>
+            </a:r>
+            <a:r>
+              <a:rPr lang="de-DE">
+                <a:latin typeface="Lao UI" panose="020B0502040204020203" pitchFamily="34" charset="0"/>
+                <a:cs typeface="Lao UI" panose="020B0502040204020203" pitchFamily="34" charset="0"/>
+              </a:rPr>
+              <a:t> - Zusammenfassung</a:t>
+            </a:r>
+          </a:p>
+        </p:txBody>
+      </p:sp>
+      <p:sp>
+        <p:nvSpPr>
+          <p:cNvPr id="7" name="Textfeld 6">
+            <a:extLst>
+              <a:ext uri="{FF2B5EF4-FFF2-40B4-BE49-F238E27FC236}">
+                <a16:creationId xmlns:a16="http://schemas.microsoft.com/office/drawing/2014/main" id="{BF28102C-2C75-43AE-BF30-318EFCA296C6}"/>
+              </a:ext>
+            </a:extLst>
+          </p:cNvPr>
+          <p:cNvSpPr txBox="1"/>
+          <p:nvPr/>
+        </p:nvSpPr>
+        <p:spPr>
+          <a:xfrm>
+            <a:off x="838197" y="1984202"/>
+            <a:ext cx="10958691" cy="2554545"/>
+          </a:xfrm>
+          <a:prstGeom prst="rect">
+            <a:avLst/>
+          </a:prstGeom>
+          <a:noFill/>
+        </p:spPr>
+        <p:txBody>
+          <a:bodyPr wrap="square" rtlCol="0">
+            <a:spAutoFit/>
+          </a:bodyPr>
+          <a:lstStyle/>
+          <a:p>
+            <a:r>
+              <a:rPr lang="de-DE" sz="2200">
+                <a:latin typeface="Lao UI" panose="020B0502040204020203" pitchFamily="34" charset="0"/>
+                <a:cs typeface="Lao UI" panose="020B0502040204020203" pitchFamily="34" charset="0"/>
+              </a:rPr>
+              <a:t>Es gibt 2 Wege, Grids im Container zu definieren:</a:t>
+            </a:r>
+          </a:p>
+          <a:p>
+            <a:pPr marL="914400" lvl="1" indent="-457200">
+              <a:buFont typeface="+mj-lt"/>
+              <a:buAutoNum type="arabicPeriod"/>
+            </a:pPr>
+            <a:r>
+              <a:rPr lang="de-DE" sz="2200">
+                <a:latin typeface="Lao UI" panose="020B0502040204020203" pitchFamily="34" charset="0"/>
+                <a:cs typeface="Lao UI" panose="020B0502040204020203" pitchFamily="34" charset="0"/>
+              </a:rPr>
+              <a:t>Templates (</a:t>
+            </a:r>
+            <a:r>
+              <a:rPr lang="de-DE" sz="2200">
+                <a:solidFill>
+                  <a:srgbClr val="0000C0"/>
+                </a:solidFill>
+                <a:latin typeface="Consolas" panose="020B0609020204030204" pitchFamily="49" charset="0"/>
+                <a:cs typeface="Consolas" panose="020B0609020204030204" pitchFamily="49" charset="0"/>
+              </a:rPr>
+              <a:t>grid-template-columns, grid-template-rows</a:t>
+            </a:r>
+            <a:r>
+              <a:rPr lang="de-DE" sz="2200">
+                <a:latin typeface="Lao UI" panose="020B0502040204020203" pitchFamily="34" charset="0"/>
+                <a:cs typeface="Lao UI" panose="020B0502040204020203" pitchFamily="34" charset="0"/>
+              </a:rPr>
+              <a:t>)</a:t>
+            </a:r>
+          </a:p>
+          <a:p>
+            <a:pPr marL="914400" lvl="1" indent="-457200">
+              <a:buFont typeface="+mj-lt"/>
+              <a:buAutoNum type="arabicPeriod"/>
+            </a:pPr>
+            <a:r>
+              <a:rPr lang="de-DE" sz="2200">
+                <a:latin typeface="Lao UI" panose="020B0502040204020203" pitchFamily="34" charset="0"/>
+                <a:cs typeface="Lao UI" panose="020B0502040204020203" pitchFamily="34" charset="0"/>
+              </a:rPr>
+              <a:t>Areas (</a:t>
+            </a:r>
+            <a:r>
+              <a:rPr lang="de-DE" sz="2200">
+                <a:solidFill>
+                  <a:srgbClr val="0000C0"/>
+                </a:solidFill>
+                <a:latin typeface="Consolas" panose="020B0609020204030204" pitchFamily="49" charset="0"/>
+                <a:cs typeface="Consolas" panose="020B0609020204030204" pitchFamily="49" charset="0"/>
+              </a:rPr>
+              <a:t>grid-template-areas</a:t>
+            </a:r>
+            <a:r>
+              <a:rPr lang="de-DE" sz="2200">
+                <a:latin typeface="Lao UI" panose="020B0502040204020203" pitchFamily="34" charset="0"/>
+                <a:cs typeface="Lao UI" panose="020B0502040204020203" pitchFamily="34" charset="0"/>
+              </a:rPr>
+              <a:t>)</a:t>
+            </a:r>
+          </a:p>
+          <a:p>
+            <a:endParaRPr lang="de-DE" sz="2200">
+              <a:latin typeface="Lao UI" panose="020B0502040204020203" pitchFamily="34" charset="0"/>
+              <a:cs typeface="Lao UI" panose="020B0502040204020203" pitchFamily="34" charset="0"/>
+            </a:endParaRPr>
+          </a:p>
+          <a:p>
+            <a:r>
+              <a:rPr lang="de-DE" sz="2200">
+                <a:latin typeface="Lao UI" panose="020B0502040204020203" pitchFamily="34" charset="0"/>
+                <a:cs typeface="Lao UI" panose="020B0502040204020203" pitchFamily="34" charset="0"/>
+              </a:rPr>
+              <a:t>Abhängig von dem gewählten Weg im Container werden die Items im Grid positioniert:</a:t>
+            </a:r>
+          </a:p>
+          <a:p>
+            <a:pPr marL="914400" lvl="1" indent="-457200">
+              <a:buFont typeface="+mj-lt"/>
+              <a:buAutoNum type="arabicPeriod"/>
+            </a:pPr>
+            <a:r>
+              <a:rPr lang="de-DE" sz="2200">
+                <a:latin typeface="Lao UI" panose="020B0502040204020203" pitchFamily="34" charset="0"/>
+                <a:cs typeface="Lao UI" panose="020B0502040204020203" pitchFamily="34" charset="0"/>
+              </a:rPr>
+              <a:t>Templates: </a:t>
+            </a:r>
+            <a:r>
+              <a:rPr lang="de-DE" sz="2200">
+                <a:solidFill>
+                  <a:srgbClr val="0000C0"/>
+                </a:solidFill>
+                <a:latin typeface="Consolas" panose="020B0609020204030204" pitchFamily="49" charset="0"/>
+                <a:cs typeface="Consolas" panose="020B0609020204030204" pitchFamily="49" charset="0"/>
+              </a:rPr>
+              <a:t>grid-column, grid-row</a:t>
+            </a:r>
+          </a:p>
+          <a:p>
+            <a:pPr marL="914400" lvl="1" indent="-457200">
+              <a:buFont typeface="+mj-lt"/>
+              <a:buAutoNum type="arabicPeriod"/>
+            </a:pPr>
+            <a:r>
+              <a:rPr lang="de-DE" sz="2200">
+                <a:latin typeface="Lao UI" panose="020B0502040204020203" pitchFamily="34" charset="0"/>
+                <a:cs typeface="Lao UI" panose="020B0502040204020203" pitchFamily="34" charset="0"/>
+              </a:rPr>
+              <a:t>Areas: </a:t>
+            </a:r>
+            <a:r>
+              <a:rPr lang="de-DE" sz="2200">
+                <a:solidFill>
+                  <a:srgbClr val="0000C0"/>
+                </a:solidFill>
+                <a:latin typeface="Consolas" panose="020B0609020204030204" pitchFamily="49" charset="0"/>
+                <a:cs typeface="Consolas" panose="020B0609020204030204" pitchFamily="49" charset="0"/>
+              </a:rPr>
+              <a:t>grid-area</a:t>
+            </a:r>
+          </a:p>
+        </p:txBody>
+      </p:sp>
+      <p:sp>
+        <p:nvSpPr>
+          <p:cNvPr id="3" name="Foliennummernplatzhalter 2">
+            <a:extLst>
+              <a:ext uri="{FF2B5EF4-FFF2-40B4-BE49-F238E27FC236}">
+                <a16:creationId xmlns:a16="http://schemas.microsoft.com/office/drawing/2014/main" id="{FEF57A1D-E3CC-4C79-873D-CA30C2D420B0}"/>
+              </a:ext>
+            </a:extLst>
+          </p:cNvPr>
+          <p:cNvSpPr>
+            <a:spLocks noGrp="1"/>
+          </p:cNvSpPr>
+          <p:nvPr>
+            <p:ph type="sldNum" sz="quarter" idx="12"/>
+          </p:nvPr>
+        </p:nvSpPr>
+        <p:spPr/>
+        <p:txBody>
+          <a:bodyPr/>
+          <a:lstStyle/>
+          <a:p>
+            <a:fld id="{8BD8B4BE-A45B-4C80-A7E3-A8E09D7A82BB}" type="slidenum">
+              <a:rPr lang="de-DE" smtClean="0"/>
+              <a:pPr/>
+              <a:t>41</a:t>
+            </a:fld>
+            <a:endParaRPr lang="de-DE"/>
+          </a:p>
+        </p:txBody>
+      </p:sp>
+      <p:sp>
+        <p:nvSpPr>
+          <p:cNvPr id="4" name="Textfeld 3">
+            <a:extLst>
+              <a:ext uri="{FF2B5EF4-FFF2-40B4-BE49-F238E27FC236}">
+                <a16:creationId xmlns:a16="http://schemas.microsoft.com/office/drawing/2014/main" id="{343B3759-4334-4344-94DE-6CEC8C4FAA6C}"/>
+              </a:ext>
+            </a:extLst>
+          </p:cNvPr>
+          <p:cNvSpPr txBox="1"/>
+          <p:nvPr/>
+        </p:nvSpPr>
+        <p:spPr>
+          <a:xfrm>
+            <a:off x="425821" y="4792536"/>
+            <a:ext cx="11371067" cy="1446550"/>
+          </a:xfrm>
+          <a:prstGeom prst="rect">
+            <a:avLst/>
+          </a:prstGeom>
+          <a:noFill/>
+        </p:spPr>
+        <p:txBody>
+          <a:bodyPr wrap="square" rtlCol="0">
+            <a:spAutoFit/>
+          </a:bodyPr>
+          <a:lstStyle/>
+          <a:p>
+            <a:pPr lvl="1"/>
+            <a:r>
+              <a:rPr lang="de-DE" sz="2200">
+                <a:latin typeface="Lao UI" panose="020B0502040204020203" pitchFamily="34" charset="0"/>
+                <a:cs typeface="Lao UI" panose="020B0502040204020203" pitchFamily="34" charset="0"/>
+              </a:rPr>
+              <a:t>Die Position der Items in einer Cell kann ebenfalls bestimmt werden:</a:t>
+            </a:r>
+          </a:p>
+          <a:p>
+            <a:pPr marL="1257300" lvl="2" indent="-342900">
+              <a:buFont typeface="Arial" panose="020B0604020202020204" pitchFamily="34" charset="0"/>
+              <a:buChar char="•"/>
+            </a:pPr>
+            <a:r>
+              <a:rPr lang="de-DE" sz="2200">
+                <a:latin typeface="Lao UI" panose="020B0502040204020203" pitchFamily="34" charset="0"/>
+                <a:cs typeface="Lao UI" panose="020B0502040204020203" pitchFamily="34" charset="0"/>
+              </a:rPr>
+              <a:t>Container: </a:t>
+            </a:r>
+            <a:r>
+              <a:rPr lang="de-DE" sz="2200">
+                <a:solidFill>
+                  <a:srgbClr val="0000C0"/>
+                </a:solidFill>
+                <a:latin typeface="Consolas" panose="020B0609020204030204" pitchFamily="49" charset="0"/>
+                <a:cs typeface="Consolas" panose="020B0609020204030204" pitchFamily="49" charset="0"/>
+              </a:rPr>
+              <a:t>align-items, justify-items, align-content, justify-content</a:t>
+            </a:r>
+          </a:p>
+          <a:p>
+            <a:pPr marL="1257300" lvl="2" indent="-342900">
+              <a:buFont typeface="Arial" panose="020B0604020202020204" pitchFamily="34" charset="0"/>
+              <a:buChar char="•"/>
+            </a:pPr>
+            <a:r>
+              <a:rPr lang="de-DE" sz="2200">
+                <a:latin typeface="Lao UI" panose="020B0502040204020203" pitchFamily="34" charset="0"/>
+                <a:cs typeface="Lao UI" panose="020B0502040204020203" pitchFamily="34" charset="0"/>
+              </a:rPr>
+              <a:t>Item:</a:t>
+            </a:r>
+            <a:r>
+              <a:rPr lang="de-DE" sz="2200">
+                <a:latin typeface="Consolas" panose="020B0609020204030204" pitchFamily="49" charset="0"/>
+                <a:cs typeface="Consolas" panose="020B0609020204030204" pitchFamily="49" charset="0"/>
+              </a:rPr>
+              <a:t> </a:t>
+            </a:r>
+            <a:r>
+              <a:rPr lang="de-DE" sz="2200">
+                <a:solidFill>
+                  <a:srgbClr val="0000C0"/>
+                </a:solidFill>
+                <a:latin typeface="Consolas" panose="020B0609020204030204" pitchFamily="49" charset="0"/>
+                <a:cs typeface="Consolas" panose="020B0609020204030204" pitchFamily="49" charset="0"/>
+              </a:rPr>
+              <a:t>align-self, justify-self</a:t>
+            </a:r>
+          </a:p>
+        </p:txBody>
+      </p:sp>
+    </p:spTree>
+    <p:extLst>
+      <p:ext uri="{BB962C8B-B14F-4D97-AF65-F5344CB8AC3E}">
+        <p14:creationId xmlns:p14="http://schemas.microsoft.com/office/powerpoint/2010/main" val="3041005042"/>
+      </p:ext>
+    </p:extLst>
+  </p:cSld>
+  <p:clrMapOvr>
+    <a:overrideClrMapping bg1="lt1" tx1="dk1" bg2="lt2" tx2="dk2" accent1="accent1" accent2="accent2" accent3="accent3" accent4="accent4" accent5="accent5" accent6="accent6" hlink="hlink" folHlink="folHlink"/>
+  </p:clrMapOvr>
+</p:sld>
+</file>
+
+<file path=ppt/slides/slide42.xml><?xml version="1.0" encoding="utf-8"?>
+<p:sld xmlns:a="http://schemas.openxmlformats.org/drawingml/2006/main" xmlns:r="http://schemas.openxmlformats.org/officeDocument/2006/relationships" xmlns:p="http://schemas.openxmlformats.org/presentationml/2006/main">
+  <p:cSld>
+    <p:spTree>
+      <p:nvGrpSpPr>
+        <p:cNvPr id="1" name=""/>
+        <p:cNvGrpSpPr/>
+        <p:nvPr/>
+      </p:nvGrpSpPr>
+      <p:grpSpPr>
+        <a:xfrm>
+          <a:off x="0" y="0"/>
+          <a:ext cx="0" cy="0"/>
+          <a:chOff x="0" y="0"/>
+          <a:chExt cx="0" cy="0"/>
+        </a:xfrm>
+      </p:grpSpPr>
+      <p:sp>
+        <p:nvSpPr>
+          <p:cNvPr id="2" name="Titel 1">
+            <a:extLst>
+              <a:ext uri="{FF2B5EF4-FFF2-40B4-BE49-F238E27FC236}">
+                <a16:creationId xmlns:a16="http://schemas.microsoft.com/office/drawing/2014/main" id="{D24E0A5E-C672-451A-B201-BB8680FA1466}"/>
+              </a:ext>
+            </a:extLst>
+          </p:cNvPr>
+          <p:cNvSpPr>
+            <a:spLocks noGrp="1"/>
+          </p:cNvSpPr>
+          <p:nvPr>
+            <p:ph type="title" idx="4294967295"/>
+          </p:nvPr>
+        </p:nvSpPr>
+        <p:spPr>
+          <a:xfrm>
+            <a:off x="838200" y="658639"/>
+            <a:ext cx="10515600" cy="1325563"/>
+          </a:xfrm>
+        </p:spPr>
+        <p:txBody>
+          <a:bodyPr/>
+          <a:lstStyle/>
+          <a:p>
+            <a:r>
+              <a:rPr lang="de-DE" b="1">
+                <a:latin typeface="Lao UI" panose="020B0502040204020203" pitchFamily="34" charset="0"/>
+                <a:cs typeface="Lao UI" panose="020B0502040204020203" pitchFamily="34" charset="0"/>
+              </a:rPr>
+              <a:t>Quellen</a:t>
+            </a:r>
+          </a:p>
+        </p:txBody>
+      </p:sp>
+      <p:sp>
+        <p:nvSpPr>
+          <p:cNvPr id="7" name="Textfeld 6">
+            <a:extLst>
+              <a:ext uri="{FF2B5EF4-FFF2-40B4-BE49-F238E27FC236}">
+                <a16:creationId xmlns:a16="http://schemas.microsoft.com/office/drawing/2014/main" id="{BF28102C-2C75-43AE-BF30-318EFCA296C6}"/>
+              </a:ext>
+            </a:extLst>
+          </p:cNvPr>
+          <p:cNvSpPr txBox="1"/>
+          <p:nvPr/>
+        </p:nvSpPr>
+        <p:spPr>
+          <a:xfrm>
+            <a:off x="838197" y="1984201"/>
+            <a:ext cx="10681449" cy="2954655"/>
+          </a:xfrm>
+          <a:prstGeom prst="rect">
+            <a:avLst/>
+          </a:prstGeom>
+          <a:noFill/>
+        </p:spPr>
+        <p:txBody>
+          <a:bodyPr wrap="square" rtlCol="0">
+            <a:spAutoFit/>
+          </a:bodyPr>
+          <a:lstStyle/>
+          <a:p>
+            <a:pPr marL="457200" indent="-457200">
+              <a:buFont typeface="Arial" panose="020B0604020202020204" pitchFamily="34" charset="0"/>
+              <a:buChar char="•"/>
+            </a:pPr>
+            <a:r>
+              <a:rPr lang="de-DE" sz="2400">
+                <a:latin typeface="Lao UI" panose="020B0502040204020203" pitchFamily="34" charset="0"/>
+                <a:cs typeface="Lao UI" panose="020B0502040204020203" pitchFamily="34" charset="0"/>
+              </a:rPr>
+              <a:t>CSS: </a:t>
+            </a:r>
+            <a:r>
+              <a:rPr lang="de-DE" sz="2400">
+                <a:latin typeface="Lao UI" panose="020B0502040204020203" pitchFamily="34" charset="0"/>
+                <a:cs typeface="Lao UI" panose="020B0502040204020203" pitchFamily="34" charset="0"/>
+                <a:hlinkClick r:id="rId4"/>
+              </a:rPr>
+              <a:t>https://wiki.selfhtml.org/wiki/CSS</a:t>
+            </a:r>
+            <a:endParaRPr lang="de-DE" sz="2400">
+              <a:latin typeface="Lao UI" panose="020B0502040204020203" pitchFamily="34" charset="0"/>
+              <a:cs typeface="Lao UI" panose="020B0502040204020203" pitchFamily="34" charset="0"/>
+            </a:endParaRPr>
+          </a:p>
+          <a:p>
+            <a:pPr marL="457200" indent="-457200">
+              <a:buFont typeface="Arial" panose="020B0604020202020204" pitchFamily="34" charset="0"/>
+              <a:buChar char="•"/>
+            </a:pPr>
+            <a:r>
+              <a:rPr lang="de-DE" sz="2400">
+                <a:latin typeface="Lao UI" panose="020B0502040204020203" pitchFamily="34" charset="0"/>
+                <a:cs typeface="Lao UI" panose="020B0502040204020203" pitchFamily="34" charset="0"/>
+              </a:rPr>
+              <a:t>Selektoren: </a:t>
+            </a:r>
+            <a:r>
+              <a:rPr lang="de-DE" sz="2400">
+                <a:latin typeface="Lao UI" panose="020B0502040204020203" pitchFamily="34" charset="0"/>
+                <a:cs typeface="Lao UI" panose="020B0502040204020203" pitchFamily="34" charset="0"/>
+                <a:hlinkClick r:id="rId5"/>
+              </a:rPr>
+              <a:t>https://wiki.selfhtml.org/wiki/CSS/Selektoren</a:t>
+            </a:r>
+            <a:endParaRPr lang="de-DE" sz="2400">
+              <a:latin typeface="Lao UI" panose="020B0502040204020203" pitchFamily="34" charset="0"/>
+              <a:cs typeface="Lao UI" panose="020B0502040204020203" pitchFamily="34" charset="0"/>
+            </a:endParaRPr>
+          </a:p>
+          <a:p>
+            <a:pPr marL="457200" indent="-457200">
+              <a:buFont typeface="Arial" panose="020B0604020202020204" pitchFamily="34" charset="0"/>
+              <a:buChar char="•"/>
+            </a:pPr>
+            <a:r>
+              <a:rPr lang="de-DE" sz="2400">
+                <a:latin typeface="Lao UI" panose="020B0502040204020203" pitchFamily="34" charset="0"/>
+                <a:cs typeface="Lao UI" panose="020B0502040204020203" pitchFamily="34" charset="0"/>
+              </a:rPr>
+              <a:t>Display: </a:t>
+            </a:r>
+            <a:r>
+              <a:rPr lang="de-DE" sz="2400">
+                <a:latin typeface="Lao UI" panose="020B0502040204020203" pitchFamily="34" charset="0"/>
+                <a:cs typeface="Lao UI" panose="020B0502040204020203" pitchFamily="34" charset="0"/>
+                <a:hlinkClick r:id="rId6"/>
+              </a:rPr>
+              <a:t>https://wiki.selfhtml.org/wiki/CSS/Eigenschaften/Anzeige/display</a:t>
+            </a:r>
+            <a:endParaRPr lang="de-DE" sz="2400">
+              <a:latin typeface="Lao UI" panose="020B0502040204020203" pitchFamily="34" charset="0"/>
+              <a:cs typeface="Lao UI" panose="020B0502040204020203" pitchFamily="34" charset="0"/>
+            </a:endParaRPr>
+          </a:p>
+          <a:p>
+            <a:pPr marL="457200" indent="-457200">
+              <a:buFont typeface="Arial" panose="020B0604020202020204" pitchFamily="34" charset="0"/>
+              <a:buChar char="•"/>
+            </a:pPr>
+            <a:r>
+              <a:rPr lang="de-DE" sz="2400">
+                <a:latin typeface="Lao UI" panose="020B0502040204020203" pitchFamily="34" charset="0"/>
+                <a:cs typeface="Lao UI" panose="020B0502040204020203" pitchFamily="34" charset="0"/>
+              </a:rPr>
+              <a:t>Positionierung: </a:t>
+            </a:r>
+            <a:r>
+              <a:rPr lang="de-DE" sz="2400">
+                <a:latin typeface="Lao UI" panose="020B0502040204020203" pitchFamily="34" charset="0"/>
+                <a:cs typeface="Lao UI" panose="020B0502040204020203" pitchFamily="34" charset="0"/>
+                <a:hlinkClick r:id="rId7"/>
+              </a:rPr>
+              <a:t>https://wiki.selfhtml.org/wiki/CSS/Eigenschaften/Positionierung/position</a:t>
+            </a:r>
+            <a:endParaRPr lang="de-DE" sz="2400">
+              <a:latin typeface="Lao UI" panose="020B0502040204020203" pitchFamily="34" charset="0"/>
+              <a:cs typeface="Lao UI" panose="020B0502040204020203" pitchFamily="34" charset="0"/>
+            </a:endParaRPr>
+          </a:p>
+          <a:p>
+            <a:pPr marL="457200" indent="-457200">
+              <a:buFont typeface="Arial" panose="020B0604020202020204" pitchFamily="34" charset="0"/>
+              <a:buChar char="•"/>
+            </a:pPr>
+            <a:r>
+              <a:rPr lang="de-DE" sz="2400">
+                <a:latin typeface="Lao UI" panose="020B0502040204020203" pitchFamily="34" charset="0"/>
+                <a:cs typeface="Lao UI" panose="020B0502040204020203" pitchFamily="34" charset="0"/>
+              </a:rPr>
+              <a:t>Flexbox: </a:t>
+            </a:r>
+            <a:r>
+              <a:rPr lang="de-DE" sz="2400">
+                <a:latin typeface="Lao UI" panose="020B0502040204020203" pitchFamily="34" charset="0"/>
+                <a:cs typeface="Lao UI" panose="020B0502040204020203" pitchFamily="34" charset="0"/>
+                <a:hlinkClick r:id="rId8"/>
+              </a:rPr>
+              <a:t>https://css-tricks.com/snippets/css/a-guide-to-flexbox/</a:t>
+            </a:r>
+            <a:endParaRPr lang="de-DE" sz="2400">
+              <a:latin typeface="Lao UI" panose="020B0502040204020203" pitchFamily="34" charset="0"/>
+              <a:cs typeface="Lao UI" panose="020B0502040204020203" pitchFamily="34" charset="0"/>
+            </a:endParaRPr>
+          </a:p>
+          <a:p>
+            <a:pPr marL="457200" indent="-457200">
+              <a:buFont typeface="Arial" panose="020B0604020202020204" pitchFamily="34" charset="0"/>
+              <a:buChar char="•"/>
+            </a:pPr>
+            <a:r>
+              <a:rPr lang="de-DE" sz="2400">
+                <a:latin typeface="Lao UI" panose="020B0502040204020203" pitchFamily="34" charset="0"/>
+                <a:cs typeface="Lao UI" panose="020B0502040204020203" pitchFamily="34" charset="0"/>
+              </a:rPr>
+              <a:t>GridLayout: </a:t>
+            </a:r>
+            <a:r>
+              <a:rPr lang="de-DE" sz="2400">
+                <a:latin typeface="Lao UI" panose="020B0502040204020203" pitchFamily="34" charset="0"/>
+                <a:cs typeface="Lao UI" panose="020B0502040204020203" pitchFamily="34" charset="0"/>
+                <a:hlinkClick r:id="rId9"/>
+              </a:rPr>
+              <a:t>https://css-tricks.com/snippets/css/complete-guide-grid/</a:t>
+            </a:r>
+            <a:endParaRPr lang="de-DE" sz="2400">
+              <a:latin typeface="Lao UI" panose="020B0502040204020203" pitchFamily="34" charset="0"/>
+              <a:cs typeface="Lao UI" panose="020B0502040204020203" pitchFamily="34" charset="0"/>
+            </a:endParaRPr>
+          </a:p>
+          <a:p>
+            <a:pPr marL="457200" indent="-457200">
+              <a:buFont typeface="Arial" panose="020B0604020202020204" pitchFamily="34" charset="0"/>
+              <a:buChar char="•"/>
+            </a:pPr>
+            <a:endParaRPr lang="de-DE">
+              <a:latin typeface="Lao UI" panose="020B0502040204020203" pitchFamily="34" charset="0"/>
+              <a:cs typeface="Lao UI" panose="020B0502040204020203" pitchFamily="34" charset="0"/>
+            </a:endParaRPr>
+          </a:p>
+        </p:txBody>
+      </p:sp>
+      <p:sp>
+        <p:nvSpPr>
+          <p:cNvPr id="3" name="Foliennummernplatzhalter 2">
+            <a:extLst>
+              <a:ext uri="{FF2B5EF4-FFF2-40B4-BE49-F238E27FC236}">
+                <a16:creationId xmlns:a16="http://schemas.microsoft.com/office/drawing/2014/main" id="{FEF57A1D-E3CC-4C79-873D-CA30C2D420B0}"/>
+              </a:ext>
+            </a:extLst>
+          </p:cNvPr>
+          <p:cNvSpPr>
+            <a:spLocks noGrp="1"/>
+          </p:cNvSpPr>
+          <p:nvPr>
+            <p:ph type="sldNum" sz="quarter" idx="12"/>
+          </p:nvPr>
+        </p:nvSpPr>
+        <p:spPr/>
+        <p:txBody>
+          <a:bodyPr/>
+          <a:lstStyle/>
+          <a:p>
+            <a:fld id="{8BD8B4BE-A45B-4C80-A7E3-A8E09D7A82BB}" type="slidenum">
+              <a:rPr lang="de-DE" smtClean="0"/>
+              <a:pPr/>
+              <a:t>42</a:t>
+            </a:fld>
+            <a:endParaRPr lang="de-DE"/>
+          </a:p>
+        </p:txBody>
+      </p:sp>
+    </p:spTree>
+    <p:extLst>
+      <p:ext uri="{BB962C8B-B14F-4D97-AF65-F5344CB8AC3E}">
+        <p14:creationId xmlns:p14="http://schemas.microsoft.com/office/powerpoint/2010/main" val="1902382203"/>
       </p:ext>
     </p:extLst>
   </p:cSld>
@@ -17937,7 +21672,29 @@
                 <a:latin typeface="Consolas" panose="020B0609020204030204" pitchFamily="49" charset="0"/>
                 <a:cs typeface="Consolas" panose="020B0609020204030204" pitchFamily="49" charset="0"/>
               </a:rPr>
-              <a:t>&lt;div class=„meineKlasse“&gt;Div&lt;/div&gt;</a:t>
+              <a:t>&lt;div class=„</a:t>
+            </a:r>
+            <a:r>
+              <a:rPr lang="de-DE" sz="2000">
+                <a:ln w="0"/>
+                <a:solidFill>
+                  <a:srgbClr val="7E0078"/>
+                </a:solidFill>
+                <a:latin typeface="Consolas" panose="020B0609020204030204" pitchFamily="49" charset="0"/>
+                <a:cs typeface="Consolas" panose="020B0609020204030204" pitchFamily="49" charset="0"/>
+              </a:rPr>
+              <a:t>meineKlasse</a:t>
+            </a:r>
+            <a:r>
+              <a:rPr lang="de-DE" sz="2000">
+                <a:ln w="0"/>
+                <a:solidFill>
+                  <a:schemeClr val="tx1"/>
+                </a:solidFill>
+                <a:latin typeface="Consolas" panose="020B0609020204030204" pitchFamily="49" charset="0"/>
+                <a:cs typeface="Consolas" panose="020B0609020204030204" pitchFamily="49" charset="0"/>
+              </a:rPr>
+              <a:t>“&gt;Div&lt;/div&gt;</a:t>
             </a:r>
           </a:p>
         </p:txBody>
@@ -18013,6 +21770,9 @@
           </a:bodyPr>
           <a:lstStyle/>
           <a:p>
+            <a:pPr marL="0" indent="0">
+              <a:buNone/>
+            </a:pPr>
             <a:r>
               <a:rPr lang="de-DE">
                 <a:latin typeface="Lao UI" panose="020B0502040204020203" pitchFamily="34" charset="0"/>
@@ -18302,7 +22062,29 @@
                 <a:latin typeface="Consolas" panose="020B0609020204030204" pitchFamily="49" charset="0"/>
                 <a:cs typeface="Consolas" panose="020B0609020204030204" pitchFamily="49" charset="0"/>
               </a:rPr>
-              <a:t>&lt;div id=„elem“&gt;Unique ID&lt;/div&gt;</a:t>
+              <a:t>&lt;div id=„</a:t>
+            </a:r>
+            <a:r>
+              <a:rPr lang="de-DE" sz="2000">
+                <a:ln w="0"/>
+                <a:solidFill>
+                  <a:srgbClr val="7E0078"/>
+                </a:solidFill>
+                <a:latin typeface="Consolas" panose="020B0609020204030204" pitchFamily="49" charset="0"/>
+                <a:cs typeface="Consolas" panose="020B0609020204030204" pitchFamily="49" charset="0"/>
+              </a:rPr>
+              <a:t>elem</a:t>
+            </a:r>
+            <a:r>
+              <a:rPr lang="de-DE" sz="2000">
+                <a:ln w="0"/>
+                <a:solidFill>
+                  <a:schemeClr val="tx1"/>
+                </a:solidFill>
+                <a:latin typeface="Consolas" panose="020B0609020204030204" pitchFamily="49" charset="0"/>
+                <a:cs typeface="Consolas" panose="020B0609020204030204" pitchFamily="49" charset="0"/>
+              </a:rPr>
+              <a:t>“&gt;Unique ID&lt;/div&gt;</a:t>
             </a:r>
           </a:p>
         </p:txBody>
@@ -18544,6 +22326,9 @@
             </a:lvl9pPr>
           </a:lstStyle>
           <a:p>
+            <a:pPr marL="0" indent="0">
+              <a:buNone/>
+            </a:pPr>
             <a:r>
               <a:rPr lang="de-DE">
                 <a:latin typeface="Lao UI" panose="020B0502040204020203" pitchFamily="34" charset="0"/>
@@ -18973,6 +22758,9 @@
           </a:bodyPr>
           <a:lstStyle/>
           <a:p>
+            <a:pPr marL="0" indent="0">
+              <a:buNone/>
+            </a:pPr>
             <a:r>
               <a:rPr lang="de-DE">
                 <a:latin typeface="Lao UI" panose="020B0502040204020203" pitchFamily="34" charset="0"/>
@@ -19328,6 +23116,9 @@
           </a:bodyPr>
           <a:lstStyle/>
           <a:p>
+            <a:pPr marL="0" indent="0">
+              <a:buNone/>
+            </a:pPr>
             <a:r>
               <a:rPr lang="de-DE">
                 <a:latin typeface="Lao UI" panose="020B0502040204020203" pitchFamily="34" charset="0"/>
@@ -19642,10 +23433,6 @@
           </a:bodyPr>
           <a:lstStyle/>
           <a:p>
-            <a:pPr marL="457200" indent="-457200">
-              <a:buFont typeface="Arial" panose="020B0604020202020204" pitchFamily="34" charset="0"/>
-              <a:buChar char="•"/>
-            </a:pPr>
             <a:r>
               <a:rPr lang="de-DE" sz="2600">
                 <a:latin typeface="Lao UI" panose="020B0502040204020203" pitchFamily="34" charset="0"/>
@@ -19675,10 +23462,6 @@
             </a:endParaRPr>
           </a:p>
           <a:p>
-            <a:pPr marL="457200" indent="-457200">
-              <a:buFont typeface="Arial" panose="020B0604020202020204" pitchFamily="34" charset="0"/>
-              <a:buChar char="•"/>
-            </a:pPr>
             <a:r>
               <a:rPr lang="de-DE" sz="2600">
                 <a:latin typeface="Lao UI" panose="020B0502040204020203" pitchFamily="34" charset="0"/>
@@ -21475,7 +25258,480 @@
 </a:themeOverride>
 </file>
 
+<file path=ppt/theme/themeOverride29.xml><?xml version="1.0" encoding="utf-8"?>
+<a:themeOverride xmlns:a="http://schemas.openxmlformats.org/drawingml/2006/main">
+  <a:clrScheme name="Office">
+    <a:dk1>
+      <a:sysClr val="windowText" lastClr="000000"/>
+    </a:dk1>
+    <a:lt1>
+      <a:sysClr val="window" lastClr="FFFFFF"/>
+    </a:lt1>
+    <a:dk2>
+      <a:srgbClr val="44546A"/>
+    </a:dk2>
+    <a:lt2>
+      <a:srgbClr val="E7E6E6"/>
+    </a:lt2>
+    <a:accent1>
+      <a:srgbClr val="4472C4"/>
+    </a:accent1>
+    <a:accent2>
+      <a:srgbClr val="ED7D31"/>
+    </a:accent2>
+    <a:accent3>
+      <a:srgbClr val="A5A5A5"/>
+    </a:accent3>
+    <a:accent4>
+      <a:srgbClr val="FFC000"/>
+    </a:accent4>
+    <a:accent5>
+      <a:srgbClr val="5B9BD5"/>
+    </a:accent5>
+    <a:accent6>
+      <a:srgbClr val="70AD47"/>
+    </a:accent6>
+    <a:hlink>
+      <a:srgbClr val="0563C1"/>
+    </a:hlink>
+    <a:folHlink>
+      <a:srgbClr val="954F72"/>
+    </a:folHlink>
+  </a:clrScheme>
+</a:themeOverride>
+</file>
+
 <file path=ppt/theme/themeOverride3.xml><?xml version="1.0" encoding="utf-8"?>
+<a:themeOverride xmlns:a="http://schemas.openxmlformats.org/drawingml/2006/main">
+  <a:clrScheme name="Office">
+    <a:dk1>
+      <a:sysClr val="windowText" lastClr="000000"/>
+    </a:dk1>
+    <a:lt1>
+      <a:sysClr val="window" lastClr="FFFFFF"/>
+    </a:lt1>
+    <a:dk2>
+      <a:srgbClr val="44546A"/>
+    </a:dk2>
+    <a:lt2>
+      <a:srgbClr val="E7E6E6"/>
+    </a:lt2>
+    <a:accent1>
+      <a:srgbClr val="4472C4"/>
+    </a:accent1>
+    <a:accent2>
+      <a:srgbClr val="ED7D31"/>
+    </a:accent2>
+    <a:accent3>
+      <a:srgbClr val="A5A5A5"/>
+    </a:accent3>
+    <a:accent4>
+      <a:srgbClr val="FFC000"/>
+    </a:accent4>
+    <a:accent5>
+      <a:srgbClr val="5B9BD5"/>
+    </a:accent5>
+    <a:accent6>
+      <a:srgbClr val="70AD47"/>
+    </a:accent6>
+    <a:hlink>
+      <a:srgbClr val="0563C1"/>
+    </a:hlink>
+    <a:folHlink>
+      <a:srgbClr val="954F72"/>
+    </a:folHlink>
+  </a:clrScheme>
+</a:themeOverride>
+</file>
+
+<file path=ppt/theme/themeOverride30.xml><?xml version="1.0" encoding="utf-8"?>
+<a:themeOverride xmlns:a="http://schemas.openxmlformats.org/drawingml/2006/main">
+  <a:clrScheme name="Office">
+    <a:dk1>
+      <a:sysClr val="windowText" lastClr="000000"/>
+    </a:dk1>
+    <a:lt1>
+      <a:sysClr val="window" lastClr="FFFFFF"/>
+    </a:lt1>
+    <a:dk2>
+      <a:srgbClr val="44546A"/>
+    </a:dk2>
+    <a:lt2>
+      <a:srgbClr val="E7E6E6"/>
+    </a:lt2>
+    <a:accent1>
+      <a:srgbClr val="4472C4"/>
+    </a:accent1>
+    <a:accent2>
+      <a:srgbClr val="ED7D31"/>
+    </a:accent2>
+    <a:accent3>
+      <a:srgbClr val="A5A5A5"/>
+    </a:accent3>
+    <a:accent4>
+      <a:srgbClr val="FFC000"/>
+    </a:accent4>
+    <a:accent5>
+      <a:srgbClr val="5B9BD5"/>
+    </a:accent5>
+    <a:accent6>
+      <a:srgbClr val="70AD47"/>
+    </a:accent6>
+    <a:hlink>
+      <a:srgbClr val="0563C1"/>
+    </a:hlink>
+    <a:folHlink>
+      <a:srgbClr val="954F72"/>
+    </a:folHlink>
+  </a:clrScheme>
+</a:themeOverride>
+</file>
+
+<file path=ppt/theme/themeOverride31.xml><?xml version="1.0" encoding="utf-8"?>
+<a:themeOverride xmlns:a="http://schemas.openxmlformats.org/drawingml/2006/main">
+  <a:clrScheme name="Office">
+    <a:dk1>
+      <a:sysClr val="windowText" lastClr="000000"/>
+    </a:dk1>
+    <a:lt1>
+      <a:sysClr val="window" lastClr="FFFFFF"/>
+    </a:lt1>
+    <a:dk2>
+      <a:srgbClr val="44546A"/>
+    </a:dk2>
+    <a:lt2>
+      <a:srgbClr val="E7E6E6"/>
+    </a:lt2>
+    <a:accent1>
+      <a:srgbClr val="4472C4"/>
+    </a:accent1>
+    <a:accent2>
+      <a:srgbClr val="ED7D31"/>
+    </a:accent2>
+    <a:accent3>
+      <a:srgbClr val="A5A5A5"/>
+    </a:accent3>
+    <a:accent4>
+      <a:srgbClr val="FFC000"/>
+    </a:accent4>
+    <a:accent5>
+      <a:srgbClr val="5B9BD5"/>
+    </a:accent5>
+    <a:accent6>
+      <a:srgbClr val="70AD47"/>
+    </a:accent6>
+    <a:hlink>
+      <a:srgbClr val="0563C1"/>
+    </a:hlink>
+    <a:folHlink>
+      <a:srgbClr val="954F72"/>
+    </a:folHlink>
+  </a:clrScheme>
+</a:themeOverride>
+</file>
+
+<file path=ppt/theme/themeOverride32.xml><?xml version="1.0" encoding="utf-8"?>
+<a:themeOverride xmlns:a="http://schemas.openxmlformats.org/drawingml/2006/main">
+  <a:clrScheme name="Office">
+    <a:dk1>
+      <a:sysClr val="windowText" lastClr="000000"/>
+    </a:dk1>
+    <a:lt1>
+      <a:sysClr val="window" lastClr="FFFFFF"/>
+    </a:lt1>
+    <a:dk2>
+      <a:srgbClr val="44546A"/>
+    </a:dk2>
+    <a:lt2>
+      <a:srgbClr val="E7E6E6"/>
+    </a:lt2>
+    <a:accent1>
+      <a:srgbClr val="4472C4"/>
+    </a:accent1>
+    <a:accent2>
+      <a:srgbClr val="ED7D31"/>
+    </a:accent2>
+    <a:accent3>
+      <a:srgbClr val="A5A5A5"/>
+    </a:accent3>
+    <a:accent4>
+      <a:srgbClr val="FFC000"/>
+    </a:accent4>
+    <a:accent5>
+      <a:srgbClr val="5B9BD5"/>
+    </a:accent5>
+    <a:accent6>
+      <a:srgbClr val="70AD47"/>
+    </a:accent6>
+    <a:hlink>
+      <a:srgbClr val="0563C1"/>
+    </a:hlink>
+    <a:folHlink>
+      <a:srgbClr val="954F72"/>
+    </a:folHlink>
+  </a:clrScheme>
+</a:themeOverride>
+</file>
+
+<file path=ppt/theme/themeOverride33.xml><?xml version="1.0" encoding="utf-8"?>
+<a:themeOverride xmlns:a="http://schemas.openxmlformats.org/drawingml/2006/main">
+  <a:clrScheme name="Office">
+    <a:dk1>
+      <a:sysClr val="windowText" lastClr="000000"/>
+    </a:dk1>
+    <a:lt1>
+      <a:sysClr val="window" lastClr="FFFFFF"/>
+    </a:lt1>
+    <a:dk2>
+      <a:srgbClr val="44546A"/>
+    </a:dk2>
+    <a:lt2>
+      <a:srgbClr val="E7E6E6"/>
+    </a:lt2>
+    <a:accent1>
+      <a:srgbClr val="4472C4"/>
+    </a:accent1>
+    <a:accent2>
+      <a:srgbClr val="ED7D31"/>
+    </a:accent2>
+    <a:accent3>
+      <a:srgbClr val="A5A5A5"/>
+    </a:accent3>
+    <a:accent4>
+      <a:srgbClr val="FFC000"/>
+    </a:accent4>
+    <a:accent5>
+      <a:srgbClr val="5B9BD5"/>
+    </a:accent5>
+    <a:accent6>
+      <a:srgbClr val="70AD47"/>
+    </a:accent6>
+    <a:hlink>
+      <a:srgbClr val="0563C1"/>
+    </a:hlink>
+    <a:folHlink>
+      <a:srgbClr val="954F72"/>
+    </a:folHlink>
+  </a:clrScheme>
+</a:themeOverride>
+</file>
+
+<file path=ppt/theme/themeOverride34.xml><?xml version="1.0" encoding="utf-8"?>
+<a:themeOverride xmlns:a="http://schemas.openxmlformats.org/drawingml/2006/main">
+  <a:clrScheme name="Office">
+    <a:dk1>
+      <a:sysClr val="windowText" lastClr="000000"/>
+    </a:dk1>
+    <a:lt1>
+      <a:sysClr val="window" lastClr="FFFFFF"/>
+    </a:lt1>
+    <a:dk2>
+      <a:srgbClr val="44546A"/>
+    </a:dk2>
+    <a:lt2>
+      <a:srgbClr val="E7E6E6"/>
+    </a:lt2>
+    <a:accent1>
+      <a:srgbClr val="4472C4"/>
+    </a:accent1>
+    <a:accent2>
+      <a:srgbClr val="ED7D31"/>
+    </a:accent2>
+    <a:accent3>
+      <a:srgbClr val="A5A5A5"/>
+    </a:accent3>
+    <a:accent4>
+      <a:srgbClr val="FFC000"/>
+    </a:accent4>
+    <a:accent5>
+      <a:srgbClr val="5B9BD5"/>
+    </a:accent5>
+    <a:accent6>
+      <a:srgbClr val="70AD47"/>
+    </a:accent6>
+    <a:hlink>
+      <a:srgbClr val="0563C1"/>
+    </a:hlink>
+    <a:folHlink>
+      <a:srgbClr val="954F72"/>
+    </a:folHlink>
+  </a:clrScheme>
+</a:themeOverride>
+</file>
+
+<file path=ppt/theme/themeOverride35.xml><?xml version="1.0" encoding="utf-8"?>
+<a:themeOverride xmlns:a="http://schemas.openxmlformats.org/drawingml/2006/main">
+  <a:clrScheme name="Office">
+    <a:dk1>
+      <a:sysClr val="windowText" lastClr="000000"/>
+    </a:dk1>
+    <a:lt1>
+      <a:sysClr val="window" lastClr="FFFFFF"/>
+    </a:lt1>
+    <a:dk2>
+      <a:srgbClr val="44546A"/>
+    </a:dk2>
+    <a:lt2>
+      <a:srgbClr val="E7E6E6"/>
+    </a:lt2>
+    <a:accent1>
+      <a:srgbClr val="4472C4"/>
+    </a:accent1>
+    <a:accent2>
+      <a:srgbClr val="ED7D31"/>
+    </a:accent2>
+    <a:accent3>
+      <a:srgbClr val="A5A5A5"/>
+    </a:accent3>
+    <a:accent4>
+      <a:srgbClr val="FFC000"/>
+    </a:accent4>
+    <a:accent5>
+      <a:srgbClr val="5B9BD5"/>
+    </a:accent5>
+    <a:accent6>
+      <a:srgbClr val="70AD47"/>
+    </a:accent6>
+    <a:hlink>
+      <a:srgbClr val="0563C1"/>
+    </a:hlink>
+    <a:folHlink>
+      <a:srgbClr val="954F72"/>
+    </a:folHlink>
+  </a:clrScheme>
+</a:themeOverride>
+</file>
+
+<file path=ppt/theme/themeOverride36.xml><?xml version="1.0" encoding="utf-8"?>
+<a:themeOverride xmlns:a="http://schemas.openxmlformats.org/drawingml/2006/main">
+  <a:clrScheme name="Office">
+    <a:dk1>
+      <a:sysClr val="windowText" lastClr="000000"/>
+    </a:dk1>
+    <a:lt1>
+      <a:sysClr val="window" lastClr="FFFFFF"/>
+    </a:lt1>
+    <a:dk2>
+      <a:srgbClr val="44546A"/>
+    </a:dk2>
+    <a:lt2>
+      <a:srgbClr val="E7E6E6"/>
+    </a:lt2>
+    <a:accent1>
+      <a:srgbClr val="4472C4"/>
+    </a:accent1>
+    <a:accent2>
+      <a:srgbClr val="ED7D31"/>
+    </a:accent2>
+    <a:accent3>
+      <a:srgbClr val="A5A5A5"/>
+    </a:accent3>
+    <a:accent4>
+      <a:srgbClr val="FFC000"/>
+    </a:accent4>
+    <a:accent5>
+      <a:srgbClr val="5B9BD5"/>
+    </a:accent5>
+    <a:accent6>
+      <a:srgbClr val="70AD47"/>
+    </a:accent6>
+    <a:hlink>
+      <a:srgbClr val="0563C1"/>
+    </a:hlink>
+    <a:folHlink>
+      <a:srgbClr val="954F72"/>
+    </a:folHlink>
+  </a:clrScheme>
+</a:themeOverride>
+</file>
+
+<file path=ppt/theme/themeOverride37.xml><?xml version="1.0" encoding="utf-8"?>
+<a:themeOverride xmlns:a="http://schemas.openxmlformats.org/drawingml/2006/main">
+  <a:clrScheme name="Office">
+    <a:dk1>
+      <a:sysClr val="windowText" lastClr="000000"/>
+    </a:dk1>
+    <a:lt1>
+      <a:sysClr val="window" lastClr="FFFFFF"/>
+    </a:lt1>
+    <a:dk2>
+      <a:srgbClr val="44546A"/>
+    </a:dk2>
+    <a:lt2>
+      <a:srgbClr val="E7E6E6"/>
+    </a:lt2>
+    <a:accent1>
+      <a:srgbClr val="4472C4"/>
+    </a:accent1>
+    <a:accent2>
+      <a:srgbClr val="ED7D31"/>
+    </a:accent2>
+    <a:accent3>
+      <a:srgbClr val="A5A5A5"/>
+    </a:accent3>
+    <a:accent4>
+      <a:srgbClr val="FFC000"/>
+    </a:accent4>
+    <a:accent5>
+      <a:srgbClr val="5B9BD5"/>
+    </a:accent5>
+    <a:accent6>
+      <a:srgbClr val="70AD47"/>
+    </a:accent6>
+    <a:hlink>
+      <a:srgbClr val="0563C1"/>
+    </a:hlink>
+    <a:folHlink>
+      <a:srgbClr val="954F72"/>
+    </a:folHlink>
+  </a:clrScheme>
+</a:themeOverride>
+</file>
+
+<file path=ppt/theme/themeOverride38.xml><?xml version="1.0" encoding="utf-8"?>
+<a:themeOverride xmlns:a="http://schemas.openxmlformats.org/drawingml/2006/main">
+  <a:clrScheme name="Office">
+    <a:dk1>
+      <a:sysClr val="windowText" lastClr="000000"/>
+    </a:dk1>
+    <a:lt1>
+      <a:sysClr val="window" lastClr="FFFFFF"/>
+    </a:lt1>
+    <a:dk2>
+      <a:srgbClr val="44546A"/>
+    </a:dk2>
+    <a:lt2>
+      <a:srgbClr val="E7E6E6"/>
+    </a:lt2>
+    <a:accent1>
+      <a:srgbClr val="4472C4"/>
+    </a:accent1>
+    <a:accent2>
+      <a:srgbClr val="ED7D31"/>
+    </a:accent2>
+    <a:accent3>
+      <a:srgbClr val="A5A5A5"/>
+    </a:accent3>
+    <a:accent4>
+      <a:srgbClr val="FFC000"/>
+    </a:accent4>
+    <a:accent5>
+      <a:srgbClr val="5B9BD5"/>
+    </a:accent5>
+    <a:accent6>
+      <a:srgbClr val="70AD47"/>
+    </a:accent6>
+    <a:hlink>
+      <a:srgbClr val="0563C1"/>
+    </a:hlink>
+    <a:folHlink>
+      <a:srgbClr val="954F72"/>
+    </a:folHlink>
+  </a:clrScheme>
+</a:themeOverride>
+</file>
+
+<file path=ppt/theme/themeOverride39.xml><?xml version="1.0" encoding="utf-8"?>
 <a:themeOverride xmlns:a="http://schemas.openxmlformats.org/drawingml/2006/main">
   <a:clrScheme name="Office">
     <a:dk1>

--- a/CSS_Layout.pptx
+++ b/CSS_Layout.pptx
@@ -159,6 +159,10 @@
 </p:presentation>
 </file>
 
+<file path=ppt/revisionInfo.xml><?xml version="1.0" encoding="utf-8"?>
+<p1510:revInfo xmlns:a="http://schemas.openxmlformats.org/drawingml/2006/main" xmlns:r="http://schemas.openxmlformats.org/officeDocument/2006/relationships" xmlns:p1510="http://schemas.microsoft.com/office/powerpoint/2015/10/main"/>
+</file>
+
 <file path=ppt/notesMasters/notesMaster1.xml><?xml version="1.0" encoding="utf-8"?>
 <p:notesMaster xmlns:a="http://schemas.openxmlformats.org/drawingml/2006/main" xmlns:r="http://schemas.openxmlformats.org/officeDocument/2006/relationships" xmlns:p="http://schemas.openxmlformats.org/presentationml/2006/main">
   <p:cSld>
@@ -241,7 +245,7 @@
           <a:p>
             <a:fld id="{359DA855-7BBE-42A4-99AD-AFD75D65E373}" type="datetimeFigureOut">
               <a:rPr lang="de-DE" smtClean="0"/>
-              <a:t>16.11.2018</a:t>
+              <a:t>14.12.2018</a:t>
             </a:fld>
             <a:endParaRPr lang="de-DE"/>
           </a:p>
@@ -7376,7 +7380,7 @@
           <p:nvPr>
             <p:extLst>
               <p:ext uri="{D42A27DB-BD31-4B8C-83A1-F6EECF244321}">
-                <p14:modId xmlns:p14="http://schemas.microsoft.com/office/powerpoint/2010/main" val="565390537"/>
+                <p14:modId xmlns:p14="http://schemas.microsoft.com/office/powerpoint/2010/main" val="2794380334"/>
               </p:ext>
             </p:extLst>
           </p:nvPr>
@@ -7941,11 +7945,11 @@
                     <a:p>
                       <a:pPr algn="l"/>
                       <a:r>
-                        <a:rPr lang="de-DE" sz="2800">
+                        <a:rPr lang="de-DE" sz="2800" dirty="0">
                           <a:latin typeface="Lao UI" panose="020B0502040204020203" pitchFamily="34" charset="0"/>
                           <a:cs typeface="Lao UI" panose="020B0502040204020203" pitchFamily="34" charset="0"/>
                         </a:rPr>
-                        <a:t>1em = Schriftgröße des Elements</a:t>
+                        <a:t>1em = Schriftgröße des Eltern-Elements</a:t>
                       </a:r>
                     </a:p>
                   </a:txBody>
@@ -8519,7 +8523,7 @@
                     <a:p>
                       <a:pPr algn="l"/>
                       <a:r>
-                        <a:rPr lang="de-DE" sz="2800">
+                        <a:rPr lang="de-DE" sz="2800" dirty="0">
                           <a:latin typeface="Lao UI" panose="020B0502040204020203" pitchFamily="34" charset="0"/>
                           <a:cs typeface="Lao UI" panose="020B0502040204020203" pitchFamily="34" charset="0"/>
                         </a:rPr>
@@ -13441,25 +13445,39 @@
               <a:buChar char="•"/>
             </a:pPr>
             <a:r>
-              <a:rPr lang="de-DE" sz="2200">
-                <a:latin typeface="Lao UI" panose="020B0502040204020203" pitchFamily="34" charset="0"/>
-                <a:cs typeface="Lao UI" panose="020B0502040204020203" pitchFamily="34" charset="0"/>
-              </a:rPr>
-              <a:t>Wird absolut zum nächsten Vorfahren positioniert, welcher positioniert wurde (eine </a:t>
-            </a:r>
-            <a:r>
-              <a:rPr lang="de-DE" sz="2200">
+              <a:rPr lang="de-DE" sz="2200" dirty="0">
+                <a:latin typeface="Lao UI" panose="020B0502040204020203" pitchFamily="34" charset="0"/>
+                <a:cs typeface="Lao UI" panose="020B0502040204020203" pitchFamily="34" charset="0"/>
+              </a:rPr>
+              <a:t>Wird absolut zum nächsten Vorfahren positioniert, welcher positioniert wurde (= eine </a:t>
+            </a:r>
+            <a:r>
+              <a:rPr lang="de-DE" sz="2200" dirty="0" err="1">
                 <a:latin typeface="Consolas" panose="020B0609020204030204" pitchFamily="49" charset="0"/>
                 <a:cs typeface="Consolas" panose="020B0609020204030204" pitchFamily="49" charset="0"/>
               </a:rPr>
               <a:t>position</a:t>
             </a:r>
             <a:r>
-              <a:rPr lang="de-DE" sz="2200">
-                <a:latin typeface="Lao UI" panose="020B0502040204020203" pitchFamily="34" charset="0"/>
-                <a:cs typeface="Lao UI" panose="020B0502040204020203" pitchFamily="34" charset="0"/>
-              </a:rPr>
-              <a:t>-Property besitzt, die nicht static ist)</a:t>
+              <a:rPr lang="de-DE" sz="2200" dirty="0">
+                <a:latin typeface="Lao UI" panose="020B0502040204020203" pitchFamily="34" charset="0"/>
+                <a:cs typeface="Lao UI" panose="020B0502040204020203" pitchFamily="34" charset="0"/>
+              </a:rPr>
+              <a:t>-Property besitzt, die nicht </a:t>
+            </a:r>
+            <a:r>
+              <a:rPr lang="de-DE" sz="2200" dirty="0" err="1">
+                <a:latin typeface="Lao UI" panose="020B0502040204020203" pitchFamily="34" charset="0"/>
+                <a:cs typeface="Lao UI" panose="020B0502040204020203" pitchFamily="34" charset="0"/>
+              </a:rPr>
+              <a:t>static</a:t>
+            </a:r>
+            <a:r>
+              <a:rPr lang="de-DE" sz="2200" dirty="0">
+                <a:latin typeface="Lao UI" panose="020B0502040204020203" pitchFamily="34" charset="0"/>
+                <a:cs typeface="Lao UI" panose="020B0502040204020203" pitchFamily="34" charset="0"/>
+              </a:rPr>
+              <a:t> ist)</a:t>
             </a:r>
           </a:p>
           <a:p>
@@ -13468,11 +13486,53 @@
               <a:buChar char="•"/>
             </a:pPr>
             <a:r>
-              <a:rPr lang="de-DE" sz="2200">
-                <a:latin typeface="Lao UI" panose="020B0502040204020203" pitchFamily="34" charset="0"/>
-                <a:cs typeface="Lao UI" panose="020B0502040204020203" pitchFamily="34" charset="0"/>
-              </a:rPr>
-              <a:t>top/left/bottom/right möglich</a:t>
+              <a:rPr lang="de-DE" sz="2200" dirty="0">
+                <a:latin typeface="Lao UI" panose="020B0502040204020203" pitchFamily="34" charset="0"/>
+                <a:cs typeface="Lao UI" panose="020B0502040204020203" pitchFamily="34" charset="0"/>
+              </a:rPr>
+              <a:t>top/</a:t>
+            </a:r>
+            <a:r>
+              <a:rPr lang="de-DE" sz="2200" dirty="0" err="1">
+                <a:latin typeface="Lao UI" panose="020B0502040204020203" pitchFamily="34" charset="0"/>
+                <a:cs typeface="Lao UI" panose="020B0502040204020203" pitchFamily="34" charset="0"/>
+              </a:rPr>
+              <a:t>left</a:t>
+            </a:r>
+            <a:r>
+              <a:rPr lang="de-DE" sz="2200" dirty="0">
+                <a:latin typeface="Lao UI" panose="020B0502040204020203" pitchFamily="34" charset="0"/>
+                <a:cs typeface="Lao UI" panose="020B0502040204020203" pitchFamily="34" charset="0"/>
+              </a:rPr>
+              <a:t>/</a:t>
+            </a:r>
+            <a:r>
+              <a:rPr lang="de-DE" sz="2200" dirty="0" err="1">
+                <a:latin typeface="Lao UI" panose="020B0502040204020203" pitchFamily="34" charset="0"/>
+                <a:cs typeface="Lao UI" panose="020B0502040204020203" pitchFamily="34" charset="0"/>
+              </a:rPr>
+              <a:t>bottom</a:t>
+            </a:r>
+            <a:r>
+              <a:rPr lang="de-DE" sz="2200" dirty="0">
+                <a:latin typeface="Lao UI" panose="020B0502040204020203" pitchFamily="34" charset="0"/>
+                <a:cs typeface="Lao UI" panose="020B0502040204020203" pitchFamily="34" charset="0"/>
+              </a:rPr>
+              <a:t>/</a:t>
+            </a:r>
+            <a:r>
+              <a:rPr lang="de-DE" sz="2200" dirty="0" err="1">
+                <a:latin typeface="Lao UI" panose="020B0502040204020203" pitchFamily="34" charset="0"/>
+                <a:cs typeface="Lao UI" panose="020B0502040204020203" pitchFamily="34" charset="0"/>
+              </a:rPr>
+              <a:t>right</a:t>
+            </a:r>
+            <a:r>
+              <a:rPr lang="de-DE" sz="2200" dirty="0">
+                <a:latin typeface="Lao UI" panose="020B0502040204020203" pitchFamily="34" charset="0"/>
+                <a:cs typeface="Lao UI" panose="020B0502040204020203" pitchFamily="34" charset="0"/>
+              </a:rPr>
+              <a:t> möglich</a:t>
             </a:r>
           </a:p>
         </p:txBody>
@@ -13775,12 +13835,23 @@
               <a:buChar char="•"/>
             </a:pPr>
             <a:r>
-              <a:rPr lang="de-DE" sz="2200">
-                <a:latin typeface="Lao UI" panose="020B0502040204020203" pitchFamily="34" charset="0"/>
-                <a:cs typeface="Lao UI" panose="020B0502040204020203" pitchFamily="34" charset="0"/>
-              </a:rPr>
-              <a:t>Befindet sich im Fluß</a:t>
-            </a:r>
+              <a:rPr lang="de-DE" sz="2200" dirty="0">
+                <a:latin typeface="Lao UI" panose="020B0502040204020203" pitchFamily="34" charset="0"/>
+                <a:cs typeface="Lao UI" panose="020B0502040204020203" pitchFamily="34" charset="0"/>
+              </a:rPr>
+              <a:t>Befindet sich im </a:t>
+            </a:r>
+            <a:r>
+              <a:rPr lang="de-DE" sz="2200" dirty="0" err="1">
+                <a:latin typeface="Lao UI" panose="020B0502040204020203" pitchFamily="34" charset="0"/>
+                <a:cs typeface="Lao UI" panose="020B0502040204020203" pitchFamily="34" charset="0"/>
+              </a:rPr>
+              <a:t>Fluß</a:t>
+            </a:r>
+            <a:endParaRPr lang="de-DE" sz="2200" dirty="0">
+              <a:latin typeface="Lao UI" panose="020B0502040204020203" pitchFamily="34" charset="0"/>
+              <a:cs typeface="Lao UI" panose="020B0502040204020203" pitchFamily="34" charset="0"/>
+            </a:endParaRPr>
           </a:p>
           <a:p>
             <a:pPr marL="342900" indent="-342900">
@@ -13788,11 +13859,53 @@
               <a:buChar char="•"/>
             </a:pPr>
             <a:r>
-              <a:rPr lang="de-DE" sz="2200">
-                <a:latin typeface="Lao UI" panose="020B0502040204020203" pitchFamily="34" charset="0"/>
-                <a:cs typeface="Lao UI" panose="020B0502040204020203" pitchFamily="34" charset="0"/>
-              </a:rPr>
-              <a:t>Kann trotzdem mit top/left/bottom/right verschoben werden</a:t>
+              <a:rPr lang="de-DE" sz="2200" dirty="0">
+                <a:latin typeface="Lao UI" panose="020B0502040204020203" pitchFamily="34" charset="0"/>
+                <a:cs typeface="Lao UI" panose="020B0502040204020203" pitchFamily="34" charset="0"/>
+              </a:rPr>
+              <a:t>Kann trotzdem mit top/</a:t>
+            </a:r>
+            <a:r>
+              <a:rPr lang="de-DE" sz="2200" dirty="0" err="1">
+                <a:latin typeface="Lao UI" panose="020B0502040204020203" pitchFamily="34" charset="0"/>
+                <a:cs typeface="Lao UI" panose="020B0502040204020203" pitchFamily="34" charset="0"/>
+              </a:rPr>
+              <a:t>left</a:t>
+            </a:r>
+            <a:r>
+              <a:rPr lang="de-DE" sz="2200" dirty="0">
+                <a:latin typeface="Lao UI" panose="020B0502040204020203" pitchFamily="34" charset="0"/>
+                <a:cs typeface="Lao UI" panose="020B0502040204020203" pitchFamily="34" charset="0"/>
+              </a:rPr>
+              <a:t>/</a:t>
+            </a:r>
+            <a:r>
+              <a:rPr lang="de-DE" sz="2200" dirty="0" err="1">
+                <a:latin typeface="Lao UI" panose="020B0502040204020203" pitchFamily="34" charset="0"/>
+                <a:cs typeface="Lao UI" panose="020B0502040204020203" pitchFamily="34" charset="0"/>
+              </a:rPr>
+              <a:t>bottom</a:t>
+            </a:r>
+            <a:r>
+              <a:rPr lang="de-DE" sz="2200" dirty="0">
+                <a:latin typeface="Lao UI" panose="020B0502040204020203" pitchFamily="34" charset="0"/>
+                <a:cs typeface="Lao UI" panose="020B0502040204020203" pitchFamily="34" charset="0"/>
+              </a:rPr>
+              <a:t>/</a:t>
+            </a:r>
+            <a:r>
+              <a:rPr lang="de-DE" sz="2200" dirty="0" err="1">
+                <a:latin typeface="Lao UI" panose="020B0502040204020203" pitchFamily="34" charset="0"/>
+                <a:cs typeface="Lao UI" panose="020B0502040204020203" pitchFamily="34" charset="0"/>
+              </a:rPr>
+              <a:t>right</a:t>
+            </a:r>
+            <a:r>
+              <a:rPr lang="de-DE" sz="2200" dirty="0">
+                <a:latin typeface="Lao UI" panose="020B0502040204020203" pitchFamily="34" charset="0"/>
+                <a:cs typeface="Lao UI" panose="020B0502040204020203" pitchFamily="34" charset="0"/>
+              </a:rPr>
+              <a:t> verschoben werden</a:t>
             </a:r>
           </a:p>
           <a:p>
@@ -13801,11 +13914,67 @@
               <a:buChar char="•"/>
             </a:pPr>
             <a:r>
-              <a:rPr lang="de-DE" sz="2200">
-                <a:latin typeface="Lao UI" panose="020B0502040204020203" pitchFamily="34" charset="0"/>
-                <a:cs typeface="Lao UI" panose="020B0502040204020203" pitchFamily="34" charset="0"/>
-              </a:rPr>
-              <a:t>Ursprünglicher Platz (ohne top/left/bottom/rright) wird zur Berechnung des Flußes benutzt</a:t>
+              <a:rPr lang="de-DE" sz="2200" dirty="0">
+                <a:latin typeface="Lao UI" panose="020B0502040204020203" pitchFamily="34" charset="0"/>
+                <a:cs typeface="Lao UI" panose="020B0502040204020203" pitchFamily="34" charset="0"/>
+              </a:rPr>
+              <a:t>Ursprünglicher Platz (ohne top/</a:t>
+            </a:r>
+            <a:r>
+              <a:rPr lang="de-DE" sz="2200" dirty="0" err="1">
+                <a:latin typeface="Lao UI" panose="020B0502040204020203" pitchFamily="34" charset="0"/>
+                <a:cs typeface="Lao UI" panose="020B0502040204020203" pitchFamily="34" charset="0"/>
+              </a:rPr>
+              <a:t>left</a:t>
+            </a:r>
+            <a:r>
+              <a:rPr lang="de-DE" sz="2200" dirty="0">
+                <a:latin typeface="Lao UI" panose="020B0502040204020203" pitchFamily="34" charset="0"/>
+                <a:cs typeface="Lao UI" panose="020B0502040204020203" pitchFamily="34" charset="0"/>
+              </a:rPr>
+              <a:t>/</a:t>
+            </a:r>
+            <a:r>
+              <a:rPr lang="de-DE" sz="2200" dirty="0" err="1">
+                <a:latin typeface="Lao UI" panose="020B0502040204020203" pitchFamily="34" charset="0"/>
+                <a:cs typeface="Lao UI" panose="020B0502040204020203" pitchFamily="34" charset="0"/>
+              </a:rPr>
+              <a:t>bottom</a:t>
+            </a:r>
+            <a:r>
+              <a:rPr lang="de-DE" sz="2200" dirty="0">
+                <a:latin typeface="Lao UI" panose="020B0502040204020203" pitchFamily="34" charset="0"/>
+                <a:cs typeface="Lao UI" panose="020B0502040204020203" pitchFamily="34" charset="0"/>
+              </a:rPr>
+              <a:t>/</a:t>
+            </a:r>
+            <a:r>
+              <a:rPr lang="de-DE" sz="2200" dirty="0" err="1">
+                <a:latin typeface="Lao UI" panose="020B0502040204020203" pitchFamily="34" charset="0"/>
+                <a:cs typeface="Lao UI" panose="020B0502040204020203" pitchFamily="34" charset="0"/>
+              </a:rPr>
+              <a:t>right</a:t>
+            </a:r>
+            <a:r>
+              <a:rPr lang="de-DE" sz="2200" dirty="0">
+                <a:latin typeface="Lao UI" panose="020B0502040204020203" pitchFamily="34" charset="0"/>
+                <a:cs typeface="Lao UI" panose="020B0502040204020203" pitchFamily="34" charset="0"/>
+              </a:rPr>
+              <a:t>) wird zur Berechnung des </a:t>
+            </a:r>
+            <a:r>
+              <a:rPr lang="de-DE" sz="2200" dirty="0" err="1">
+                <a:latin typeface="Lao UI" panose="020B0502040204020203" pitchFamily="34" charset="0"/>
+                <a:cs typeface="Lao UI" panose="020B0502040204020203" pitchFamily="34" charset="0"/>
+              </a:rPr>
+              <a:t>Flußes</a:t>
+            </a:r>
+            <a:r>
+              <a:rPr lang="de-DE" sz="2200" dirty="0">
+                <a:latin typeface="Lao UI" panose="020B0502040204020203" pitchFamily="34" charset="0"/>
+                <a:cs typeface="Lao UI" panose="020B0502040204020203" pitchFamily="34" charset="0"/>
+              </a:rPr>
+              <a:t> benutzt</a:t>
             </a:r>
           </a:p>
         </p:txBody>
@@ -16623,7 +16792,7 @@
         </p:blipFill>
         <p:spPr>
           <a:xfrm>
-            <a:off x="8359356" y="1053883"/>
+            <a:off x="8977923" y="1053883"/>
             <a:ext cx="2304000" cy="5148000"/>
           </a:xfrm>
           <a:prstGeom prst="rect">
@@ -19721,8 +19890,8 @@
         </p:blipFill>
         <p:spPr>
           <a:xfrm>
-            <a:off x="2698044" y="1868128"/>
-            <a:ext cx="6795911" cy="4469548"/>
+            <a:off x="3207367" y="2342794"/>
+            <a:ext cx="5784234" cy="3804186"/>
           </a:xfrm>
           <a:prstGeom prst="rect">
             <a:avLst/>
@@ -19888,15 +20057,15 @@
           <a:lstStyle/>
           <a:p>
             <a:r>
-              <a:rPr lang="de-DE"/>
+              <a:rPr lang="de-DE" dirty="0"/>
               <a:t>	           </a:t>
             </a:r>
             <a:r>
-              <a:rPr lang="de-DE" sz="2800">
-                <a:latin typeface="Lao UI" panose="020B0502040204020203" pitchFamily="34" charset="0"/>
-                <a:cs typeface="Lao UI" panose="020B0502040204020203" pitchFamily="34" charset="0"/>
-              </a:rPr>
-              <a:t>70%	               25%      40px</a:t>
+              <a:rPr lang="de-DE" sz="2800" dirty="0">
+                <a:latin typeface="Lao UI" panose="020B0502040204020203" pitchFamily="34" charset="0"/>
+                <a:cs typeface="Lao UI" panose="020B0502040204020203" pitchFamily="34" charset="0"/>
+              </a:rPr>
+              <a:t>Auto	               25%      40px</a:t>
             </a:r>
           </a:p>
         </p:txBody>
@@ -19931,7 +20100,7 @@
           <a:p>
             <a:pPr algn="r"/>
             <a:r>
-              <a:rPr lang="de-DE" sz="2400">
+              <a:rPr lang="de-DE" sz="2400" dirty="0">
                 <a:latin typeface="Lao UI" panose="020B0502040204020203" pitchFamily="34" charset="0"/>
                 <a:cs typeface="Lao UI" panose="020B0502040204020203" pitchFamily="34" charset="0"/>
               </a:rPr>
@@ -19940,7 +20109,7 @@
           </a:p>
           <a:p>
             <a:pPr algn="r"/>
-            <a:endParaRPr lang="de-DE" sz="2400">
+            <a:endParaRPr lang="de-DE" sz="2400" dirty="0">
               <a:latin typeface="Lao UI" panose="020B0502040204020203" pitchFamily="34" charset="0"/>
               <a:cs typeface="Lao UI" panose="020B0502040204020203" pitchFamily="34" charset="0"/>
             </a:endParaRPr>
@@ -19952,58 +20121,62 @@
                 <a:latin typeface="Lao UI" panose="020B0502040204020203" pitchFamily="34" charset="0"/>
                 <a:cs typeface="Lao UI" panose="020B0502040204020203" pitchFamily="34" charset="0"/>
               </a:rPr>
-              <a:t>30%</a:t>
-            </a:r>
-          </a:p>
-          <a:p>
-            <a:pPr algn="r"/>
-            <a:endParaRPr lang="de-DE" sz="2400">
+              <a:t>Auto</a:t>
+            </a:r>
+            <a:endParaRPr lang="de-DE" sz="2400" dirty="0">
               <a:latin typeface="Lao UI" panose="020B0502040204020203" pitchFamily="34" charset="0"/>
               <a:cs typeface="Lao UI" panose="020B0502040204020203" pitchFamily="34" charset="0"/>
             </a:endParaRPr>
           </a:p>
           <a:p>
             <a:pPr algn="r"/>
-            <a:endParaRPr lang="de-DE" sz="2400">
+            <a:endParaRPr lang="de-DE" sz="2400" dirty="0">
               <a:latin typeface="Lao UI" panose="020B0502040204020203" pitchFamily="34" charset="0"/>
               <a:cs typeface="Lao UI" panose="020B0502040204020203" pitchFamily="34" charset="0"/>
             </a:endParaRPr>
           </a:p>
           <a:p>
             <a:pPr algn="r"/>
-            <a:endParaRPr lang="de-DE" sz="2400">
+            <a:endParaRPr lang="de-DE" sz="2400" dirty="0">
               <a:latin typeface="Lao UI" panose="020B0502040204020203" pitchFamily="34" charset="0"/>
               <a:cs typeface="Lao UI" panose="020B0502040204020203" pitchFamily="34" charset="0"/>
             </a:endParaRPr>
           </a:p>
           <a:p>
             <a:pPr algn="r"/>
-            <a:r>
-              <a:rPr lang="de-DE" sz="2400">
-                <a:latin typeface="Lao UI" panose="020B0502040204020203" pitchFamily="34" charset="0"/>
-                <a:cs typeface="Lao UI" panose="020B0502040204020203" pitchFamily="34" charset="0"/>
-              </a:rPr>
-              <a:t>48%</a:t>
-            </a:r>
-          </a:p>
-          <a:p>
-            <a:pPr algn="r"/>
-            <a:endParaRPr lang="de-DE" sz="2400">
+            <a:endParaRPr lang="de-DE" sz="2400" dirty="0">
               <a:latin typeface="Lao UI" panose="020B0502040204020203" pitchFamily="34" charset="0"/>
               <a:cs typeface="Lao UI" panose="020B0502040204020203" pitchFamily="34" charset="0"/>
             </a:endParaRPr>
           </a:p>
           <a:p>
             <a:pPr algn="r"/>
-            <a:endParaRPr lang="de-DE" sz="2400">
+            <a:r>
+              <a:rPr lang="de-DE" sz="2400" dirty="0">
+                <a:latin typeface="Lao UI" panose="020B0502040204020203" pitchFamily="34" charset="0"/>
+                <a:cs typeface="Lao UI" panose="020B0502040204020203" pitchFamily="34" charset="0"/>
+              </a:rPr>
+              <a:t>48%</a:t>
+            </a:r>
+          </a:p>
+          <a:p>
+            <a:pPr algn="r"/>
+            <a:endParaRPr lang="de-DE" sz="2400" dirty="0">
               <a:latin typeface="Lao UI" panose="020B0502040204020203" pitchFamily="34" charset="0"/>
               <a:cs typeface="Lao UI" panose="020B0502040204020203" pitchFamily="34" charset="0"/>
             </a:endParaRPr>
           </a:p>
           <a:p>
             <a:pPr algn="r"/>
-            <a:r>
-              <a:rPr lang="de-DE" sz="2400">
+            <a:endParaRPr lang="de-DE" sz="2400" dirty="0">
+              <a:latin typeface="Lao UI" panose="020B0502040204020203" pitchFamily="34" charset="0"/>
+              <a:cs typeface="Lao UI" panose="020B0502040204020203" pitchFamily="34" charset="0"/>
+            </a:endParaRPr>
+          </a:p>
+          <a:p>
+            <a:pPr algn="r"/>
+            <a:r>
+              <a:rPr lang="de-DE" sz="2400" dirty="0">
                 <a:latin typeface="Lao UI" panose="020B0502040204020203" pitchFamily="34" charset="0"/>
                 <a:cs typeface="Lao UI" panose="020B0502040204020203" pitchFamily="34" charset="0"/>
               </a:rPr>
@@ -20013,7 +20186,7 @@
           <a:p>
             <a:pPr algn="r"/>
             <a:r>
-              <a:rPr lang="de-DE" sz="2400">
+              <a:rPr lang="de-DE" sz="2400" dirty="0">
                 <a:latin typeface="Lao UI" panose="020B0502040204020203" pitchFamily="34" charset="0"/>
                 <a:cs typeface="Lao UI" panose="020B0502040204020203" pitchFamily="34" charset="0"/>
               </a:rPr>
@@ -21312,21 +21485,21 @@
               <a:buChar char="•"/>
             </a:pPr>
             <a:r>
-              <a:rPr lang="de-DE" sz="2400">
+              <a:rPr lang="de-DE" sz="2400" dirty="0">
                 <a:latin typeface="Lao UI" panose="020B0502040204020203" pitchFamily="34" charset="0"/>
                 <a:cs typeface="Lao UI" panose="020B0502040204020203" pitchFamily="34" charset="0"/>
               </a:rPr>
               <a:t>CSS: </a:t>
             </a:r>
             <a:r>
-              <a:rPr lang="de-DE" sz="2400">
+              <a:rPr lang="de-DE" sz="2400" dirty="0">
                 <a:latin typeface="Lao UI" panose="020B0502040204020203" pitchFamily="34" charset="0"/>
                 <a:cs typeface="Lao UI" panose="020B0502040204020203" pitchFamily="34" charset="0"/>
                 <a:hlinkClick r:id="rId4"/>
               </a:rPr>
               <a:t>https://wiki.selfhtml.org/wiki/CSS</a:t>
             </a:r>
-            <a:endParaRPr lang="de-DE" sz="2400">
+            <a:endParaRPr lang="de-DE" sz="2400" dirty="0">
               <a:latin typeface="Lao UI" panose="020B0502040204020203" pitchFamily="34" charset="0"/>
               <a:cs typeface="Lao UI" panose="020B0502040204020203" pitchFamily="34" charset="0"/>
             </a:endParaRPr>
@@ -21337,21 +21510,21 @@
               <a:buChar char="•"/>
             </a:pPr>
             <a:r>
-              <a:rPr lang="de-DE" sz="2400">
+              <a:rPr lang="de-DE" sz="2400" dirty="0">
                 <a:latin typeface="Lao UI" panose="020B0502040204020203" pitchFamily="34" charset="0"/>
                 <a:cs typeface="Lao UI" panose="020B0502040204020203" pitchFamily="34" charset="0"/>
               </a:rPr>
               <a:t>Selektoren: </a:t>
             </a:r>
             <a:r>
-              <a:rPr lang="de-DE" sz="2400">
+              <a:rPr lang="de-DE" sz="2400" dirty="0">
                 <a:latin typeface="Lao UI" panose="020B0502040204020203" pitchFamily="34" charset="0"/>
                 <a:cs typeface="Lao UI" panose="020B0502040204020203" pitchFamily="34" charset="0"/>
                 <a:hlinkClick r:id="rId5"/>
               </a:rPr>
               <a:t>https://wiki.selfhtml.org/wiki/CSS/Selektoren</a:t>
             </a:r>
-            <a:endParaRPr lang="de-DE" sz="2400">
+            <a:endParaRPr lang="de-DE" sz="2400" dirty="0">
               <a:latin typeface="Lao UI" panose="020B0502040204020203" pitchFamily="34" charset="0"/>
               <a:cs typeface="Lao UI" panose="020B0502040204020203" pitchFamily="34" charset="0"/>
             </a:endParaRPr>
@@ -21362,21 +21535,21 @@
               <a:buChar char="•"/>
             </a:pPr>
             <a:r>
-              <a:rPr lang="de-DE" sz="2400">
+              <a:rPr lang="de-DE" sz="2400" dirty="0">
                 <a:latin typeface="Lao UI" panose="020B0502040204020203" pitchFamily="34" charset="0"/>
                 <a:cs typeface="Lao UI" panose="020B0502040204020203" pitchFamily="34" charset="0"/>
               </a:rPr>
               <a:t>Display: </a:t>
             </a:r>
             <a:r>
-              <a:rPr lang="de-DE" sz="2400">
+              <a:rPr lang="de-DE" sz="2400" dirty="0">
                 <a:latin typeface="Lao UI" panose="020B0502040204020203" pitchFamily="34" charset="0"/>
                 <a:cs typeface="Lao UI" panose="020B0502040204020203" pitchFamily="34" charset="0"/>
                 <a:hlinkClick r:id="rId6"/>
               </a:rPr>
               <a:t>https://wiki.selfhtml.org/wiki/CSS/Eigenschaften/Anzeige/display</a:t>
             </a:r>
-            <a:endParaRPr lang="de-DE" sz="2400">
+            <a:endParaRPr lang="de-DE" sz="2400" dirty="0">
               <a:latin typeface="Lao UI" panose="020B0502040204020203" pitchFamily="34" charset="0"/>
               <a:cs typeface="Lao UI" panose="020B0502040204020203" pitchFamily="34" charset="0"/>
             </a:endParaRPr>
@@ -21387,21 +21560,21 @@
               <a:buChar char="•"/>
             </a:pPr>
             <a:r>
-              <a:rPr lang="de-DE" sz="2400">
+              <a:rPr lang="de-DE" sz="2400" dirty="0">
                 <a:latin typeface="Lao UI" panose="020B0502040204020203" pitchFamily="34" charset="0"/>
                 <a:cs typeface="Lao UI" panose="020B0502040204020203" pitchFamily="34" charset="0"/>
               </a:rPr>
               <a:t>Positionierung: </a:t>
             </a:r>
             <a:r>
-              <a:rPr lang="de-DE" sz="2400">
+              <a:rPr lang="de-DE" sz="2400" dirty="0">
                 <a:latin typeface="Lao UI" panose="020B0502040204020203" pitchFamily="34" charset="0"/>
                 <a:cs typeface="Lao UI" panose="020B0502040204020203" pitchFamily="34" charset="0"/>
                 <a:hlinkClick r:id="rId7"/>
               </a:rPr>
               <a:t>https://wiki.selfhtml.org/wiki/CSS/Eigenschaften/Positionierung/position</a:t>
             </a:r>
-            <a:endParaRPr lang="de-DE" sz="2400">
+            <a:endParaRPr lang="de-DE" sz="2400" dirty="0">
               <a:latin typeface="Lao UI" panose="020B0502040204020203" pitchFamily="34" charset="0"/>
               <a:cs typeface="Lao UI" panose="020B0502040204020203" pitchFamily="34" charset="0"/>
             </a:endParaRPr>
@@ -21412,21 +21585,28 @@
               <a:buChar char="•"/>
             </a:pPr>
             <a:r>
-              <a:rPr lang="de-DE" sz="2400">
-                <a:latin typeface="Lao UI" panose="020B0502040204020203" pitchFamily="34" charset="0"/>
-                <a:cs typeface="Lao UI" panose="020B0502040204020203" pitchFamily="34" charset="0"/>
-              </a:rPr>
-              <a:t>Flexbox: </a:t>
-            </a:r>
-            <a:r>
-              <a:rPr lang="de-DE" sz="2400">
+              <a:rPr lang="de-DE" sz="2400" dirty="0" err="1">
+                <a:latin typeface="Lao UI" panose="020B0502040204020203" pitchFamily="34" charset="0"/>
+                <a:cs typeface="Lao UI" panose="020B0502040204020203" pitchFamily="34" charset="0"/>
+              </a:rPr>
+              <a:t>Flexbox</a:t>
+            </a:r>
+            <a:r>
+              <a:rPr lang="de-DE" sz="2400" dirty="0">
+                <a:latin typeface="Lao UI" panose="020B0502040204020203" pitchFamily="34" charset="0"/>
+                <a:cs typeface="Lao UI" panose="020B0502040204020203" pitchFamily="34" charset="0"/>
+              </a:rPr>
+              <a:t>: </a:t>
+            </a:r>
+            <a:r>
+              <a:rPr lang="de-DE" sz="2400" dirty="0">
                 <a:latin typeface="Lao UI" panose="020B0502040204020203" pitchFamily="34" charset="0"/>
                 <a:cs typeface="Lao UI" panose="020B0502040204020203" pitchFamily="34" charset="0"/>
                 <a:hlinkClick r:id="rId8"/>
               </a:rPr>
               <a:t>https://css-tricks.com/snippets/css/a-guide-to-flexbox/</a:t>
             </a:r>
-            <a:endParaRPr lang="de-DE" sz="2400">
+            <a:endParaRPr lang="de-DE" sz="2400" dirty="0">
               <a:latin typeface="Lao UI" panose="020B0502040204020203" pitchFamily="34" charset="0"/>
               <a:cs typeface="Lao UI" panose="020B0502040204020203" pitchFamily="34" charset="0"/>
             </a:endParaRPr>
@@ -21437,21 +21617,28 @@
               <a:buChar char="•"/>
             </a:pPr>
             <a:r>
-              <a:rPr lang="de-DE" sz="2400">
-                <a:latin typeface="Lao UI" panose="020B0502040204020203" pitchFamily="34" charset="0"/>
-                <a:cs typeface="Lao UI" panose="020B0502040204020203" pitchFamily="34" charset="0"/>
-              </a:rPr>
-              <a:t>GridLayout: </a:t>
-            </a:r>
-            <a:r>
-              <a:rPr lang="de-DE" sz="2400">
+              <a:rPr lang="de-DE" sz="2400" dirty="0" err="1">
+                <a:latin typeface="Lao UI" panose="020B0502040204020203" pitchFamily="34" charset="0"/>
+                <a:cs typeface="Lao UI" panose="020B0502040204020203" pitchFamily="34" charset="0"/>
+              </a:rPr>
+              <a:t>GridLayout</a:t>
+            </a:r>
+            <a:r>
+              <a:rPr lang="de-DE" sz="2400" dirty="0">
+                <a:latin typeface="Lao UI" panose="020B0502040204020203" pitchFamily="34" charset="0"/>
+                <a:cs typeface="Lao UI" panose="020B0502040204020203" pitchFamily="34" charset="0"/>
+              </a:rPr>
+              <a:t>: </a:t>
+            </a:r>
+            <a:r>
+              <a:rPr lang="de-DE" sz="2400" dirty="0">
                 <a:latin typeface="Lao UI" panose="020B0502040204020203" pitchFamily="34" charset="0"/>
                 <a:cs typeface="Lao UI" panose="020B0502040204020203" pitchFamily="34" charset="0"/>
                 <a:hlinkClick r:id="rId9"/>
               </a:rPr>
               <a:t>https://css-tricks.com/snippets/css/complete-guide-grid/</a:t>
             </a:r>
-            <a:endParaRPr lang="de-DE" sz="2400">
+            <a:endParaRPr lang="de-DE" sz="2400" dirty="0">
               <a:latin typeface="Lao UI" panose="020B0502040204020203" pitchFamily="34" charset="0"/>
               <a:cs typeface="Lao UI" panose="020B0502040204020203" pitchFamily="34" charset="0"/>
             </a:endParaRPr>
@@ -21461,7 +21648,7 @@
               <a:buFont typeface="Arial" panose="020B0604020202020204" pitchFamily="34" charset="0"/>
               <a:buChar char="•"/>
             </a:pPr>
-            <a:endParaRPr lang="de-DE">
+            <a:endParaRPr lang="de-DE" dirty="0">
               <a:latin typeface="Lao UI" panose="020B0502040204020203" pitchFamily="34" charset="0"/>
               <a:cs typeface="Lao UI" panose="020B0502040204020203" pitchFamily="34" charset="0"/>
             </a:endParaRPr>
